--- a/docs/diagrams/ModelComponentClassDiagram.pptx
+++ b/docs/diagrams/ModelComponentClassDiagram.pptx
@@ -10,7 +10,7 @@
   <p:sldIdLst>
     <p:sldId id="263" r:id="rId2"/>
   </p:sldIdLst>
-  <p:sldSz cx="9144000" cy="6858000" type="screen4x3"/>
+  <p:sldSz cx="9144000" cy="9018588"/>
   <p:notesSz cx="6858000" cy="9144000"/>
   <p:defaultTextStyle>
     <a:defPPr>
@@ -110,12 +110,12 @@
   <p:extLst>
     <p:ext uri="{EFAFB233-063F-42B5-8137-9DF3F51BA10A}">
       <p15:sldGuideLst xmlns:p15="http://schemas.microsoft.com/office/powerpoint/2012/main">
-        <p15:guide id="1" orient="horz" pos="1488">
+        <p15:guide id="1" orient="horz" pos="1957" userDrawn="1">
           <p15:clr>
             <a:srgbClr val="A4A3A4"/>
           </p15:clr>
         </p15:guide>
-        <p15:guide id="2" pos="2880">
+        <p15:guide id="2" pos="2880" userDrawn="1">
           <p15:clr>
             <a:srgbClr val="A4A3A4"/>
           </p15:clr>
@@ -208,7 +208,7 @@
           <a:p>
             <a:fld id="{F5CC4B3F-88C1-4FFA-B1B6-F41C21DC6924}" type="datetimeFigureOut">
               <a:rPr lang="en-US" smtClean="0"/>
-              <a:t>6/27/2018</a:t>
+              <a:t>11/10/18</a:t>
             </a:fld>
             <a:endParaRPr lang="en-US"/>
           </a:p>
@@ -226,8 +226,8 @@
         </p:nvSpPr>
         <p:spPr>
           <a:xfrm>
-            <a:off x="1143000" y="685800"/>
-            <a:ext cx="4572000" cy="3429000"/>
+            <a:off x="1690688" y="685800"/>
+            <a:ext cx="3476625" cy="3429000"/>
           </a:xfrm>
           <a:prstGeom prst="rect">
             <a:avLst/>
@@ -504,8 +504,8 @@
         </p:nvSpPr>
         <p:spPr>
           <a:xfrm>
-            <a:off x="685800" y="2130425"/>
-            <a:ext cx="7772400" cy="1470025"/>
+            <a:off x="685800" y="2801610"/>
+            <a:ext cx="7772400" cy="1933151"/>
           </a:xfrm>
         </p:spPr>
         <p:txBody>
@@ -531,8 +531,8 @@
         </p:nvSpPr>
         <p:spPr>
           <a:xfrm>
-            <a:off x="1371600" y="3886200"/>
-            <a:ext cx="6400800" cy="1752600"/>
+            <a:off x="1371600" y="5110533"/>
+            <a:ext cx="6400800" cy="2304750"/>
           </a:xfrm>
         </p:spPr>
         <p:txBody>
@@ -548,7 +548,7 @@
                 </a:solidFill>
               </a:defRPr>
             </a:lvl1pPr>
-            <a:lvl2pPr marL="457200" indent="0" algn="ctr">
+            <a:lvl2pPr marL="457166" indent="0" algn="ctr">
               <a:buNone/>
               <a:defRPr>
                 <a:solidFill>
@@ -558,7 +558,7 @@
                 </a:solidFill>
               </a:defRPr>
             </a:lvl2pPr>
-            <a:lvl3pPr marL="914400" indent="0" algn="ctr">
+            <a:lvl3pPr marL="914332" indent="0" algn="ctr">
               <a:buNone/>
               <a:defRPr>
                 <a:solidFill>
@@ -568,7 +568,7 @@
                 </a:solidFill>
               </a:defRPr>
             </a:lvl3pPr>
-            <a:lvl4pPr marL="1371600" indent="0" algn="ctr">
+            <a:lvl4pPr marL="1371499" indent="0" algn="ctr">
               <a:buNone/>
               <a:defRPr>
                 <a:solidFill>
@@ -578,7 +578,7 @@
                 </a:solidFill>
               </a:defRPr>
             </a:lvl4pPr>
-            <a:lvl5pPr marL="1828800" indent="0" algn="ctr">
+            <a:lvl5pPr marL="1828665" indent="0" algn="ctr">
               <a:buNone/>
               <a:defRPr>
                 <a:solidFill>
@@ -588,7 +588,7 @@
                 </a:solidFill>
               </a:defRPr>
             </a:lvl5pPr>
-            <a:lvl6pPr marL="2286000" indent="0" algn="ctr">
+            <a:lvl6pPr marL="2285831" indent="0" algn="ctr">
               <a:buNone/>
               <a:defRPr>
                 <a:solidFill>
@@ -598,7 +598,7 @@
                 </a:solidFill>
               </a:defRPr>
             </a:lvl6pPr>
-            <a:lvl7pPr marL="2743200" indent="0" algn="ctr">
+            <a:lvl7pPr marL="2742997" indent="0" algn="ctr">
               <a:buNone/>
               <a:defRPr>
                 <a:solidFill>
@@ -608,7 +608,7 @@
                 </a:solidFill>
               </a:defRPr>
             </a:lvl7pPr>
-            <a:lvl8pPr marL="3200400" indent="0" algn="ctr">
+            <a:lvl8pPr marL="3200163" indent="0" algn="ctr">
               <a:buNone/>
               <a:defRPr>
                 <a:solidFill>
@@ -618,7 +618,7 @@
                 </a:solidFill>
               </a:defRPr>
             </a:lvl8pPr>
-            <a:lvl9pPr marL="3657600" indent="0" algn="ctr">
+            <a:lvl9pPr marL="3657329" indent="0" algn="ctr">
               <a:buNone/>
               <a:defRPr>
                 <a:solidFill>
@@ -654,7 +654,7 @@
           <a:p>
             <a:fld id="{78C97017-6FC3-485B-9764-EAC9E56C1D49}" type="datetimeFigureOut">
               <a:rPr lang="en-US" smtClean="0"/>
-              <a:t>6/27/2018</a:t>
+              <a:t>11/10/18</a:t>
             </a:fld>
             <a:endParaRPr lang="en-US"/>
           </a:p>
@@ -822,7 +822,7 @@
           <a:p>
             <a:fld id="{78C97017-6FC3-485B-9764-EAC9E56C1D49}" type="datetimeFigureOut">
               <a:rPr lang="en-US" smtClean="0"/>
-              <a:t>6/27/2018</a:t>
+              <a:t>11/10/18</a:t>
             </a:fld>
             <a:endParaRPr lang="en-US"/>
           </a:p>
@@ -912,8 +912,8 @@
         </p:nvSpPr>
         <p:spPr>
           <a:xfrm>
-            <a:off x="6629400" y="274638"/>
-            <a:ext cx="2057400" cy="5851525"/>
+            <a:off x="6629400" y="361164"/>
+            <a:ext cx="2057400" cy="7695027"/>
           </a:xfrm>
         </p:spPr>
         <p:txBody>
@@ -939,8 +939,8 @@
         </p:nvSpPr>
         <p:spPr>
           <a:xfrm>
-            <a:off x="457200" y="274638"/>
-            <a:ext cx="6019800" cy="5851525"/>
+            <a:off x="457200" y="361164"/>
+            <a:ext cx="6019800" cy="7695027"/>
           </a:xfrm>
         </p:spPr>
         <p:txBody>
@@ -1000,7 +1000,7 @@
           <a:p>
             <a:fld id="{78C97017-6FC3-485B-9764-EAC9E56C1D49}" type="datetimeFigureOut">
               <a:rPr lang="en-US" smtClean="0"/>
-              <a:t>6/27/2018</a:t>
+              <a:t>11/10/18</a:t>
             </a:fld>
             <a:endParaRPr lang="en-US"/>
           </a:p>
@@ -1168,7 +1168,7 @@
           <a:p>
             <a:fld id="{78C97017-6FC3-485B-9764-EAC9E56C1D49}" type="datetimeFigureOut">
               <a:rPr lang="en-US" smtClean="0"/>
-              <a:t>6/27/2018</a:t>
+              <a:t>11/10/18</a:t>
             </a:fld>
             <a:endParaRPr lang="en-US"/>
           </a:p>
@@ -1258,8 +1258,8 @@
         </p:nvSpPr>
         <p:spPr>
           <a:xfrm>
-            <a:off x="722313" y="4406900"/>
-            <a:ext cx="7772400" cy="1362075"/>
+            <a:off x="722313" y="5795278"/>
+            <a:ext cx="7772400" cy="1791192"/>
           </a:xfrm>
         </p:spPr>
         <p:txBody>
@@ -1289,8 +1289,8 @@
         </p:nvSpPr>
         <p:spPr>
           <a:xfrm>
-            <a:off x="722313" y="2906713"/>
-            <a:ext cx="7772400" cy="1500187"/>
+            <a:off x="722313" y="3822465"/>
+            <a:ext cx="7772400" cy="1972815"/>
           </a:xfrm>
         </p:spPr>
         <p:txBody>
@@ -1306,7 +1306,7 @@
                 </a:solidFill>
               </a:defRPr>
             </a:lvl1pPr>
-            <a:lvl2pPr marL="457200" indent="0">
+            <a:lvl2pPr marL="457166" indent="0">
               <a:buNone/>
               <a:defRPr sz="1800">
                 <a:solidFill>
@@ -1316,7 +1316,7 @@
                 </a:solidFill>
               </a:defRPr>
             </a:lvl2pPr>
-            <a:lvl3pPr marL="914400" indent="0">
+            <a:lvl3pPr marL="914332" indent="0">
               <a:buNone/>
               <a:defRPr sz="1600">
                 <a:solidFill>
@@ -1326,7 +1326,7 @@
                 </a:solidFill>
               </a:defRPr>
             </a:lvl3pPr>
-            <a:lvl4pPr marL="1371600" indent="0">
+            <a:lvl4pPr marL="1371499" indent="0">
               <a:buNone/>
               <a:defRPr sz="1400">
                 <a:solidFill>
@@ -1336,7 +1336,7 @@
                 </a:solidFill>
               </a:defRPr>
             </a:lvl4pPr>
-            <a:lvl5pPr marL="1828800" indent="0">
+            <a:lvl5pPr marL="1828665" indent="0">
               <a:buNone/>
               <a:defRPr sz="1400">
                 <a:solidFill>
@@ -1346,7 +1346,7 @@
                 </a:solidFill>
               </a:defRPr>
             </a:lvl5pPr>
-            <a:lvl6pPr marL="2286000" indent="0">
+            <a:lvl6pPr marL="2285831" indent="0">
               <a:buNone/>
               <a:defRPr sz="1400">
                 <a:solidFill>
@@ -1356,7 +1356,7 @@
                 </a:solidFill>
               </a:defRPr>
             </a:lvl6pPr>
-            <a:lvl7pPr marL="2743200" indent="0">
+            <a:lvl7pPr marL="2742997" indent="0">
               <a:buNone/>
               <a:defRPr sz="1400">
                 <a:solidFill>
@@ -1366,7 +1366,7 @@
                 </a:solidFill>
               </a:defRPr>
             </a:lvl7pPr>
-            <a:lvl8pPr marL="3200400" indent="0">
+            <a:lvl8pPr marL="3200163" indent="0">
               <a:buNone/>
               <a:defRPr sz="1400">
                 <a:solidFill>
@@ -1376,7 +1376,7 @@
                 </a:solidFill>
               </a:defRPr>
             </a:lvl8pPr>
-            <a:lvl9pPr marL="3657600" indent="0">
+            <a:lvl9pPr marL="3657329" indent="0">
               <a:buNone/>
               <a:defRPr sz="1400">
                 <a:solidFill>
@@ -1413,7 +1413,7 @@
           <a:p>
             <a:fld id="{78C97017-6FC3-485B-9764-EAC9E56C1D49}" type="datetimeFigureOut">
               <a:rPr lang="en-US" smtClean="0"/>
-              <a:t>6/27/2018</a:t>
+              <a:t>11/10/18</a:t>
             </a:fld>
             <a:endParaRPr lang="en-US"/>
           </a:p>
@@ -1525,8 +1525,8 @@
         </p:nvSpPr>
         <p:spPr>
           <a:xfrm>
-            <a:off x="457200" y="1600200"/>
-            <a:ext cx="4038600" cy="4525963"/>
+            <a:off x="457200" y="2104339"/>
+            <a:ext cx="4038600" cy="5951851"/>
           </a:xfrm>
         </p:spPr>
         <p:txBody>
@@ -1609,8 +1609,8 @@
         </p:nvSpPr>
         <p:spPr>
           <a:xfrm>
-            <a:off x="4648200" y="1600200"/>
-            <a:ext cx="4038600" cy="4525963"/>
+            <a:off x="4648200" y="2104339"/>
+            <a:ext cx="4038600" cy="5951851"/>
           </a:xfrm>
         </p:spPr>
         <p:txBody>
@@ -1698,7 +1698,7 @@
           <a:p>
             <a:fld id="{78C97017-6FC3-485B-9764-EAC9E56C1D49}" type="datetimeFigureOut">
               <a:rPr lang="en-US" smtClean="0"/>
-              <a:t>6/27/2018</a:t>
+              <a:t>11/10/18</a:t>
             </a:fld>
             <a:endParaRPr lang="en-US"/>
           </a:p>
@@ -1814,8 +1814,8 @@
         </p:nvSpPr>
         <p:spPr>
           <a:xfrm>
-            <a:off x="457200" y="1535113"/>
-            <a:ext cx="4040188" cy="639762"/>
+            <a:off x="457200" y="2018746"/>
+            <a:ext cx="4040188" cy="841317"/>
           </a:xfrm>
         </p:spPr>
         <p:txBody>
@@ -1825,35 +1825,35 @@
               <a:buNone/>
               <a:defRPr sz="2400" b="1"/>
             </a:lvl1pPr>
-            <a:lvl2pPr marL="457200" indent="0">
+            <a:lvl2pPr marL="457166" indent="0">
               <a:buNone/>
               <a:defRPr sz="2000" b="1"/>
             </a:lvl2pPr>
-            <a:lvl3pPr marL="914400" indent="0">
+            <a:lvl3pPr marL="914332" indent="0">
               <a:buNone/>
               <a:defRPr sz="1800" b="1"/>
             </a:lvl3pPr>
-            <a:lvl4pPr marL="1371600" indent="0">
+            <a:lvl4pPr marL="1371499" indent="0">
               <a:buNone/>
               <a:defRPr sz="1600" b="1"/>
             </a:lvl4pPr>
-            <a:lvl5pPr marL="1828800" indent="0">
+            <a:lvl5pPr marL="1828665" indent="0">
               <a:buNone/>
               <a:defRPr sz="1600" b="1"/>
             </a:lvl5pPr>
-            <a:lvl6pPr marL="2286000" indent="0">
+            <a:lvl6pPr marL="2285831" indent="0">
               <a:buNone/>
               <a:defRPr sz="1600" b="1"/>
             </a:lvl6pPr>
-            <a:lvl7pPr marL="2743200" indent="0">
+            <a:lvl7pPr marL="2742997" indent="0">
               <a:buNone/>
               <a:defRPr sz="1600" b="1"/>
             </a:lvl7pPr>
-            <a:lvl8pPr marL="3200400" indent="0">
+            <a:lvl8pPr marL="3200163" indent="0">
               <a:buNone/>
               <a:defRPr sz="1600" b="1"/>
             </a:lvl8pPr>
-            <a:lvl9pPr marL="3657600" indent="0">
+            <a:lvl9pPr marL="3657329" indent="0">
               <a:buNone/>
               <a:defRPr sz="1600" b="1"/>
             </a:lvl9pPr>
@@ -1879,8 +1879,8 @@
         </p:nvSpPr>
         <p:spPr>
           <a:xfrm>
-            <a:off x="457200" y="2174875"/>
-            <a:ext cx="4040188" cy="3951288"/>
+            <a:off x="457200" y="2860061"/>
+            <a:ext cx="4040188" cy="5196127"/>
           </a:xfrm>
         </p:spPr>
         <p:txBody>
@@ -1963,8 +1963,8 @@
         </p:nvSpPr>
         <p:spPr>
           <a:xfrm>
-            <a:off x="4645025" y="1535113"/>
-            <a:ext cx="4041775" cy="639762"/>
+            <a:off x="4645028" y="2018746"/>
+            <a:ext cx="4041775" cy="841317"/>
           </a:xfrm>
         </p:spPr>
         <p:txBody>
@@ -1974,35 +1974,35 @@
               <a:buNone/>
               <a:defRPr sz="2400" b="1"/>
             </a:lvl1pPr>
-            <a:lvl2pPr marL="457200" indent="0">
+            <a:lvl2pPr marL="457166" indent="0">
               <a:buNone/>
               <a:defRPr sz="2000" b="1"/>
             </a:lvl2pPr>
-            <a:lvl3pPr marL="914400" indent="0">
+            <a:lvl3pPr marL="914332" indent="0">
               <a:buNone/>
               <a:defRPr sz="1800" b="1"/>
             </a:lvl3pPr>
-            <a:lvl4pPr marL="1371600" indent="0">
+            <a:lvl4pPr marL="1371499" indent="0">
               <a:buNone/>
               <a:defRPr sz="1600" b="1"/>
             </a:lvl4pPr>
-            <a:lvl5pPr marL="1828800" indent="0">
+            <a:lvl5pPr marL="1828665" indent="0">
               <a:buNone/>
               <a:defRPr sz="1600" b="1"/>
             </a:lvl5pPr>
-            <a:lvl6pPr marL="2286000" indent="0">
+            <a:lvl6pPr marL="2285831" indent="0">
               <a:buNone/>
               <a:defRPr sz="1600" b="1"/>
             </a:lvl6pPr>
-            <a:lvl7pPr marL="2743200" indent="0">
+            <a:lvl7pPr marL="2742997" indent="0">
               <a:buNone/>
               <a:defRPr sz="1600" b="1"/>
             </a:lvl7pPr>
-            <a:lvl8pPr marL="3200400" indent="0">
+            <a:lvl8pPr marL="3200163" indent="0">
               <a:buNone/>
               <a:defRPr sz="1600" b="1"/>
             </a:lvl8pPr>
-            <a:lvl9pPr marL="3657600" indent="0">
+            <a:lvl9pPr marL="3657329" indent="0">
               <a:buNone/>
               <a:defRPr sz="1600" b="1"/>
             </a:lvl9pPr>
@@ -2028,8 +2028,8 @@
         </p:nvSpPr>
         <p:spPr>
           <a:xfrm>
-            <a:off x="4645025" y="2174875"/>
-            <a:ext cx="4041775" cy="3951288"/>
+            <a:off x="4645028" y="2860061"/>
+            <a:ext cx="4041775" cy="5196127"/>
           </a:xfrm>
         </p:spPr>
         <p:txBody>
@@ -2117,7 +2117,7 @@
           <a:p>
             <a:fld id="{78C97017-6FC3-485B-9764-EAC9E56C1D49}" type="datetimeFigureOut">
               <a:rPr lang="en-US" smtClean="0"/>
-              <a:t>6/27/2018</a:t>
+              <a:t>11/10/18</a:t>
             </a:fld>
             <a:endParaRPr lang="en-US"/>
           </a:p>
@@ -2234,7 +2234,7 @@
           <a:p>
             <a:fld id="{78C97017-6FC3-485B-9764-EAC9E56C1D49}" type="datetimeFigureOut">
               <a:rPr lang="en-US" smtClean="0"/>
-              <a:t>6/27/2018</a:t>
+              <a:t>11/10/18</a:t>
             </a:fld>
             <a:endParaRPr lang="en-US"/>
           </a:p>
@@ -2329,7 +2329,7 @@
           <a:p>
             <a:fld id="{78C97017-6FC3-485B-9764-EAC9E56C1D49}" type="datetimeFigureOut">
               <a:rPr lang="en-US" smtClean="0"/>
-              <a:t>6/27/2018</a:t>
+              <a:t>11/10/18</a:t>
             </a:fld>
             <a:endParaRPr lang="en-US"/>
           </a:p>
@@ -2419,8 +2419,8 @@
         </p:nvSpPr>
         <p:spPr>
           <a:xfrm>
-            <a:off x="457200" y="273050"/>
-            <a:ext cx="3008313" cy="1162050"/>
+            <a:off x="457203" y="359073"/>
+            <a:ext cx="3008313" cy="1528150"/>
           </a:xfrm>
         </p:spPr>
         <p:txBody>
@@ -2450,8 +2450,8 @@
         </p:nvSpPr>
         <p:spPr>
           <a:xfrm>
-            <a:off x="3575050" y="273050"/>
-            <a:ext cx="5111750" cy="5853113"/>
+            <a:off x="3575050" y="359075"/>
+            <a:ext cx="5111750" cy="7697115"/>
           </a:xfrm>
         </p:spPr>
         <p:txBody>
@@ -2534,8 +2534,8 @@
         </p:nvSpPr>
         <p:spPr>
           <a:xfrm>
-            <a:off x="457200" y="1435100"/>
-            <a:ext cx="3008313" cy="4691063"/>
+            <a:off x="457203" y="1887225"/>
+            <a:ext cx="3008313" cy="6168965"/>
           </a:xfrm>
         </p:spPr>
         <p:txBody>
@@ -2545,35 +2545,35 @@
               <a:buNone/>
               <a:defRPr sz="1400"/>
             </a:lvl1pPr>
-            <a:lvl2pPr marL="457200" indent="0">
+            <a:lvl2pPr marL="457166" indent="0">
               <a:buNone/>
               <a:defRPr sz="1200"/>
             </a:lvl2pPr>
-            <a:lvl3pPr marL="914400" indent="0">
+            <a:lvl3pPr marL="914332" indent="0">
               <a:buNone/>
               <a:defRPr sz="1000"/>
             </a:lvl3pPr>
-            <a:lvl4pPr marL="1371600" indent="0">
+            <a:lvl4pPr marL="1371499" indent="0">
               <a:buNone/>
               <a:defRPr sz="900"/>
             </a:lvl4pPr>
-            <a:lvl5pPr marL="1828800" indent="0">
+            <a:lvl5pPr marL="1828665" indent="0">
               <a:buNone/>
               <a:defRPr sz="900"/>
             </a:lvl5pPr>
-            <a:lvl6pPr marL="2286000" indent="0">
+            <a:lvl6pPr marL="2285831" indent="0">
               <a:buNone/>
               <a:defRPr sz="900"/>
             </a:lvl6pPr>
-            <a:lvl7pPr marL="2743200" indent="0">
+            <a:lvl7pPr marL="2742997" indent="0">
               <a:buNone/>
               <a:defRPr sz="900"/>
             </a:lvl7pPr>
-            <a:lvl8pPr marL="3200400" indent="0">
+            <a:lvl8pPr marL="3200163" indent="0">
               <a:buNone/>
               <a:defRPr sz="900"/>
             </a:lvl8pPr>
-            <a:lvl9pPr marL="3657600" indent="0">
+            <a:lvl9pPr marL="3657329" indent="0">
               <a:buNone/>
               <a:defRPr sz="900"/>
             </a:lvl9pPr>
@@ -2604,7 +2604,7 @@
           <a:p>
             <a:fld id="{78C97017-6FC3-485B-9764-EAC9E56C1D49}" type="datetimeFigureOut">
               <a:rPr lang="en-US" smtClean="0"/>
-              <a:t>6/27/2018</a:t>
+              <a:t>11/10/18</a:t>
             </a:fld>
             <a:endParaRPr lang="en-US"/>
           </a:p>
@@ -2694,8 +2694,8 @@
         </p:nvSpPr>
         <p:spPr>
           <a:xfrm>
-            <a:off x="1792288" y="4800600"/>
-            <a:ext cx="5486400" cy="566738"/>
+            <a:off x="1792288" y="6313011"/>
+            <a:ext cx="5486400" cy="745287"/>
           </a:xfrm>
         </p:spPr>
         <p:txBody>
@@ -2725,8 +2725,8 @@
         </p:nvSpPr>
         <p:spPr>
           <a:xfrm>
-            <a:off x="1792288" y="612775"/>
-            <a:ext cx="5486400" cy="4114800"/>
+            <a:off x="1792288" y="805827"/>
+            <a:ext cx="5486400" cy="5411153"/>
           </a:xfrm>
         </p:spPr>
         <p:txBody>
@@ -2736,35 +2736,35 @@
               <a:buNone/>
               <a:defRPr sz="3200"/>
             </a:lvl1pPr>
-            <a:lvl2pPr marL="457200" indent="0">
+            <a:lvl2pPr marL="457166" indent="0">
               <a:buNone/>
               <a:defRPr sz="2800"/>
             </a:lvl2pPr>
-            <a:lvl3pPr marL="914400" indent="0">
+            <a:lvl3pPr marL="914332" indent="0">
               <a:buNone/>
               <a:defRPr sz="2400"/>
             </a:lvl3pPr>
-            <a:lvl4pPr marL="1371600" indent="0">
+            <a:lvl4pPr marL="1371499" indent="0">
               <a:buNone/>
               <a:defRPr sz="2000"/>
             </a:lvl4pPr>
-            <a:lvl5pPr marL="1828800" indent="0">
+            <a:lvl5pPr marL="1828665" indent="0">
               <a:buNone/>
               <a:defRPr sz="2000"/>
             </a:lvl5pPr>
-            <a:lvl6pPr marL="2286000" indent="0">
+            <a:lvl6pPr marL="2285831" indent="0">
               <a:buNone/>
               <a:defRPr sz="2000"/>
             </a:lvl6pPr>
-            <a:lvl7pPr marL="2743200" indent="0">
+            <a:lvl7pPr marL="2742997" indent="0">
               <a:buNone/>
               <a:defRPr sz="2000"/>
             </a:lvl7pPr>
-            <a:lvl8pPr marL="3200400" indent="0">
+            <a:lvl8pPr marL="3200163" indent="0">
               <a:buNone/>
               <a:defRPr sz="2000"/>
             </a:lvl8pPr>
-            <a:lvl9pPr marL="3657600" indent="0">
+            <a:lvl9pPr marL="3657329" indent="0">
               <a:buNone/>
               <a:defRPr sz="2000"/>
             </a:lvl9pPr>
@@ -2786,8 +2786,8 @@
         </p:nvSpPr>
         <p:spPr>
           <a:xfrm>
-            <a:off x="1792288" y="5367338"/>
-            <a:ext cx="5486400" cy="804862"/>
+            <a:off x="1792288" y="7058298"/>
+            <a:ext cx="5486400" cy="1058431"/>
           </a:xfrm>
         </p:spPr>
         <p:txBody>
@@ -2797,35 +2797,35 @@
               <a:buNone/>
               <a:defRPr sz="1400"/>
             </a:lvl1pPr>
-            <a:lvl2pPr marL="457200" indent="0">
+            <a:lvl2pPr marL="457166" indent="0">
               <a:buNone/>
               <a:defRPr sz="1200"/>
             </a:lvl2pPr>
-            <a:lvl3pPr marL="914400" indent="0">
+            <a:lvl3pPr marL="914332" indent="0">
               <a:buNone/>
               <a:defRPr sz="1000"/>
             </a:lvl3pPr>
-            <a:lvl4pPr marL="1371600" indent="0">
+            <a:lvl4pPr marL="1371499" indent="0">
               <a:buNone/>
               <a:defRPr sz="900"/>
             </a:lvl4pPr>
-            <a:lvl5pPr marL="1828800" indent="0">
+            <a:lvl5pPr marL="1828665" indent="0">
               <a:buNone/>
               <a:defRPr sz="900"/>
             </a:lvl5pPr>
-            <a:lvl6pPr marL="2286000" indent="0">
+            <a:lvl6pPr marL="2285831" indent="0">
               <a:buNone/>
               <a:defRPr sz="900"/>
             </a:lvl6pPr>
-            <a:lvl7pPr marL="2743200" indent="0">
+            <a:lvl7pPr marL="2742997" indent="0">
               <a:buNone/>
               <a:defRPr sz="900"/>
             </a:lvl7pPr>
-            <a:lvl8pPr marL="3200400" indent="0">
+            <a:lvl8pPr marL="3200163" indent="0">
               <a:buNone/>
               <a:defRPr sz="900"/>
             </a:lvl8pPr>
-            <a:lvl9pPr marL="3657600" indent="0">
+            <a:lvl9pPr marL="3657329" indent="0">
               <a:buNone/>
               <a:defRPr sz="900"/>
             </a:lvl9pPr>
@@ -2856,7 +2856,7 @@
           <a:p>
             <a:fld id="{78C97017-6FC3-485B-9764-EAC9E56C1D49}" type="datetimeFigureOut">
               <a:rPr lang="en-US" smtClean="0"/>
-              <a:t>6/27/2018</a:t>
+              <a:t>11/10/18</a:t>
             </a:fld>
             <a:endParaRPr lang="en-US"/>
           </a:p>
@@ -2951,8 +2951,8 @@
         </p:nvSpPr>
         <p:spPr>
           <a:xfrm>
-            <a:off x="457200" y="274638"/>
-            <a:ext cx="8229600" cy="1143000"/>
+            <a:off x="457200" y="361162"/>
+            <a:ext cx="8229600" cy="1503098"/>
           </a:xfrm>
           <a:prstGeom prst="rect">
             <a:avLst/>
@@ -2983,8 +2983,8 @@
         </p:nvSpPr>
         <p:spPr>
           <a:xfrm>
-            <a:off x="457200" y="1600200"/>
-            <a:ext cx="8229600" cy="4525963"/>
+            <a:off x="457200" y="2104339"/>
+            <a:ext cx="8229600" cy="5951851"/>
           </a:xfrm>
           <a:prstGeom prst="rect">
             <a:avLst/>
@@ -3044,8 +3044,8 @@
         </p:nvSpPr>
         <p:spPr>
           <a:xfrm>
-            <a:off x="457200" y="6356350"/>
-            <a:ext cx="2133600" cy="365125"/>
+            <a:off x="457200" y="8358897"/>
+            <a:ext cx="2133600" cy="480156"/>
           </a:xfrm>
           <a:prstGeom prst="rect">
             <a:avLst/>
@@ -3067,7 +3067,7 @@
           <a:p>
             <a:fld id="{78C97017-6FC3-485B-9764-EAC9E56C1D49}" type="datetimeFigureOut">
               <a:rPr lang="en-US" smtClean="0"/>
-              <a:t>6/27/2018</a:t>
+              <a:t>11/10/18</a:t>
             </a:fld>
             <a:endParaRPr lang="en-US"/>
           </a:p>
@@ -3085,8 +3085,8 @@
         </p:nvSpPr>
         <p:spPr>
           <a:xfrm>
-            <a:off x="3124200" y="6356350"/>
-            <a:ext cx="2895600" cy="365125"/>
+            <a:off x="3124200" y="8358897"/>
+            <a:ext cx="2895600" cy="480156"/>
           </a:xfrm>
           <a:prstGeom prst="rect">
             <a:avLst/>
@@ -3122,8 +3122,8 @@
         </p:nvSpPr>
         <p:spPr>
           <a:xfrm>
-            <a:off x="6553200" y="6356350"/>
-            <a:ext cx="2133600" cy="365125"/>
+            <a:off x="6553200" y="8358897"/>
+            <a:ext cx="2133600" cy="480156"/>
           </a:xfrm>
           <a:prstGeom prst="rect">
             <a:avLst/>
@@ -3174,7 +3174,7 @@
   </p:sldLayoutIdLst>
   <p:txStyles>
     <p:titleStyle>
-      <a:lvl1pPr algn="ctr" defTabSz="914400" rtl="0" eaLnBrk="1" latinLnBrk="0" hangingPunct="1">
+      <a:lvl1pPr algn="ctr" defTabSz="914332" rtl="0" eaLnBrk="1" latinLnBrk="0" hangingPunct="1">
         <a:spcBef>
           <a:spcPct val="0"/>
         </a:spcBef>
@@ -3190,7 +3190,7 @@
       </a:lvl1pPr>
     </p:titleStyle>
     <p:bodyStyle>
-      <a:lvl1pPr marL="342900" indent="-342900" algn="l" defTabSz="914400" rtl="0" eaLnBrk="1" latinLnBrk="0" hangingPunct="1">
+      <a:lvl1pPr marL="342875" indent="-342875" algn="l" defTabSz="914332" rtl="0" eaLnBrk="1" latinLnBrk="0" hangingPunct="1">
         <a:spcBef>
           <a:spcPct val="20000"/>
         </a:spcBef>
@@ -3205,7 +3205,7 @@
           <a:cs typeface="+mn-cs"/>
         </a:defRPr>
       </a:lvl1pPr>
-      <a:lvl2pPr marL="742950" indent="-285750" algn="l" defTabSz="914400" rtl="0" eaLnBrk="1" latinLnBrk="0" hangingPunct="1">
+      <a:lvl2pPr marL="742895" indent="-285729" algn="l" defTabSz="914332" rtl="0" eaLnBrk="1" latinLnBrk="0" hangingPunct="1">
         <a:spcBef>
           <a:spcPct val="20000"/>
         </a:spcBef>
@@ -3220,7 +3220,7 @@
           <a:cs typeface="+mn-cs"/>
         </a:defRPr>
       </a:lvl2pPr>
-      <a:lvl3pPr marL="1143000" indent="-228600" algn="l" defTabSz="914400" rtl="0" eaLnBrk="1" latinLnBrk="0" hangingPunct="1">
+      <a:lvl3pPr marL="1142915" indent="-228583" algn="l" defTabSz="914332" rtl="0" eaLnBrk="1" latinLnBrk="0" hangingPunct="1">
         <a:spcBef>
           <a:spcPct val="20000"/>
         </a:spcBef>
@@ -3235,7 +3235,7 @@
           <a:cs typeface="+mn-cs"/>
         </a:defRPr>
       </a:lvl3pPr>
-      <a:lvl4pPr marL="1600200" indent="-228600" algn="l" defTabSz="914400" rtl="0" eaLnBrk="1" latinLnBrk="0" hangingPunct="1">
+      <a:lvl4pPr marL="1600082" indent="-228583" algn="l" defTabSz="914332" rtl="0" eaLnBrk="1" latinLnBrk="0" hangingPunct="1">
         <a:spcBef>
           <a:spcPct val="20000"/>
         </a:spcBef>
@@ -3250,7 +3250,7 @@
           <a:cs typeface="+mn-cs"/>
         </a:defRPr>
       </a:lvl4pPr>
-      <a:lvl5pPr marL="2057400" indent="-228600" algn="l" defTabSz="914400" rtl="0" eaLnBrk="1" latinLnBrk="0" hangingPunct="1">
+      <a:lvl5pPr marL="2057248" indent="-228583" algn="l" defTabSz="914332" rtl="0" eaLnBrk="1" latinLnBrk="0" hangingPunct="1">
         <a:spcBef>
           <a:spcPct val="20000"/>
         </a:spcBef>
@@ -3265,7 +3265,7 @@
           <a:cs typeface="+mn-cs"/>
         </a:defRPr>
       </a:lvl5pPr>
-      <a:lvl6pPr marL="2514600" indent="-228600" algn="l" defTabSz="914400" rtl="0" eaLnBrk="1" latinLnBrk="0" hangingPunct="1">
+      <a:lvl6pPr marL="2514414" indent="-228583" algn="l" defTabSz="914332" rtl="0" eaLnBrk="1" latinLnBrk="0" hangingPunct="1">
         <a:spcBef>
           <a:spcPct val="20000"/>
         </a:spcBef>
@@ -3280,7 +3280,7 @@
           <a:cs typeface="+mn-cs"/>
         </a:defRPr>
       </a:lvl6pPr>
-      <a:lvl7pPr marL="2971800" indent="-228600" algn="l" defTabSz="914400" rtl="0" eaLnBrk="1" latinLnBrk="0" hangingPunct="1">
+      <a:lvl7pPr marL="2971580" indent="-228583" algn="l" defTabSz="914332" rtl="0" eaLnBrk="1" latinLnBrk="0" hangingPunct="1">
         <a:spcBef>
           <a:spcPct val="20000"/>
         </a:spcBef>
@@ -3295,7 +3295,7 @@
           <a:cs typeface="+mn-cs"/>
         </a:defRPr>
       </a:lvl7pPr>
-      <a:lvl8pPr marL="3429000" indent="-228600" algn="l" defTabSz="914400" rtl="0" eaLnBrk="1" latinLnBrk="0" hangingPunct="1">
+      <a:lvl8pPr marL="3428746" indent="-228583" algn="l" defTabSz="914332" rtl="0" eaLnBrk="1" latinLnBrk="0" hangingPunct="1">
         <a:spcBef>
           <a:spcPct val="20000"/>
         </a:spcBef>
@@ -3310,7 +3310,7 @@
           <a:cs typeface="+mn-cs"/>
         </a:defRPr>
       </a:lvl8pPr>
-      <a:lvl9pPr marL="3886200" indent="-228600" algn="l" defTabSz="914400" rtl="0" eaLnBrk="1" latinLnBrk="0" hangingPunct="1">
+      <a:lvl9pPr marL="3885912" indent="-228583" algn="l" defTabSz="914332" rtl="0" eaLnBrk="1" latinLnBrk="0" hangingPunct="1">
         <a:spcBef>
           <a:spcPct val="20000"/>
         </a:spcBef>
@@ -3330,7 +3330,7 @@
       <a:defPPr>
         <a:defRPr lang="en-US"/>
       </a:defPPr>
-      <a:lvl1pPr marL="0" algn="l" defTabSz="914400" rtl="0" eaLnBrk="1" latinLnBrk="0" hangingPunct="1">
+      <a:lvl1pPr marL="0" algn="l" defTabSz="914332" rtl="0" eaLnBrk="1" latinLnBrk="0" hangingPunct="1">
         <a:defRPr sz="1800" kern="1200">
           <a:solidFill>
             <a:schemeClr val="tx1"/>
@@ -3340,7 +3340,7 @@
           <a:cs typeface="+mn-cs"/>
         </a:defRPr>
       </a:lvl1pPr>
-      <a:lvl2pPr marL="457200" algn="l" defTabSz="914400" rtl="0" eaLnBrk="1" latinLnBrk="0" hangingPunct="1">
+      <a:lvl2pPr marL="457166" algn="l" defTabSz="914332" rtl="0" eaLnBrk="1" latinLnBrk="0" hangingPunct="1">
         <a:defRPr sz="1800" kern="1200">
           <a:solidFill>
             <a:schemeClr val="tx1"/>
@@ -3350,7 +3350,7 @@
           <a:cs typeface="+mn-cs"/>
         </a:defRPr>
       </a:lvl2pPr>
-      <a:lvl3pPr marL="914400" algn="l" defTabSz="914400" rtl="0" eaLnBrk="1" latinLnBrk="0" hangingPunct="1">
+      <a:lvl3pPr marL="914332" algn="l" defTabSz="914332" rtl="0" eaLnBrk="1" latinLnBrk="0" hangingPunct="1">
         <a:defRPr sz="1800" kern="1200">
           <a:solidFill>
             <a:schemeClr val="tx1"/>
@@ -3360,7 +3360,7 @@
           <a:cs typeface="+mn-cs"/>
         </a:defRPr>
       </a:lvl3pPr>
-      <a:lvl4pPr marL="1371600" algn="l" defTabSz="914400" rtl="0" eaLnBrk="1" latinLnBrk="0" hangingPunct="1">
+      <a:lvl4pPr marL="1371499" algn="l" defTabSz="914332" rtl="0" eaLnBrk="1" latinLnBrk="0" hangingPunct="1">
         <a:defRPr sz="1800" kern="1200">
           <a:solidFill>
             <a:schemeClr val="tx1"/>
@@ -3370,7 +3370,7 @@
           <a:cs typeface="+mn-cs"/>
         </a:defRPr>
       </a:lvl4pPr>
-      <a:lvl5pPr marL="1828800" algn="l" defTabSz="914400" rtl="0" eaLnBrk="1" latinLnBrk="0" hangingPunct="1">
+      <a:lvl5pPr marL="1828665" algn="l" defTabSz="914332" rtl="0" eaLnBrk="1" latinLnBrk="0" hangingPunct="1">
         <a:defRPr sz="1800" kern="1200">
           <a:solidFill>
             <a:schemeClr val="tx1"/>
@@ -3380,7 +3380,7 @@
           <a:cs typeface="+mn-cs"/>
         </a:defRPr>
       </a:lvl5pPr>
-      <a:lvl6pPr marL="2286000" algn="l" defTabSz="914400" rtl="0" eaLnBrk="1" latinLnBrk="0" hangingPunct="1">
+      <a:lvl6pPr marL="2285831" algn="l" defTabSz="914332" rtl="0" eaLnBrk="1" latinLnBrk="0" hangingPunct="1">
         <a:defRPr sz="1800" kern="1200">
           <a:solidFill>
             <a:schemeClr val="tx1"/>
@@ -3390,7 +3390,7 @@
           <a:cs typeface="+mn-cs"/>
         </a:defRPr>
       </a:lvl6pPr>
-      <a:lvl7pPr marL="2743200" algn="l" defTabSz="914400" rtl="0" eaLnBrk="1" latinLnBrk="0" hangingPunct="1">
+      <a:lvl7pPr marL="2742997" algn="l" defTabSz="914332" rtl="0" eaLnBrk="1" latinLnBrk="0" hangingPunct="1">
         <a:defRPr sz="1800" kern="1200">
           <a:solidFill>
             <a:schemeClr val="tx1"/>
@@ -3400,7 +3400,7 @@
           <a:cs typeface="+mn-cs"/>
         </a:defRPr>
       </a:lvl7pPr>
-      <a:lvl8pPr marL="3200400" algn="l" defTabSz="914400" rtl="0" eaLnBrk="1" latinLnBrk="0" hangingPunct="1">
+      <a:lvl8pPr marL="3200163" algn="l" defTabSz="914332" rtl="0" eaLnBrk="1" latinLnBrk="0" hangingPunct="1">
         <a:defRPr sz="1800" kern="1200">
           <a:solidFill>
             <a:schemeClr val="tx1"/>
@@ -3410,7 +3410,7 @@
           <a:cs typeface="+mn-cs"/>
         </a:defRPr>
       </a:lvl8pPr>
-      <a:lvl9pPr marL="3657600" algn="l" defTabSz="914400" rtl="0" eaLnBrk="1" latinLnBrk="0" hangingPunct="1">
+      <a:lvl9pPr marL="3657329" algn="l" defTabSz="914332" rtl="0" eaLnBrk="1" latinLnBrk="0" hangingPunct="1">
         <a:defRPr sz="1800" kern="1200">
           <a:solidFill>
             <a:schemeClr val="tx1"/>
@@ -3450,8 +3450,8 @@
         </p:nvSpPr>
         <p:spPr>
           <a:xfrm>
-            <a:off x="1119865" y="1600200"/>
-            <a:ext cx="7490735" cy="3124200"/>
+            <a:off x="302645" y="775494"/>
+            <a:ext cx="8538709" cy="7738080"/>
           </a:xfrm>
           <a:prstGeom prst="roundRect">
             <a:avLst>
@@ -3511,7 +3511,7 @@
         </p:nvSpPr>
         <p:spPr>
           <a:xfrm>
-            <a:off x="2877180" y="3463240"/>
+            <a:off x="2113027" y="2788073"/>
             <a:ext cx="1093635" cy="346760"/>
           </a:xfrm>
           <a:prstGeom prst="rect">
@@ -3570,8 +3570,8 @@
         </p:nvSpPr>
         <p:spPr>
           <a:xfrm rot="16200000">
-            <a:off x="1661548" y="3097750"/>
-            <a:ext cx="1093635" cy="346760"/>
+            <a:off x="873344" y="2675232"/>
+            <a:ext cx="1141734" cy="346760"/>
           </a:xfrm>
           <a:prstGeom prst="rect">
             <a:avLst/>
@@ -3633,12 +3633,12 @@
         </p:nvCxnSpPr>
         <p:spPr>
           <a:xfrm rot="5400000" flipH="1" flipV="1">
-            <a:off x="4131507" y="1281685"/>
-            <a:ext cx="613122" cy="4459404"/>
+            <a:off x="3343303" y="859167"/>
+            <a:ext cx="661220" cy="4459404"/>
           </a:xfrm>
           <a:prstGeom prst="bentConnector3">
             <a:avLst>
-              <a:gd name="adj1" fmla="val -26668"/>
+              <a:gd name="adj1" fmla="val -53160"/>
             </a:avLst>
           </a:prstGeom>
           <a:ln w="19050">
@@ -3674,7 +3674,7 @@
         </p:nvSpPr>
         <p:spPr>
           <a:xfrm rot="16200000">
-            <a:off x="956202" y="2861202"/>
+            <a:off x="192048" y="2414635"/>
             <a:ext cx="1093635" cy="346760"/>
           </a:xfrm>
           <a:prstGeom prst="rect">
@@ -3744,7 +3744,7 @@
         </p:nvSpPr>
         <p:spPr>
           <a:xfrm rot="16200000">
-            <a:off x="1626910" y="2952291"/>
+            <a:off x="862755" y="2505725"/>
             <a:ext cx="270504" cy="175523"/>
           </a:xfrm>
           <a:prstGeom prst="triangle">
@@ -3794,7 +3794,7 @@
         </p:nvCxnSpPr>
         <p:spPr>
           <a:xfrm>
-            <a:off x="2609828" y="3636620"/>
+            <a:off x="1845673" y="2961453"/>
             <a:ext cx="267352" cy="0"/>
           </a:xfrm>
           <a:prstGeom prst="straightConnector1">
@@ -3827,12 +3827,14 @@
       <p:cxnSp>
         <p:nvCxnSpPr>
           <p:cNvPr id="75" name="Elbow Connector 122"/>
-          <p:cNvCxnSpPr/>
+          <p:cNvCxnSpPr>
+            <a:cxnSpLocks/>
+          </p:cNvCxnSpPr>
           <p:nvPr/>
         </p:nvCxnSpPr>
         <p:spPr>
           <a:xfrm>
-            <a:off x="910091" y="3040053"/>
+            <a:off x="145936" y="2593486"/>
             <a:ext cx="419548" cy="2860"/>
           </a:xfrm>
           <a:prstGeom prst="bentConnector3">
@@ -3877,7 +3879,7 @@
         </p:nvCxnSpPr>
         <p:spPr>
           <a:xfrm flipV="1">
-            <a:off x="1849924" y="3040052"/>
+            <a:off x="1085771" y="2593487"/>
             <a:ext cx="216105" cy="1"/>
           </a:xfrm>
           <a:prstGeom prst="line">
@@ -3916,7 +3918,7 @@
         </p:nvSpPr>
         <p:spPr>
           <a:xfrm>
-            <a:off x="2373780" y="3549930"/>
+            <a:off x="1609625" y="2874763"/>
             <a:ext cx="236048" cy="173380"/>
           </a:xfrm>
           <a:prstGeom prst="flowChartDecision">
@@ -3961,7 +3963,7 @@
         </p:nvSpPr>
         <p:spPr>
           <a:xfrm>
-            <a:off x="2825280" y="2846162"/>
+            <a:off x="2061126" y="2399596"/>
             <a:ext cx="1490560" cy="334856"/>
           </a:xfrm>
           <a:prstGeom prst="rect">
@@ -3994,12 +3996,12 @@
           <a:p>
             <a:pPr algn="ctr"/>
             <a:r>
-              <a:rPr lang="en-US" sz="1050" dirty="0" err="1" smtClean="0">
+              <a:rPr lang="en-US" sz="1050" dirty="0" err="1">
                 <a:solidFill>
                   <a:srgbClr val="7030A0"/>
                 </a:solidFill>
               </a:rPr>
-              <a:t>VersionedAddressBook</a:t>
+              <a:t>VersionedInventory</a:t>
             </a:r>
             <a:endParaRPr lang="en-SG" sz="1050" dirty="0">
               <a:solidFill>
@@ -4020,7 +4022,7 @@
         </p:nvCxnSpPr>
         <p:spPr>
           <a:xfrm>
-            <a:off x="2624360" y="3003033"/>
+            <a:off x="1860206" y="2556468"/>
             <a:ext cx="200920" cy="10557"/>
           </a:xfrm>
           <a:prstGeom prst="straightConnector1">
@@ -4058,7 +4060,7 @@
         </p:nvSpPr>
         <p:spPr>
           <a:xfrm>
-            <a:off x="2388312" y="2916343"/>
+            <a:off x="1624157" y="2469777"/>
             <a:ext cx="236048" cy="173380"/>
           </a:xfrm>
           <a:prstGeom prst="flowChartDecision">
@@ -4103,7 +4105,7 @@
         </p:nvSpPr>
         <p:spPr>
           <a:xfrm>
-            <a:off x="4692650" y="2846162"/>
+            <a:off x="3928496" y="2399595"/>
             <a:ext cx="1156969" cy="346760"/>
           </a:xfrm>
           <a:prstGeom prst="rect">
@@ -4141,7 +4143,7 @@
                   <a:srgbClr val="7030A0"/>
                 </a:solidFill>
               </a:rPr>
-              <a:t>UniquePersonList</a:t>
+              <a:t>UniqueItemList</a:t>
             </a:r>
             <a:endParaRPr lang="en-SG" sz="1050" dirty="0">
               <a:solidFill>
@@ -4159,7 +4161,7 @@
         </p:nvSpPr>
         <p:spPr>
           <a:xfrm>
-            <a:off x="4324972" y="2920532"/>
+            <a:off x="3555357" y="2477970"/>
             <a:ext cx="236048" cy="173380"/>
           </a:xfrm>
           <a:prstGeom prst="flowChartDecision">
@@ -4206,7 +4208,7 @@
         </p:nvSpPr>
         <p:spPr>
           <a:xfrm>
-            <a:off x="6313677" y="2858066"/>
+            <a:off x="5549522" y="2411499"/>
             <a:ext cx="708186" cy="346760"/>
           </a:xfrm>
           <a:prstGeom prst="rect">
@@ -4244,7 +4246,7 @@
                   <a:srgbClr val="7030A0"/>
                 </a:solidFill>
               </a:rPr>
-              <a:t>Person</a:t>
+              <a:t>Item</a:t>
             </a:r>
             <a:endParaRPr lang="en-SG" sz="1050" dirty="0">
               <a:solidFill>
@@ -4262,7 +4264,7 @@
         </p:nvSpPr>
         <p:spPr>
           <a:xfrm>
-            <a:off x="5858751" y="2941676"/>
+            <a:off x="5094596" y="2495109"/>
             <a:ext cx="236048" cy="173380"/>
           </a:xfrm>
           <a:prstGeom prst="flowChartDecision">
@@ -4310,7 +4312,7 @@
         </p:nvCxnSpPr>
         <p:spPr>
           <a:xfrm>
-            <a:off x="6094799" y="3028366"/>
+            <a:off x="5330644" y="2581799"/>
             <a:ext cx="218878" cy="3080"/>
           </a:xfrm>
           <a:prstGeom prst="bentConnector3">
@@ -4348,7 +4350,7 @@
         </p:nvSpPr>
         <p:spPr>
           <a:xfrm>
-            <a:off x="7712397" y="2564238"/>
+            <a:off x="7296537" y="1793856"/>
             <a:ext cx="708186" cy="285783"/>
           </a:xfrm>
           <a:prstGeom prst="rect">
@@ -4404,7 +4406,7 @@
         </p:nvSpPr>
         <p:spPr>
           <a:xfrm>
-            <a:off x="7041947" y="2948201"/>
+            <a:off x="6277792" y="2501635"/>
             <a:ext cx="236048" cy="173380"/>
           </a:xfrm>
           <a:prstGeom prst="flowChartDecision">
@@ -4448,16 +4450,20 @@
           <p:cNvPr id="79" name="Elbow Connector 78"/>
           <p:cNvCxnSpPr>
             <a:cxnSpLocks/>
+            <a:stCxn id="78" idx="3"/>
+            <a:endCxn id="76" idx="1"/>
           </p:cNvCxnSpPr>
           <p:nvPr/>
         </p:nvCxnSpPr>
         <p:spPr>
           <a:xfrm flipV="1">
-            <a:off x="7277995" y="2706821"/>
-            <a:ext cx="434402" cy="327761"/>
+            <a:off x="6513842" y="1936746"/>
+            <a:ext cx="782697" cy="651578"/>
           </a:xfrm>
           <a:prstGeom prst="bentConnector3">
-            <a:avLst/>
+            <a:avLst>
+              <a:gd name="adj1" fmla="val 71762"/>
+            </a:avLst>
           </a:prstGeom>
           <a:ln w="19050">
             <a:solidFill>
@@ -4491,7 +4497,7 @@
         </p:nvSpPr>
         <p:spPr>
           <a:xfrm>
-            <a:off x="7712397" y="2887216"/>
+            <a:off x="7296537" y="2116834"/>
             <a:ext cx="708186" cy="285783"/>
           </a:xfrm>
           <a:prstGeom prst="rect">
@@ -4529,7 +4535,7 @@
                   <a:srgbClr val="7030A0"/>
                 </a:solidFill>
               </a:rPr>
-              <a:t>Phone</a:t>
+              <a:t>Price</a:t>
             </a:r>
             <a:endParaRPr lang="en-SG" sz="1050" dirty="0">
               <a:solidFill>
@@ -4543,6 +4549,7 @@
         <p:nvCxnSpPr>
           <p:cNvPr id="81" name="Elbow Connector 80"/>
           <p:cNvCxnSpPr>
+            <a:cxnSpLocks/>
             <a:stCxn id="78" idx="3"/>
             <a:endCxn id="80" idx="1"/>
           </p:cNvCxnSpPr>
@@ -4550,11 +4557,13 @@
         </p:nvCxnSpPr>
         <p:spPr>
           <a:xfrm flipV="1">
-            <a:off x="7277995" y="3030108"/>
-            <a:ext cx="434402" cy="4783"/>
+            <a:off x="6513842" y="2259724"/>
+            <a:ext cx="782697" cy="328600"/>
           </a:xfrm>
           <a:prstGeom prst="bentConnector3">
-            <a:avLst/>
+            <a:avLst>
+              <a:gd name="adj1" fmla="val 71762"/>
+            </a:avLst>
           </a:prstGeom>
           <a:ln w="19050">
             <a:solidFill>
@@ -4588,7 +4597,7 @@
         </p:nvSpPr>
         <p:spPr>
           <a:xfrm>
-            <a:off x="7712397" y="3210194"/>
+            <a:off x="7296537" y="2439812"/>
             <a:ext cx="708186" cy="285783"/>
           </a:xfrm>
           <a:prstGeom prst="rect">
@@ -4626,7 +4635,7 @@
                   <a:srgbClr val="7030A0"/>
                 </a:solidFill>
               </a:rPr>
-              <a:t>Email</a:t>
+              <a:t>Quantity</a:t>
             </a:r>
             <a:endParaRPr lang="en-SG" sz="1050" dirty="0">
               <a:solidFill>
@@ -4640,15 +4649,15 @@
         <p:nvCxnSpPr>
           <p:cNvPr id="84" name="Elbow Connector 83"/>
           <p:cNvCxnSpPr>
-            <a:stCxn id="78" idx="3"/>
+            <a:cxnSpLocks/>
             <a:endCxn id="83" idx="1"/>
           </p:cNvCxnSpPr>
           <p:nvPr/>
         </p:nvCxnSpPr>
         <p:spPr>
-          <a:xfrm>
-            <a:off x="7277995" y="3034891"/>
-            <a:ext cx="434402" cy="318195"/>
+          <a:xfrm flipV="1">
+            <a:off x="6862135" y="2582702"/>
+            <a:ext cx="434402" cy="5622"/>
           </a:xfrm>
           <a:prstGeom prst="bentConnector3">
             <a:avLst/>
@@ -4685,7 +4694,7 @@
         </p:nvSpPr>
         <p:spPr>
           <a:xfrm>
-            <a:off x="7712397" y="3533171"/>
+            <a:off x="7296537" y="2762789"/>
             <a:ext cx="708186" cy="285783"/>
           </a:xfrm>
           <a:prstGeom prst="rect">
@@ -4723,7 +4732,7 @@
                   <a:srgbClr val="7030A0"/>
                 </a:solidFill>
               </a:rPr>
-              <a:t>Address</a:t>
+              <a:t>SKU</a:t>
             </a:r>
             <a:endParaRPr lang="en-SG" sz="1050" dirty="0">
               <a:solidFill>
@@ -4737,6 +4746,7 @@
         <p:nvCxnSpPr>
           <p:cNvPr id="86" name="Elbow Connector 85"/>
           <p:cNvCxnSpPr>
+            <a:cxnSpLocks/>
             <a:stCxn id="78" idx="3"/>
             <a:endCxn id="85" idx="1"/>
           </p:cNvCxnSpPr>
@@ -4744,11 +4754,13 @@
         </p:nvCxnSpPr>
         <p:spPr>
           <a:xfrm>
-            <a:off x="7277995" y="3034891"/>
-            <a:ext cx="434402" cy="641172"/>
+            <a:off x="6513842" y="2588326"/>
+            <a:ext cx="782697" cy="317355"/>
           </a:xfrm>
           <a:prstGeom prst="bentConnector3">
-            <a:avLst/>
+            <a:avLst>
+              <a:gd name="adj1" fmla="val 71568"/>
+            </a:avLst>
           </a:prstGeom>
           <a:ln w="19050">
             <a:solidFill>
@@ -4784,7 +4796,7 @@
         </p:nvCxnSpPr>
         <p:spPr>
           <a:xfrm rot="5400000">
-            <a:off x="3553611" y="2687559"/>
+            <a:off x="2789458" y="2240992"/>
             <a:ext cx="293825" cy="5938"/>
           </a:xfrm>
           <a:prstGeom prst="bentConnector3">
@@ -4825,7 +4837,7 @@
         </p:nvSpPr>
         <p:spPr>
           <a:xfrm rot="10800000" flipV="1">
-            <a:off x="3562299" y="2386554"/>
+            <a:off x="2798145" y="1939987"/>
             <a:ext cx="282387" cy="157062"/>
           </a:xfrm>
           <a:prstGeom prst="triangle">
@@ -4873,7 +4885,7 @@
         </p:nvSpPr>
         <p:spPr>
           <a:xfrm>
-            <a:off x="1260922" y="1998350"/>
+            <a:off x="496768" y="1551783"/>
             <a:ext cx="1443661" cy="364396"/>
           </a:xfrm>
           <a:prstGeom prst="rect">
@@ -4926,7 +4938,7 @@
                   <a:srgbClr val="7030A0"/>
                 </a:solidFill>
               </a:rPr>
-              <a:t>ReadOnlyAddressBook</a:t>
+              <a:t>ReadOnlyInventory</a:t>
             </a:r>
             <a:endParaRPr lang="en-SG" sz="1050" dirty="0">
               <a:solidFill>
@@ -4944,7 +4956,7 @@
         </p:nvSpPr>
         <p:spPr>
           <a:xfrm rot="16200000">
-            <a:off x="6362886" y="3586305"/>
+            <a:off x="5598731" y="3139738"/>
             <a:ext cx="881018" cy="261610"/>
           </a:xfrm>
           <a:prstGeom prst="rect">
@@ -4982,8 +4994,8 @@
           <p:nvPr/>
         </p:nvSpPr>
         <p:spPr>
-          <a:xfrm>
-            <a:off x="2057401" y="4239491"/>
+          <a:xfrm rot="16200000">
+            <a:off x="205667" y="3906626"/>
             <a:ext cx="1066800" cy="346760"/>
           </a:xfrm>
           <a:prstGeom prst="rect">
@@ -5023,16 +5035,8 @@
               </a:rPr>
               <a:t>&lt;&lt;interface&gt;&gt;</a:t>
             </a:r>
-            <a:r>
-              <a:rPr lang="en-US" sz="1050">
-                <a:solidFill>
-                  <a:srgbClr val="7030A0"/>
-                </a:solidFill>
-              </a:rPr>
-              <a:t/>
-            </a:r>
             <a:br>
-              <a:rPr lang="en-US" sz="1050">
+              <a:rPr lang="en-US" sz="1050" dirty="0">
                 <a:solidFill>
                   <a:srgbClr val="7030A0"/>
                 </a:solidFill>
@@ -5058,18 +5062,21 @@
         <p:nvCxnSpPr>
           <p:cNvPr id="124" name="Elbow Connector 122"/>
           <p:cNvCxnSpPr>
+            <a:cxnSpLocks/>
             <a:stCxn id="119" idx="1"/>
-            <a:endCxn id="122" idx="1"/>
+            <a:endCxn id="122" idx="3"/>
           </p:cNvCxnSpPr>
           <p:nvPr/>
         </p:nvCxnSpPr>
         <p:spPr>
           <a:xfrm rot="16200000" flipH="1">
-            <a:off x="1364475" y="3719944"/>
-            <a:ext cx="831471" cy="554381"/>
-          </a:xfrm>
-          <a:prstGeom prst="bentConnector2">
-            <a:avLst/>
+            <a:off x="533080" y="3340618"/>
+            <a:ext cx="411773" cy="201"/>
+          </a:xfrm>
+          <a:prstGeom prst="bentConnector3">
+            <a:avLst>
+              <a:gd name="adj1" fmla="val 50000"/>
+            </a:avLst>
           </a:prstGeom>
           <a:ln w="19050">
             <a:solidFill>
@@ -5104,7 +5111,7 @@
         </p:nvSpPr>
         <p:spPr>
           <a:xfrm>
-            <a:off x="4429979" y="3111479"/>
+            <a:off x="3665826" y="2664914"/>
             <a:ext cx="189257" cy="178683"/>
           </a:xfrm>
           <a:prstGeom prst="rect">
@@ -5143,7 +5150,7 @@
         </p:nvSpPr>
         <p:spPr>
           <a:xfrm>
-            <a:off x="6135256" y="3097917"/>
+            <a:off x="5371103" y="2651351"/>
             <a:ext cx="189257" cy="178683"/>
           </a:xfrm>
           <a:prstGeom prst="rect">
@@ -5182,7 +5189,7 @@
         </p:nvSpPr>
         <p:spPr>
           <a:xfrm>
-            <a:off x="2573394" y="2756715"/>
+            <a:off x="1809240" y="2310148"/>
             <a:ext cx="170110" cy="137542"/>
           </a:xfrm>
           <a:prstGeom prst="rect">
@@ -5221,7 +5228,7 @@
         </p:nvSpPr>
         <p:spPr>
           <a:xfrm>
-            <a:off x="2707070" y="3667737"/>
+            <a:off x="1809240" y="3169133"/>
             <a:ext cx="189257" cy="178683"/>
           </a:xfrm>
           <a:prstGeom prst="rect">
@@ -5260,7 +5267,7 @@
         </p:nvSpPr>
         <p:spPr>
           <a:xfrm>
-            <a:off x="6449896" y="3204826"/>
+            <a:off x="5685743" y="2758260"/>
             <a:ext cx="189257" cy="178683"/>
           </a:xfrm>
           <a:prstGeom prst="rect">
@@ -5305,7 +5312,7 @@
         </p:nvSpPr>
         <p:spPr>
           <a:xfrm>
-            <a:off x="7712397" y="2228817"/>
+            <a:off x="7296537" y="1458435"/>
             <a:ext cx="708186" cy="285783"/>
           </a:xfrm>
           <a:prstGeom prst="rect">
@@ -5371,12 +5378,12 @@
         </p:nvCxnSpPr>
         <p:spPr>
           <a:xfrm flipV="1">
-            <a:off x="7277995" y="2371709"/>
-            <a:ext cx="434402" cy="663182"/>
+            <a:off x="6513842" y="1601327"/>
+            <a:ext cx="782697" cy="986999"/>
           </a:xfrm>
           <a:prstGeom prst="bentConnector3">
             <a:avLst>
-              <a:gd name="adj1" fmla="val 50000"/>
+              <a:gd name="adj1" fmla="val 71762"/>
             </a:avLst>
           </a:prstGeom>
           <a:ln w="19050">
@@ -5417,7 +5424,7 @@
         </p:nvSpPr>
         <p:spPr>
           <a:xfrm>
-            <a:off x="7466243" y="2255711"/>
+            <a:off x="7050384" y="1485329"/>
             <a:ext cx="189257" cy="178683"/>
           </a:xfrm>
           <a:prstGeom prst="rect">
@@ -5456,7 +5463,7 @@
         </p:nvSpPr>
         <p:spPr>
           <a:xfrm>
-            <a:off x="3170181" y="1998350"/>
+            <a:off x="2406028" y="1551783"/>
             <a:ext cx="1060683" cy="364396"/>
           </a:xfrm>
           <a:prstGeom prst="rect">
@@ -5489,12 +5496,12 @@
           <a:p>
             <a:pPr algn="ctr"/>
             <a:r>
-              <a:rPr lang="en-US" sz="1050" dirty="0" err="1">
+              <a:rPr lang="en-US" sz="1050" dirty="0">
                 <a:solidFill>
                   <a:srgbClr val="7030A0"/>
                 </a:solidFill>
               </a:rPr>
-              <a:t>AddressBook</a:t>
+              <a:t>Inventory</a:t>
             </a:r>
             <a:endParaRPr lang="en-SG" sz="1050" dirty="0">
               <a:solidFill>
@@ -5508,15 +5515,16 @@
         <p:nvCxnSpPr>
           <p:cNvPr id="60" name="Straight Arrow Connector 59"/>
           <p:cNvCxnSpPr>
-            <a:stCxn id="51" idx="1"/>
+            <a:cxnSpLocks/>
+            <a:stCxn id="51" idx="3"/>
             <a:endCxn id="49" idx="1"/>
           </p:cNvCxnSpPr>
           <p:nvPr/>
         </p:nvCxnSpPr>
         <p:spPr>
           <a:xfrm>
-            <a:off x="4324972" y="3007222"/>
-            <a:ext cx="367678" cy="12320"/>
+            <a:off x="3791405" y="2564662"/>
+            <a:ext cx="137090" cy="8315"/>
           </a:xfrm>
           <a:prstGeom prst="straightConnector1">
             <a:avLst/>
@@ -5553,7 +5561,7 @@
         </p:nvSpPr>
         <p:spPr>
           <a:xfrm rot="16200000">
-            <a:off x="2669073" y="2069158"/>
+            <a:off x="1904918" y="1622592"/>
             <a:ext cx="271014" cy="187417"/>
           </a:xfrm>
           <a:prstGeom prst="triangle">
@@ -5608,7 +5616,7 @@
         </p:nvCxnSpPr>
         <p:spPr>
           <a:xfrm>
-            <a:off x="2898289" y="2177727"/>
+            <a:off x="2134135" y="1731161"/>
             <a:ext cx="271892" cy="2821"/>
           </a:xfrm>
           <a:prstGeom prst="bentConnector3">
@@ -5641,6 +5649,4307 @@
           </a:fontRef>
         </p:style>
       </p:cxnSp>
+      <p:sp>
+        <p:nvSpPr>
+          <p:cNvPr id="56" name="Rectangle 8">
+            <a:extLst>
+              <a:ext uri="{FF2B5EF4-FFF2-40B4-BE49-F238E27FC236}">
+                <a16:creationId xmlns:a16="http://schemas.microsoft.com/office/drawing/2014/main" id="{2E123F32-5380-434B-BE1C-FE230D156C4D}"/>
+              </a:ext>
+            </a:extLst>
+          </p:cNvPr>
+          <p:cNvSpPr/>
+          <p:nvPr/>
+        </p:nvSpPr>
+        <p:spPr>
+          <a:xfrm>
+            <a:off x="2115283" y="3206722"/>
+            <a:ext cx="1093635" cy="346760"/>
+          </a:xfrm>
+          <a:prstGeom prst="rect">
+            <a:avLst/>
+          </a:prstGeom>
+          <a:solidFill>
+            <a:srgbClr val="7030A0"/>
+          </a:solidFill>
+          <a:ln w="19050">
+            <a:solidFill>
+              <a:srgbClr val="7030A0"/>
+            </a:solidFill>
+          </a:ln>
+          <a:effectLst/>
+        </p:spPr>
+        <p:style>
+          <a:lnRef idx="1">
+            <a:schemeClr val="accent2"/>
+          </a:lnRef>
+          <a:fillRef idx="2">
+            <a:schemeClr val="accent2"/>
+          </a:fillRef>
+          <a:effectRef idx="1">
+            <a:schemeClr val="accent2"/>
+          </a:effectRef>
+          <a:fontRef idx="minor">
+            <a:schemeClr val="dk1"/>
+          </a:fontRef>
+        </p:style>
+        <p:txBody>
+          <a:bodyPr rtlCol="0" anchor="ctr"/>
+          <a:lstStyle/>
+          <a:p>
+            <a:pPr algn="ctr"/>
+            <a:r>
+              <a:rPr lang="en-US" sz="1050" dirty="0" err="1">
+                <a:solidFill>
+                  <a:schemeClr val="bg1"/>
+                </a:solidFill>
+              </a:rPr>
+              <a:t>UserSession</a:t>
+            </a:r>
+            <a:endParaRPr lang="en-SG" sz="1050" dirty="0">
+              <a:solidFill>
+                <a:schemeClr val="bg1"/>
+              </a:solidFill>
+            </a:endParaRPr>
+          </a:p>
+        </p:txBody>
+      </p:sp>
+      <p:cxnSp>
+        <p:nvCxnSpPr>
+          <p:cNvPr id="57" name="Straight Arrow Connector 56">
+            <a:extLst>
+              <a:ext uri="{FF2B5EF4-FFF2-40B4-BE49-F238E27FC236}">
+                <a16:creationId xmlns:a16="http://schemas.microsoft.com/office/drawing/2014/main" id="{30B2757D-C386-5F4E-8D43-24CB38FB6BA1}"/>
+              </a:ext>
+            </a:extLst>
+          </p:cNvPr>
+          <p:cNvCxnSpPr>
+            <a:stCxn id="59" idx="3"/>
+            <a:endCxn id="56" idx="1"/>
+          </p:cNvCxnSpPr>
+          <p:nvPr/>
+        </p:nvCxnSpPr>
+        <p:spPr>
+          <a:xfrm>
+            <a:off x="1847929" y="3380102"/>
+            <a:ext cx="267352" cy="0"/>
+          </a:xfrm>
+          <a:prstGeom prst="straightConnector1">
+            <a:avLst/>
+          </a:prstGeom>
+          <a:ln w="19050">
+            <a:solidFill>
+              <a:srgbClr val="7030A0"/>
+            </a:solidFill>
+            <a:headEnd type="none" w="med" len="med"/>
+            <a:tailEnd type="arrow" w="med" len="med"/>
+          </a:ln>
+          <a:effectLst/>
+        </p:spPr>
+        <p:style>
+          <a:lnRef idx="1">
+            <a:schemeClr val="accent2"/>
+          </a:lnRef>
+          <a:fillRef idx="2">
+            <a:schemeClr val="accent2"/>
+          </a:fillRef>
+          <a:effectRef idx="1">
+            <a:schemeClr val="accent2"/>
+          </a:effectRef>
+          <a:fontRef idx="minor">
+            <a:schemeClr val="dk1"/>
+          </a:fontRef>
+        </p:style>
+      </p:cxnSp>
+      <p:sp>
+        <p:nvSpPr>
+          <p:cNvPr id="59" name="Flowchart: Decision 96">
+            <a:extLst>
+              <a:ext uri="{FF2B5EF4-FFF2-40B4-BE49-F238E27FC236}">
+                <a16:creationId xmlns:a16="http://schemas.microsoft.com/office/drawing/2014/main" id="{77112375-ADA4-3346-9015-2F4C60FE6382}"/>
+              </a:ext>
+            </a:extLst>
+          </p:cNvPr>
+          <p:cNvSpPr/>
+          <p:nvPr/>
+        </p:nvSpPr>
+        <p:spPr>
+          <a:xfrm>
+            <a:off x="1611881" y="3293412"/>
+            <a:ext cx="236048" cy="173380"/>
+          </a:xfrm>
+          <a:prstGeom prst="flowChartDecision">
+            <a:avLst/>
+          </a:prstGeom>
+          <a:noFill/>
+          <a:ln w="19050">
+            <a:solidFill>
+              <a:srgbClr val="7030A0"/>
+            </a:solidFill>
+          </a:ln>
+          <a:effectLst/>
+        </p:spPr>
+        <p:style>
+          <a:lnRef idx="1">
+            <a:schemeClr val="accent6"/>
+          </a:lnRef>
+          <a:fillRef idx="2">
+            <a:schemeClr val="accent6"/>
+          </a:fillRef>
+          <a:effectRef idx="1">
+            <a:schemeClr val="accent6"/>
+          </a:effectRef>
+          <a:fontRef idx="minor">
+            <a:schemeClr val="dk1"/>
+          </a:fontRef>
+        </p:style>
+        <p:txBody>
+          <a:bodyPr rtlCol="0" anchor="ctr"/>
+          <a:lstStyle/>
+          <a:p>
+            <a:pPr algn="ctr"/>
+            <a:endParaRPr lang="en-US" sz="1050"/>
+          </a:p>
+        </p:txBody>
+      </p:sp>
+      <p:sp>
+        <p:nvSpPr>
+          <p:cNvPr id="67" name="TextBox 66">
+            <a:extLst>
+              <a:ext uri="{FF2B5EF4-FFF2-40B4-BE49-F238E27FC236}">
+                <a16:creationId xmlns:a16="http://schemas.microsoft.com/office/drawing/2014/main" id="{54225E1F-D600-4B4D-B568-625F705958DD}"/>
+              </a:ext>
+            </a:extLst>
+          </p:cNvPr>
+          <p:cNvSpPr txBox="1"/>
+          <p:nvPr/>
+        </p:nvSpPr>
+        <p:spPr>
+          <a:xfrm>
+            <a:off x="1807382" y="2766763"/>
+            <a:ext cx="189257" cy="178683"/>
+          </a:xfrm>
+          <a:prstGeom prst="rect">
+            <a:avLst/>
+          </a:prstGeom>
+          <a:noFill/>
+        </p:spPr>
+        <p:txBody>
+          <a:bodyPr wrap="square" lIns="0" tIns="0" rIns="0" bIns="0" rtlCol="0">
+            <a:noAutofit/>
+          </a:bodyPr>
+          <a:lstStyle/>
+          <a:p>
+            <a:pPr algn="ctr"/>
+            <a:r>
+              <a:rPr lang="en-US" sz="1100" dirty="0">
+                <a:solidFill>
+                  <a:srgbClr val="7030A0"/>
+                </a:solidFill>
+              </a:rPr>
+              <a:t>1</a:t>
+            </a:r>
+            <a:endParaRPr lang="en-SG" sz="1100" dirty="0">
+              <a:solidFill>
+                <a:srgbClr val="7030A0"/>
+              </a:solidFill>
+            </a:endParaRPr>
+          </a:p>
+        </p:txBody>
+      </p:sp>
+      <p:sp>
+        <p:nvSpPr>
+          <p:cNvPr id="71" name="Rectangle 8">
+            <a:extLst>
+              <a:ext uri="{FF2B5EF4-FFF2-40B4-BE49-F238E27FC236}">
+                <a16:creationId xmlns:a16="http://schemas.microsoft.com/office/drawing/2014/main" id="{BFA13880-E0C1-BB47-8B51-F8E06C228970}"/>
+              </a:ext>
+            </a:extLst>
+          </p:cNvPr>
+          <p:cNvSpPr/>
+          <p:nvPr/>
+        </p:nvSpPr>
+        <p:spPr>
+          <a:xfrm>
+            <a:off x="7296537" y="3088498"/>
+            <a:ext cx="708186" cy="285783"/>
+          </a:xfrm>
+          <a:prstGeom prst="rect">
+            <a:avLst/>
+          </a:prstGeom>
+          <a:ln w="19050">
+            <a:solidFill>
+              <a:srgbClr val="7030A0"/>
+            </a:solidFill>
+          </a:ln>
+          <a:effectLst/>
+        </p:spPr>
+        <p:style>
+          <a:lnRef idx="1">
+            <a:schemeClr val="accent4"/>
+          </a:lnRef>
+          <a:fillRef idx="2">
+            <a:schemeClr val="accent4"/>
+          </a:fillRef>
+          <a:effectRef idx="1">
+            <a:schemeClr val="accent4"/>
+          </a:effectRef>
+          <a:fontRef idx="minor">
+            <a:schemeClr val="dk1"/>
+          </a:fontRef>
+        </p:style>
+        <p:txBody>
+          <a:bodyPr rtlCol="0" anchor="ctr"/>
+          <a:lstStyle/>
+          <a:p>
+            <a:pPr algn="ctr"/>
+            <a:r>
+              <a:rPr lang="en-US" sz="1050" dirty="0">
+                <a:solidFill>
+                  <a:srgbClr val="7030A0"/>
+                </a:solidFill>
+              </a:rPr>
+              <a:t>Image</a:t>
+            </a:r>
+            <a:endParaRPr lang="en-SG" sz="1050" dirty="0">
+              <a:solidFill>
+                <a:srgbClr val="7030A0"/>
+              </a:solidFill>
+            </a:endParaRPr>
+          </a:p>
+        </p:txBody>
+      </p:sp>
+      <p:cxnSp>
+        <p:nvCxnSpPr>
+          <p:cNvPr id="72" name="Elbow Connector 71">
+            <a:extLst>
+              <a:ext uri="{FF2B5EF4-FFF2-40B4-BE49-F238E27FC236}">
+                <a16:creationId xmlns:a16="http://schemas.microsoft.com/office/drawing/2014/main" id="{70273BDC-644C-094C-B2F5-27355493959B}"/>
+              </a:ext>
+            </a:extLst>
+          </p:cNvPr>
+          <p:cNvCxnSpPr>
+            <a:cxnSpLocks/>
+            <a:stCxn id="78" idx="3"/>
+            <a:endCxn id="71" idx="1"/>
+          </p:cNvCxnSpPr>
+          <p:nvPr/>
+        </p:nvCxnSpPr>
+        <p:spPr>
+          <a:xfrm>
+            <a:off x="6513842" y="2588326"/>
+            <a:ext cx="782697" cy="643065"/>
+          </a:xfrm>
+          <a:prstGeom prst="bentConnector3">
+            <a:avLst>
+              <a:gd name="adj1" fmla="val 71110"/>
+            </a:avLst>
+          </a:prstGeom>
+          <a:ln w="19050">
+            <a:solidFill>
+              <a:srgbClr val="7030A0"/>
+            </a:solidFill>
+            <a:headEnd type="none" w="med" len="med"/>
+            <a:tailEnd type="arrow" w="med" len="med"/>
+          </a:ln>
+          <a:effectLst/>
+        </p:spPr>
+        <p:style>
+          <a:lnRef idx="1">
+            <a:schemeClr val="accent2"/>
+          </a:lnRef>
+          <a:fillRef idx="2">
+            <a:schemeClr val="accent2"/>
+          </a:fillRef>
+          <a:effectRef idx="1">
+            <a:schemeClr val="accent2"/>
+          </a:effectRef>
+          <a:fontRef idx="minor">
+            <a:schemeClr val="dk1"/>
+          </a:fontRef>
+        </p:style>
+      </p:cxnSp>
+      <p:sp>
+        <p:nvSpPr>
+          <p:cNvPr id="73" name="Rectangle 8">
+            <a:extLst>
+              <a:ext uri="{FF2B5EF4-FFF2-40B4-BE49-F238E27FC236}">
+                <a16:creationId xmlns:a16="http://schemas.microsoft.com/office/drawing/2014/main" id="{BFF2248A-E93F-B94B-AB3F-3FA2C35CA093}"/>
+              </a:ext>
+            </a:extLst>
+          </p:cNvPr>
+          <p:cNvSpPr/>
+          <p:nvPr/>
+        </p:nvSpPr>
+        <p:spPr>
+          <a:xfrm>
+            <a:off x="3928496" y="4036424"/>
+            <a:ext cx="1156969" cy="464422"/>
+          </a:xfrm>
+          <a:prstGeom prst="rect">
+            <a:avLst/>
+          </a:prstGeom>
+          <a:ln w="19050">
+            <a:solidFill>
+              <a:srgbClr val="7030A0"/>
+            </a:solidFill>
+          </a:ln>
+          <a:effectLst/>
+        </p:spPr>
+        <p:style>
+          <a:lnRef idx="1">
+            <a:schemeClr val="accent4"/>
+          </a:lnRef>
+          <a:fillRef idx="2">
+            <a:schemeClr val="accent4"/>
+          </a:fillRef>
+          <a:effectRef idx="1">
+            <a:schemeClr val="accent4"/>
+          </a:effectRef>
+          <a:fontRef idx="minor">
+            <a:schemeClr val="dk1"/>
+          </a:fontRef>
+        </p:style>
+        <p:txBody>
+          <a:bodyPr rtlCol="0" anchor="ctr"/>
+          <a:lstStyle/>
+          <a:p>
+            <a:pPr algn="ctr"/>
+            <a:r>
+              <a:rPr lang="en-US" sz="1050" dirty="0" err="1">
+                <a:solidFill>
+                  <a:srgbClr val="7030A0"/>
+                </a:solidFill>
+              </a:rPr>
+              <a:t>NonUnique</a:t>
+            </a:r>
+            <a:endParaRPr lang="en-US" sz="1050" dirty="0">
+              <a:solidFill>
+                <a:srgbClr val="7030A0"/>
+              </a:solidFill>
+            </a:endParaRPr>
+          </a:p>
+          <a:p>
+            <a:pPr algn="ctr"/>
+            <a:r>
+              <a:rPr lang="en-US" sz="1050" dirty="0" err="1">
+                <a:solidFill>
+                  <a:srgbClr val="7030A0"/>
+                </a:solidFill>
+              </a:rPr>
+              <a:t>PurchaseOrder</a:t>
+            </a:r>
+            <a:endParaRPr lang="en-US" sz="1050" dirty="0">
+              <a:solidFill>
+                <a:srgbClr val="7030A0"/>
+              </a:solidFill>
+            </a:endParaRPr>
+          </a:p>
+          <a:p>
+            <a:pPr algn="ctr"/>
+            <a:r>
+              <a:rPr lang="en-US" sz="1050" dirty="0">
+                <a:solidFill>
+                  <a:srgbClr val="7030A0"/>
+                </a:solidFill>
+              </a:rPr>
+              <a:t>List</a:t>
+            </a:r>
+            <a:endParaRPr lang="en-SG" sz="1050" dirty="0">
+              <a:solidFill>
+                <a:srgbClr val="7030A0"/>
+              </a:solidFill>
+            </a:endParaRPr>
+          </a:p>
+        </p:txBody>
+      </p:sp>
+      <p:sp>
+        <p:nvSpPr>
+          <p:cNvPr id="77" name="Rectangle 8">
+            <a:extLst>
+              <a:ext uri="{FF2B5EF4-FFF2-40B4-BE49-F238E27FC236}">
+                <a16:creationId xmlns:a16="http://schemas.microsoft.com/office/drawing/2014/main" id="{096C5090-9091-8C4A-BDDF-7A0FB27CA340}"/>
+              </a:ext>
+            </a:extLst>
+          </p:cNvPr>
+          <p:cNvSpPr/>
+          <p:nvPr/>
+        </p:nvSpPr>
+        <p:spPr>
+          <a:xfrm>
+            <a:off x="5569607" y="4095255"/>
+            <a:ext cx="708186" cy="346760"/>
+          </a:xfrm>
+          <a:prstGeom prst="rect">
+            <a:avLst/>
+          </a:prstGeom>
+          <a:ln w="19050">
+            <a:solidFill>
+              <a:srgbClr val="7030A0"/>
+            </a:solidFill>
+          </a:ln>
+          <a:effectLst/>
+        </p:spPr>
+        <p:style>
+          <a:lnRef idx="1">
+            <a:schemeClr val="accent4"/>
+          </a:lnRef>
+          <a:fillRef idx="2">
+            <a:schemeClr val="accent4"/>
+          </a:fillRef>
+          <a:effectRef idx="1">
+            <a:schemeClr val="accent4"/>
+          </a:effectRef>
+          <a:fontRef idx="minor">
+            <a:schemeClr val="dk1"/>
+          </a:fontRef>
+        </p:style>
+        <p:txBody>
+          <a:bodyPr rtlCol="0" anchor="ctr"/>
+          <a:lstStyle/>
+          <a:p>
+            <a:pPr algn="ctr"/>
+            <a:r>
+              <a:rPr lang="en-US" sz="1050" dirty="0" err="1">
+                <a:solidFill>
+                  <a:srgbClr val="7030A0"/>
+                </a:solidFill>
+              </a:rPr>
+              <a:t>PurchaseOrder</a:t>
+            </a:r>
+            <a:endParaRPr lang="en-SG" sz="1050" dirty="0">
+              <a:solidFill>
+                <a:srgbClr val="7030A0"/>
+              </a:solidFill>
+            </a:endParaRPr>
+          </a:p>
+        </p:txBody>
+      </p:sp>
+      <p:sp>
+        <p:nvSpPr>
+          <p:cNvPr id="82" name="Flowchart: Decision 96">
+            <a:extLst>
+              <a:ext uri="{FF2B5EF4-FFF2-40B4-BE49-F238E27FC236}">
+                <a16:creationId xmlns:a16="http://schemas.microsoft.com/office/drawing/2014/main" id="{2C1433CF-E213-5E44-A595-799488692082}"/>
+              </a:ext>
+            </a:extLst>
+          </p:cNvPr>
+          <p:cNvSpPr/>
+          <p:nvPr/>
+        </p:nvSpPr>
+        <p:spPr>
+          <a:xfrm>
+            <a:off x="5095194" y="4180653"/>
+            <a:ext cx="236048" cy="173380"/>
+          </a:xfrm>
+          <a:prstGeom prst="flowChartDecision">
+            <a:avLst/>
+          </a:prstGeom>
+          <a:noFill/>
+          <a:ln w="19050">
+            <a:solidFill>
+              <a:srgbClr val="7030A0"/>
+            </a:solidFill>
+          </a:ln>
+          <a:effectLst/>
+        </p:spPr>
+        <p:style>
+          <a:lnRef idx="1">
+            <a:schemeClr val="accent6"/>
+          </a:lnRef>
+          <a:fillRef idx="2">
+            <a:schemeClr val="accent6"/>
+          </a:fillRef>
+          <a:effectRef idx="1">
+            <a:schemeClr val="accent6"/>
+          </a:effectRef>
+          <a:fontRef idx="minor">
+            <a:schemeClr val="dk1"/>
+          </a:fontRef>
+        </p:style>
+        <p:txBody>
+          <a:bodyPr rtlCol="0" anchor="ctr"/>
+          <a:lstStyle/>
+          <a:p>
+            <a:pPr algn="ctr"/>
+            <a:endParaRPr lang="en-US" sz="1050"/>
+          </a:p>
+        </p:txBody>
+      </p:sp>
+      <p:cxnSp>
+        <p:nvCxnSpPr>
+          <p:cNvPr id="87" name="Elbow Connector 86">
+            <a:extLst>
+              <a:ext uri="{FF2B5EF4-FFF2-40B4-BE49-F238E27FC236}">
+                <a16:creationId xmlns:a16="http://schemas.microsoft.com/office/drawing/2014/main" id="{E5C946F5-F85C-5D4E-BCB2-D6CA53D7D87C}"/>
+              </a:ext>
+            </a:extLst>
+          </p:cNvPr>
+          <p:cNvCxnSpPr>
+            <a:stCxn id="82" idx="3"/>
+            <a:endCxn id="77" idx="1"/>
+          </p:cNvCxnSpPr>
+          <p:nvPr/>
+        </p:nvCxnSpPr>
+        <p:spPr>
+          <a:xfrm>
+            <a:off x="5331242" y="4267344"/>
+            <a:ext cx="238364" cy="1292"/>
+          </a:xfrm>
+          <a:prstGeom prst="straightConnector1">
+            <a:avLst/>
+          </a:prstGeom>
+          <a:ln w="19050">
+            <a:solidFill>
+              <a:srgbClr val="7030A0"/>
+            </a:solidFill>
+            <a:headEnd type="none" w="med" len="med"/>
+            <a:tailEnd type="arrow" w="med" len="med"/>
+          </a:ln>
+          <a:effectLst/>
+        </p:spPr>
+        <p:style>
+          <a:lnRef idx="1">
+            <a:schemeClr val="accent2"/>
+          </a:lnRef>
+          <a:fillRef idx="2">
+            <a:schemeClr val="accent2"/>
+          </a:fillRef>
+          <a:effectRef idx="1">
+            <a:schemeClr val="accent2"/>
+          </a:effectRef>
+          <a:fontRef idx="minor">
+            <a:schemeClr val="dk1"/>
+          </a:fontRef>
+        </p:style>
+      </p:cxnSp>
+      <p:sp>
+        <p:nvSpPr>
+          <p:cNvPr id="88" name="Rectangle 8">
+            <a:extLst>
+              <a:ext uri="{FF2B5EF4-FFF2-40B4-BE49-F238E27FC236}">
+                <a16:creationId xmlns:a16="http://schemas.microsoft.com/office/drawing/2014/main" id="{6213FD9B-78B7-834C-9F37-F0648A4777FA}"/>
+              </a:ext>
+            </a:extLst>
+          </p:cNvPr>
+          <p:cNvSpPr/>
+          <p:nvPr/>
+        </p:nvSpPr>
+        <p:spPr>
+          <a:xfrm>
+            <a:off x="7296537" y="3466794"/>
+            <a:ext cx="708186" cy="285783"/>
+          </a:xfrm>
+          <a:prstGeom prst="rect">
+            <a:avLst/>
+          </a:prstGeom>
+          <a:ln w="19050">
+            <a:solidFill>
+              <a:srgbClr val="7030A0"/>
+            </a:solidFill>
+          </a:ln>
+          <a:effectLst/>
+        </p:spPr>
+        <p:style>
+          <a:lnRef idx="1">
+            <a:schemeClr val="accent4"/>
+          </a:lnRef>
+          <a:fillRef idx="2">
+            <a:schemeClr val="accent4"/>
+          </a:fillRef>
+          <a:effectRef idx="1">
+            <a:schemeClr val="accent4"/>
+          </a:effectRef>
+          <a:fontRef idx="minor">
+            <a:schemeClr val="dk1"/>
+          </a:fontRef>
+        </p:style>
+        <p:txBody>
+          <a:bodyPr rtlCol="0" anchor="ctr"/>
+          <a:lstStyle/>
+          <a:p>
+            <a:pPr algn="ctr"/>
+            <a:r>
+              <a:rPr lang="en-US" sz="1050" dirty="0">
+                <a:solidFill>
+                  <a:srgbClr val="7030A0"/>
+                </a:solidFill>
+              </a:rPr>
+              <a:t>SKU</a:t>
+            </a:r>
+            <a:endParaRPr lang="en-SG" sz="1050" dirty="0">
+              <a:solidFill>
+                <a:srgbClr val="7030A0"/>
+              </a:solidFill>
+            </a:endParaRPr>
+          </a:p>
+        </p:txBody>
+      </p:sp>
+      <p:sp>
+        <p:nvSpPr>
+          <p:cNvPr id="89" name="Flowchart: Decision 96">
+            <a:extLst>
+              <a:ext uri="{FF2B5EF4-FFF2-40B4-BE49-F238E27FC236}">
+                <a16:creationId xmlns:a16="http://schemas.microsoft.com/office/drawing/2014/main" id="{72462AE1-38AD-E341-B16C-B6C5F81D70C2}"/>
+              </a:ext>
+            </a:extLst>
+          </p:cNvPr>
+          <p:cNvSpPr/>
+          <p:nvPr/>
+        </p:nvSpPr>
+        <p:spPr>
+          <a:xfrm>
+            <a:off x="6292609" y="4180653"/>
+            <a:ext cx="236048" cy="173380"/>
+          </a:xfrm>
+          <a:prstGeom prst="flowChartDecision">
+            <a:avLst/>
+          </a:prstGeom>
+          <a:solidFill>
+            <a:srgbClr val="7030A0"/>
+          </a:solidFill>
+          <a:ln w="19050">
+            <a:solidFill>
+              <a:srgbClr val="7030A0"/>
+            </a:solidFill>
+          </a:ln>
+          <a:effectLst/>
+        </p:spPr>
+        <p:style>
+          <a:lnRef idx="1">
+            <a:schemeClr val="accent6"/>
+          </a:lnRef>
+          <a:fillRef idx="2">
+            <a:schemeClr val="accent6"/>
+          </a:fillRef>
+          <a:effectRef idx="1">
+            <a:schemeClr val="accent6"/>
+          </a:effectRef>
+          <a:fontRef idx="minor">
+            <a:schemeClr val="dk1"/>
+          </a:fontRef>
+        </p:style>
+        <p:txBody>
+          <a:bodyPr rtlCol="0" anchor="ctr"/>
+          <a:lstStyle/>
+          <a:p>
+            <a:pPr algn="ctr"/>
+            <a:endParaRPr lang="en-US" sz="1050"/>
+          </a:p>
+        </p:txBody>
+      </p:sp>
+      <p:cxnSp>
+        <p:nvCxnSpPr>
+          <p:cNvPr id="90" name="Elbow Connector 89">
+            <a:extLst>
+              <a:ext uri="{FF2B5EF4-FFF2-40B4-BE49-F238E27FC236}">
+                <a16:creationId xmlns:a16="http://schemas.microsoft.com/office/drawing/2014/main" id="{EF1073A1-2CB9-8148-B73E-3D20113C1AB8}"/>
+              </a:ext>
+            </a:extLst>
+          </p:cNvPr>
+          <p:cNvCxnSpPr>
+            <a:cxnSpLocks/>
+            <a:stCxn id="89" idx="3"/>
+            <a:endCxn id="88" idx="1"/>
+          </p:cNvCxnSpPr>
+          <p:nvPr/>
+        </p:nvCxnSpPr>
+        <p:spPr>
+          <a:xfrm flipV="1">
+            <a:off x="6528657" y="3609685"/>
+            <a:ext cx="767880" cy="657659"/>
+          </a:xfrm>
+          <a:prstGeom prst="bentConnector3">
+            <a:avLst>
+              <a:gd name="adj1" fmla="val 73235"/>
+            </a:avLst>
+          </a:prstGeom>
+          <a:ln w="19050">
+            <a:solidFill>
+              <a:srgbClr val="7030A0"/>
+            </a:solidFill>
+            <a:headEnd type="none" w="med" len="med"/>
+            <a:tailEnd type="arrow" w="med" len="med"/>
+          </a:ln>
+          <a:effectLst/>
+        </p:spPr>
+        <p:style>
+          <a:lnRef idx="1">
+            <a:schemeClr val="accent2"/>
+          </a:lnRef>
+          <a:fillRef idx="2">
+            <a:schemeClr val="accent2"/>
+          </a:fillRef>
+          <a:effectRef idx="1">
+            <a:schemeClr val="accent2"/>
+          </a:effectRef>
+          <a:fontRef idx="minor">
+            <a:schemeClr val="dk1"/>
+          </a:fontRef>
+        </p:style>
+      </p:cxnSp>
+      <p:sp>
+        <p:nvSpPr>
+          <p:cNvPr id="91" name="Rectangle 8">
+            <a:extLst>
+              <a:ext uri="{FF2B5EF4-FFF2-40B4-BE49-F238E27FC236}">
+                <a16:creationId xmlns:a16="http://schemas.microsoft.com/office/drawing/2014/main" id="{9DDC7B38-393A-AC46-B438-CEDCAD7ECEA9}"/>
+              </a:ext>
+            </a:extLst>
+          </p:cNvPr>
+          <p:cNvSpPr/>
+          <p:nvPr/>
+        </p:nvSpPr>
+        <p:spPr>
+          <a:xfrm>
+            <a:off x="7296537" y="3794223"/>
+            <a:ext cx="708186" cy="285783"/>
+          </a:xfrm>
+          <a:prstGeom prst="rect">
+            <a:avLst/>
+          </a:prstGeom>
+          <a:ln w="19050">
+            <a:solidFill>
+              <a:srgbClr val="7030A0"/>
+            </a:solidFill>
+          </a:ln>
+          <a:effectLst/>
+        </p:spPr>
+        <p:style>
+          <a:lnRef idx="1">
+            <a:schemeClr val="accent4"/>
+          </a:lnRef>
+          <a:fillRef idx="2">
+            <a:schemeClr val="accent4"/>
+          </a:fillRef>
+          <a:effectRef idx="1">
+            <a:schemeClr val="accent4"/>
+          </a:effectRef>
+          <a:fontRef idx="minor">
+            <a:schemeClr val="dk1"/>
+          </a:fontRef>
+        </p:style>
+        <p:txBody>
+          <a:bodyPr rtlCol="0" anchor="ctr"/>
+          <a:lstStyle/>
+          <a:p>
+            <a:pPr algn="ctr"/>
+            <a:r>
+              <a:rPr lang="en-US" sz="1050" dirty="0">
+                <a:solidFill>
+                  <a:srgbClr val="7030A0"/>
+                </a:solidFill>
+              </a:rPr>
+              <a:t>Quantity</a:t>
+            </a:r>
+            <a:endParaRPr lang="en-SG" sz="1050" dirty="0">
+              <a:solidFill>
+                <a:srgbClr val="7030A0"/>
+              </a:solidFill>
+            </a:endParaRPr>
+          </a:p>
+        </p:txBody>
+      </p:sp>
+      <p:cxnSp>
+        <p:nvCxnSpPr>
+          <p:cNvPr id="92" name="Elbow Connector 91">
+            <a:extLst>
+              <a:ext uri="{FF2B5EF4-FFF2-40B4-BE49-F238E27FC236}">
+                <a16:creationId xmlns:a16="http://schemas.microsoft.com/office/drawing/2014/main" id="{608B55EC-AC33-1D4E-AD46-B6375ABCF000}"/>
+              </a:ext>
+            </a:extLst>
+          </p:cNvPr>
+          <p:cNvCxnSpPr>
+            <a:cxnSpLocks/>
+            <a:stCxn id="89" idx="3"/>
+            <a:endCxn id="91" idx="1"/>
+          </p:cNvCxnSpPr>
+          <p:nvPr/>
+        </p:nvCxnSpPr>
+        <p:spPr>
+          <a:xfrm flipV="1">
+            <a:off x="6528657" y="3937115"/>
+            <a:ext cx="767880" cy="330229"/>
+          </a:xfrm>
+          <a:prstGeom prst="bentConnector3">
+            <a:avLst>
+              <a:gd name="adj1" fmla="val 73561"/>
+            </a:avLst>
+          </a:prstGeom>
+          <a:ln w="19050">
+            <a:solidFill>
+              <a:srgbClr val="7030A0"/>
+            </a:solidFill>
+            <a:headEnd type="none" w="med" len="med"/>
+            <a:tailEnd type="arrow" w="med" len="med"/>
+          </a:ln>
+          <a:effectLst/>
+        </p:spPr>
+        <p:style>
+          <a:lnRef idx="1">
+            <a:schemeClr val="accent2"/>
+          </a:lnRef>
+          <a:fillRef idx="2">
+            <a:schemeClr val="accent2"/>
+          </a:fillRef>
+          <a:effectRef idx="1">
+            <a:schemeClr val="accent2"/>
+          </a:effectRef>
+          <a:fontRef idx="minor">
+            <a:schemeClr val="dk1"/>
+          </a:fontRef>
+        </p:style>
+      </p:cxnSp>
+      <p:sp>
+        <p:nvSpPr>
+          <p:cNvPr id="93" name="Rectangle 8">
+            <a:extLst>
+              <a:ext uri="{FF2B5EF4-FFF2-40B4-BE49-F238E27FC236}">
+                <a16:creationId xmlns:a16="http://schemas.microsoft.com/office/drawing/2014/main" id="{CE20E692-2F10-C249-87DA-FAD06AB6A9B0}"/>
+              </a:ext>
+            </a:extLst>
+          </p:cNvPr>
+          <p:cNvSpPr/>
+          <p:nvPr/>
+        </p:nvSpPr>
+        <p:spPr>
+          <a:xfrm>
+            <a:off x="7293763" y="4123397"/>
+            <a:ext cx="708186" cy="285783"/>
+          </a:xfrm>
+          <a:prstGeom prst="rect">
+            <a:avLst/>
+          </a:prstGeom>
+          <a:ln w="19050">
+            <a:solidFill>
+              <a:srgbClr val="7030A0"/>
+            </a:solidFill>
+          </a:ln>
+          <a:effectLst/>
+        </p:spPr>
+        <p:style>
+          <a:lnRef idx="1">
+            <a:schemeClr val="accent4"/>
+          </a:lnRef>
+          <a:fillRef idx="2">
+            <a:schemeClr val="accent4"/>
+          </a:fillRef>
+          <a:effectRef idx="1">
+            <a:schemeClr val="accent4"/>
+          </a:effectRef>
+          <a:fontRef idx="minor">
+            <a:schemeClr val="dk1"/>
+          </a:fontRef>
+        </p:style>
+        <p:txBody>
+          <a:bodyPr rtlCol="0" anchor="ctr"/>
+          <a:lstStyle/>
+          <a:p>
+            <a:pPr algn="ctr"/>
+            <a:r>
+              <a:rPr lang="en-US" sz="1050" dirty="0" err="1">
+                <a:solidFill>
+                  <a:srgbClr val="7030A0"/>
+                </a:solidFill>
+              </a:rPr>
+              <a:t>RequiredDate</a:t>
+            </a:r>
+            <a:endParaRPr lang="en-SG" sz="1050" dirty="0">
+              <a:solidFill>
+                <a:srgbClr val="7030A0"/>
+              </a:solidFill>
+            </a:endParaRPr>
+          </a:p>
+        </p:txBody>
+      </p:sp>
+      <p:cxnSp>
+        <p:nvCxnSpPr>
+          <p:cNvPr id="94" name="Elbow Connector 93">
+            <a:extLst>
+              <a:ext uri="{FF2B5EF4-FFF2-40B4-BE49-F238E27FC236}">
+                <a16:creationId xmlns:a16="http://schemas.microsoft.com/office/drawing/2014/main" id="{421D1BF4-680E-A74E-A0BC-D48106C1DE43}"/>
+              </a:ext>
+            </a:extLst>
+          </p:cNvPr>
+          <p:cNvCxnSpPr>
+            <a:cxnSpLocks/>
+            <a:endCxn id="93" idx="1"/>
+          </p:cNvCxnSpPr>
+          <p:nvPr/>
+        </p:nvCxnSpPr>
+        <p:spPr>
+          <a:xfrm flipV="1">
+            <a:off x="6876952" y="4266290"/>
+            <a:ext cx="416810" cy="1055"/>
+          </a:xfrm>
+          <a:prstGeom prst="bentConnector3">
+            <a:avLst/>
+          </a:prstGeom>
+          <a:ln w="19050">
+            <a:solidFill>
+              <a:srgbClr val="7030A0"/>
+            </a:solidFill>
+            <a:headEnd type="none" w="med" len="med"/>
+            <a:tailEnd type="arrow" w="med" len="med"/>
+          </a:ln>
+          <a:effectLst/>
+        </p:spPr>
+        <p:style>
+          <a:lnRef idx="1">
+            <a:schemeClr val="accent2"/>
+          </a:lnRef>
+          <a:fillRef idx="2">
+            <a:schemeClr val="accent2"/>
+          </a:fillRef>
+          <a:effectRef idx="1">
+            <a:schemeClr val="accent2"/>
+          </a:effectRef>
+          <a:fontRef idx="minor">
+            <a:schemeClr val="dk1"/>
+          </a:fontRef>
+        </p:style>
+      </p:cxnSp>
+      <p:sp>
+        <p:nvSpPr>
+          <p:cNvPr id="95" name="Rectangle 8">
+            <a:extLst>
+              <a:ext uri="{FF2B5EF4-FFF2-40B4-BE49-F238E27FC236}">
+                <a16:creationId xmlns:a16="http://schemas.microsoft.com/office/drawing/2014/main" id="{48B0C946-414A-144C-84ED-9BD638C15ED7}"/>
+              </a:ext>
+            </a:extLst>
+          </p:cNvPr>
+          <p:cNvSpPr/>
+          <p:nvPr/>
+        </p:nvSpPr>
+        <p:spPr>
+          <a:xfrm>
+            <a:off x="7293763" y="4453634"/>
+            <a:ext cx="708186" cy="285783"/>
+          </a:xfrm>
+          <a:prstGeom prst="rect">
+            <a:avLst/>
+          </a:prstGeom>
+          <a:ln w="19050">
+            <a:solidFill>
+              <a:srgbClr val="7030A0"/>
+            </a:solidFill>
+          </a:ln>
+          <a:effectLst/>
+        </p:spPr>
+        <p:style>
+          <a:lnRef idx="1">
+            <a:schemeClr val="accent4"/>
+          </a:lnRef>
+          <a:fillRef idx="2">
+            <a:schemeClr val="accent4"/>
+          </a:fillRef>
+          <a:effectRef idx="1">
+            <a:schemeClr val="accent4"/>
+          </a:effectRef>
+          <a:fontRef idx="minor">
+            <a:schemeClr val="dk1"/>
+          </a:fontRef>
+        </p:style>
+        <p:txBody>
+          <a:bodyPr rtlCol="0" anchor="ctr"/>
+          <a:lstStyle/>
+          <a:p>
+            <a:pPr algn="ctr"/>
+            <a:r>
+              <a:rPr lang="en-US" sz="1050" dirty="0">
+                <a:solidFill>
+                  <a:srgbClr val="7030A0"/>
+                </a:solidFill>
+              </a:rPr>
+              <a:t>Supplier</a:t>
+            </a:r>
+            <a:endParaRPr lang="en-SG" sz="1050" dirty="0">
+              <a:solidFill>
+                <a:srgbClr val="7030A0"/>
+              </a:solidFill>
+            </a:endParaRPr>
+          </a:p>
+        </p:txBody>
+      </p:sp>
+      <p:cxnSp>
+        <p:nvCxnSpPr>
+          <p:cNvPr id="96" name="Elbow Connector 95">
+            <a:extLst>
+              <a:ext uri="{FF2B5EF4-FFF2-40B4-BE49-F238E27FC236}">
+                <a16:creationId xmlns:a16="http://schemas.microsoft.com/office/drawing/2014/main" id="{4F63734D-9C75-BA47-9C2D-A5573FCF389F}"/>
+              </a:ext>
+            </a:extLst>
+          </p:cNvPr>
+          <p:cNvCxnSpPr>
+            <a:cxnSpLocks/>
+            <a:stCxn id="89" idx="3"/>
+            <a:endCxn id="95" idx="1"/>
+          </p:cNvCxnSpPr>
+          <p:nvPr/>
+        </p:nvCxnSpPr>
+        <p:spPr>
+          <a:xfrm>
+            <a:off x="6528659" y="4267343"/>
+            <a:ext cx="765105" cy="329182"/>
+          </a:xfrm>
+          <a:prstGeom prst="bentConnector3">
+            <a:avLst>
+              <a:gd name="adj1" fmla="val 72348"/>
+            </a:avLst>
+          </a:prstGeom>
+          <a:ln w="19050">
+            <a:solidFill>
+              <a:srgbClr val="7030A0"/>
+            </a:solidFill>
+            <a:headEnd type="none" w="med" len="med"/>
+            <a:tailEnd type="arrow" w="med" len="med"/>
+          </a:ln>
+          <a:effectLst/>
+        </p:spPr>
+        <p:style>
+          <a:lnRef idx="1">
+            <a:schemeClr val="accent2"/>
+          </a:lnRef>
+          <a:fillRef idx="2">
+            <a:schemeClr val="accent2"/>
+          </a:fillRef>
+          <a:effectRef idx="1">
+            <a:schemeClr val="accent2"/>
+          </a:effectRef>
+          <a:fontRef idx="minor">
+            <a:schemeClr val="dk1"/>
+          </a:fontRef>
+        </p:style>
+      </p:cxnSp>
+      <p:sp>
+        <p:nvSpPr>
+          <p:cNvPr id="98" name="TextBox 97">
+            <a:extLst>
+              <a:ext uri="{FF2B5EF4-FFF2-40B4-BE49-F238E27FC236}">
+                <a16:creationId xmlns:a16="http://schemas.microsoft.com/office/drawing/2014/main" id="{8DD6A475-6548-6047-BF20-FB1C49F8572A}"/>
+              </a:ext>
+            </a:extLst>
+          </p:cNvPr>
+          <p:cNvSpPr txBox="1"/>
+          <p:nvPr/>
+        </p:nvSpPr>
+        <p:spPr>
+          <a:xfrm rot="16200000">
+            <a:off x="5601215" y="4810551"/>
+            <a:ext cx="881018" cy="261610"/>
+          </a:xfrm>
+          <a:prstGeom prst="rect">
+            <a:avLst/>
+          </a:prstGeom>
+          <a:noFill/>
+        </p:spPr>
+        <p:txBody>
+          <a:bodyPr wrap="square" rtlCol="0">
+            <a:spAutoFit/>
+          </a:bodyPr>
+          <a:lstStyle/>
+          <a:p>
+            <a:pPr algn="r"/>
+            <a:r>
+              <a:rPr lang="en-US" sz="1100" dirty="0">
+                <a:solidFill>
+                  <a:srgbClr val="7030A0"/>
+                </a:solidFill>
+              </a:rPr>
+              <a:t>filtered list</a:t>
+            </a:r>
+            <a:endParaRPr lang="en-SG" sz="1100" dirty="0">
+              <a:solidFill>
+                <a:srgbClr val="7030A0"/>
+              </a:solidFill>
+            </a:endParaRPr>
+          </a:p>
+        </p:txBody>
+      </p:sp>
+      <p:sp>
+        <p:nvSpPr>
+          <p:cNvPr id="101" name="TextBox 100">
+            <a:extLst>
+              <a:ext uri="{FF2B5EF4-FFF2-40B4-BE49-F238E27FC236}">
+                <a16:creationId xmlns:a16="http://schemas.microsoft.com/office/drawing/2014/main" id="{803C0B14-28B7-7447-AA79-A10A5D63CB05}"/>
+              </a:ext>
+            </a:extLst>
+          </p:cNvPr>
+          <p:cNvSpPr txBox="1"/>
+          <p:nvPr/>
+        </p:nvSpPr>
+        <p:spPr>
+          <a:xfrm>
+            <a:off x="3680643" y="4355759"/>
+            <a:ext cx="189257" cy="178683"/>
+          </a:xfrm>
+          <a:prstGeom prst="rect">
+            <a:avLst/>
+          </a:prstGeom>
+          <a:noFill/>
+        </p:spPr>
+        <p:txBody>
+          <a:bodyPr wrap="square" lIns="0" tIns="0" rIns="0" bIns="0" rtlCol="0">
+            <a:noAutofit/>
+          </a:bodyPr>
+          <a:lstStyle/>
+          <a:p>
+            <a:pPr algn="ctr"/>
+            <a:r>
+              <a:rPr lang="en-US" sz="1100" dirty="0">
+                <a:solidFill>
+                  <a:srgbClr val="7030A0"/>
+                </a:solidFill>
+              </a:rPr>
+              <a:t>1</a:t>
+            </a:r>
+            <a:endParaRPr lang="en-SG" sz="1100" dirty="0">
+              <a:solidFill>
+                <a:srgbClr val="7030A0"/>
+              </a:solidFill>
+            </a:endParaRPr>
+          </a:p>
+        </p:txBody>
+      </p:sp>
+      <p:sp>
+        <p:nvSpPr>
+          <p:cNvPr id="102" name="TextBox 101">
+            <a:extLst>
+              <a:ext uri="{FF2B5EF4-FFF2-40B4-BE49-F238E27FC236}">
+                <a16:creationId xmlns:a16="http://schemas.microsoft.com/office/drawing/2014/main" id="{64C947A9-79B6-7F4D-A0FF-C9DE25014A23}"/>
+              </a:ext>
+            </a:extLst>
+          </p:cNvPr>
+          <p:cNvSpPr txBox="1"/>
+          <p:nvPr/>
+        </p:nvSpPr>
+        <p:spPr>
+          <a:xfrm>
+            <a:off x="5385920" y="4342198"/>
+            <a:ext cx="189257" cy="178683"/>
+          </a:xfrm>
+          <a:prstGeom prst="rect">
+            <a:avLst/>
+          </a:prstGeom>
+          <a:noFill/>
+        </p:spPr>
+        <p:txBody>
+          <a:bodyPr wrap="square" lIns="0" tIns="0" rIns="0" bIns="0" rtlCol="0">
+            <a:noAutofit/>
+          </a:bodyPr>
+          <a:lstStyle/>
+          <a:p>
+            <a:pPr algn="ctr"/>
+            <a:r>
+              <a:rPr lang="en-US" sz="1100" dirty="0">
+                <a:solidFill>
+                  <a:srgbClr val="7030A0"/>
+                </a:solidFill>
+              </a:rPr>
+              <a:t>*</a:t>
+            </a:r>
+            <a:endParaRPr lang="en-SG" sz="1100" dirty="0">
+              <a:solidFill>
+                <a:srgbClr val="7030A0"/>
+              </a:solidFill>
+            </a:endParaRPr>
+          </a:p>
+        </p:txBody>
+      </p:sp>
+      <p:sp>
+        <p:nvSpPr>
+          <p:cNvPr id="103" name="TextBox 102">
+            <a:extLst>
+              <a:ext uri="{FF2B5EF4-FFF2-40B4-BE49-F238E27FC236}">
+                <a16:creationId xmlns:a16="http://schemas.microsoft.com/office/drawing/2014/main" id="{C5A30849-3757-9D4D-9790-13D2DD207DC2}"/>
+              </a:ext>
+            </a:extLst>
+          </p:cNvPr>
+          <p:cNvSpPr txBox="1"/>
+          <p:nvPr/>
+        </p:nvSpPr>
+        <p:spPr>
+          <a:xfrm>
+            <a:off x="5700560" y="4449106"/>
+            <a:ext cx="189257" cy="178683"/>
+          </a:xfrm>
+          <a:prstGeom prst="rect">
+            <a:avLst/>
+          </a:prstGeom>
+          <a:noFill/>
+        </p:spPr>
+        <p:txBody>
+          <a:bodyPr wrap="square" lIns="0" tIns="0" rIns="0" bIns="0" rtlCol="0">
+            <a:noAutofit/>
+          </a:bodyPr>
+          <a:lstStyle/>
+          <a:p>
+            <a:pPr algn="ctr"/>
+            <a:r>
+              <a:rPr lang="en-US" sz="1100" dirty="0">
+                <a:solidFill>
+                  <a:srgbClr val="7030A0"/>
+                </a:solidFill>
+              </a:rPr>
+              <a:t>1</a:t>
+            </a:r>
+            <a:endParaRPr lang="en-SG" sz="1100" dirty="0">
+              <a:solidFill>
+                <a:srgbClr val="7030A0"/>
+              </a:solidFill>
+            </a:endParaRPr>
+          </a:p>
+        </p:txBody>
+      </p:sp>
+      <p:sp>
+        <p:nvSpPr>
+          <p:cNvPr id="108" name="Rectangle 8">
+            <a:extLst>
+              <a:ext uri="{FF2B5EF4-FFF2-40B4-BE49-F238E27FC236}">
+                <a16:creationId xmlns:a16="http://schemas.microsoft.com/office/drawing/2014/main" id="{7291FB7D-FCAD-854E-97B2-3104C18F7BF4}"/>
+              </a:ext>
+            </a:extLst>
+          </p:cNvPr>
+          <p:cNvSpPr/>
+          <p:nvPr/>
+        </p:nvSpPr>
+        <p:spPr>
+          <a:xfrm>
+            <a:off x="7298116" y="4783871"/>
+            <a:ext cx="708186" cy="285783"/>
+          </a:xfrm>
+          <a:prstGeom prst="rect">
+            <a:avLst/>
+          </a:prstGeom>
+          <a:ln w="19050">
+            <a:solidFill>
+              <a:srgbClr val="7030A0"/>
+            </a:solidFill>
+          </a:ln>
+          <a:effectLst/>
+        </p:spPr>
+        <p:style>
+          <a:lnRef idx="1">
+            <a:schemeClr val="accent4"/>
+          </a:lnRef>
+          <a:fillRef idx="2">
+            <a:schemeClr val="accent4"/>
+          </a:fillRef>
+          <a:effectRef idx="1">
+            <a:schemeClr val="accent4"/>
+          </a:effectRef>
+          <a:fontRef idx="minor">
+            <a:schemeClr val="dk1"/>
+          </a:fontRef>
+        </p:style>
+        <p:txBody>
+          <a:bodyPr rtlCol="0" anchor="ctr"/>
+          <a:lstStyle/>
+          <a:p>
+            <a:pPr algn="ctr"/>
+            <a:r>
+              <a:rPr lang="en-US" sz="1050" dirty="0">
+                <a:solidFill>
+                  <a:srgbClr val="7030A0"/>
+                </a:solidFill>
+              </a:rPr>
+              <a:t>Status</a:t>
+            </a:r>
+            <a:endParaRPr lang="en-SG" sz="1050" dirty="0">
+              <a:solidFill>
+                <a:srgbClr val="7030A0"/>
+              </a:solidFill>
+            </a:endParaRPr>
+          </a:p>
+        </p:txBody>
+      </p:sp>
+      <p:cxnSp>
+        <p:nvCxnSpPr>
+          <p:cNvPr id="109" name="Elbow Connector 108">
+            <a:extLst>
+              <a:ext uri="{FF2B5EF4-FFF2-40B4-BE49-F238E27FC236}">
+                <a16:creationId xmlns:a16="http://schemas.microsoft.com/office/drawing/2014/main" id="{59B18BED-6653-0F4E-9632-3DA046087E31}"/>
+              </a:ext>
+            </a:extLst>
+          </p:cNvPr>
+          <p:cNvCxnSpPr>
+            <a:cxnSpLocks/>
+            <a:stCxn id="89" idx="3"/>
+            <a:endCxn id="108" idx="1"/>
+          </p:cNvCxnSpPr>
+          <p:nvPr/>
+        </p:nvCxnSpPr>
+        <p:spPr>
+          <a:xfrm>
+            <a:off x="6528659" y="4267345"/>
+            <a:ext cx="769459" cy="659419"/>
+          </a:xfrm>
+          <a:prstGeom prst="bentConnector3">
+            <a:avLst>
+              <a:gd name="adj1" fmla="val 72222"/>
+            </a:avLst>
+          </a:prstGeom>
+          <a:ln w="19050">
+            <a:solidFill>
+              <a:srgbClr val="7030A0"/>
+            </a:solidFill>
+            <a:headEnd type="none" w="med" len="med"/>
+            <a:tailEnd type="arrow" w="med" len="med"/>
+          </a:ln>
+          <a:effectLst/>
+        </p:spPr>
+        <p:style>
+          <a:lnRef idx="1">
+            <a:schemeClr val="accent2"/>
+          </a:lnRef>
+          <a:fillRef idx="2">
+            <a:schemeClr val="accent2"/>
+          </a:fillRef>
+          <a:effectRef idx="1">
+            <a:schemeClr val="accent2"/>
+          </a:effectRef>
+          <a:fontRef idx="minor">
+            <a:schemeClr val="dk1"/>
+          </a:fontRef>
+        </p:style>
+      </p:cxnSp>
+      <p:cxnSp>
+        <p:nvCxnSpPr>
+          <p:cNvPr id="110" name="Straight Arrow Connector 109">
+            <a:extLst>
+              <a:ext uri="{FF2B5EF4-FFF2-40B4-BE49-F238E27FC236}">
+                <a16:creationId xmlns:a16="http://schemas.microsoft.com/office/drawing/2014/main" id="{1F7C344D-CB48-0E40-BC53-E0AEEAAD9196}"/>
+              </a:ext>
+            </a:extLst>
+          </p:cNvPr>
+          <p:cNvCxnSpPr>
+            <a:cxnSpLocks/>
+            <a:stCxn id="51" idx="2"/>
+            <a:endCxn id="73" idx="1"/>
+          </p:cNvCxnSpPr>
+          <p:nvPr/>
+        </p:nvCxnSpPr>
+        <p:spPr>
+          <a:xfrm rot="16200000" flipH="1">
+            <a:off x="2992298" y="3332435"/>
+            <a:ext cx="1617285" cy="255114"/>
+          </a:xfrm>
+          <a:prstGeom prst="bentConnector2">
+            <a:avLst/>
+          </a:prstGeom>
+          <a:ln w="19050">
+            <a:solidFill>
+              <a:srgbClr val="7030A0"/>
+            </a:solidFill>
+            <a:headEnd type="none" w="med" len="med"/>
+            <a:tailEnd type="arrow" w="med" len="med"/>
+          </a:ln>
+          <a:effectLst/>
+        </p:spPr>
+        <p:style>
+          <a:lnRef idx="1">
+            <a:schemeClr val="accent2"/>
+          </a:lnRef>
+          <a:fillRef idx="2">
+            <a:schemeClr val="accent2"/>
+          </a:fillRef>
+          <a:effectRef idx="1">
+            <a:schemeClr val="accent2"/>
+          </a:effectRef>
+          <a:fontRef idx="minor">
+            <a:schemeClr val="dk1"/>
+          </a:fontRef>
+        </p:style>
+      </p:cxnSp>
+      <p:sp>
+        <p:nvSpPr>
+          <p:cNvPr id="116" name="Rectangle 8">
+            <a:extLst>
+              <a:ext uri="{FF2B5EF4-FFF2-40B4-BE49-F238E27FC236}">
+                <a16:creationId xmlns:a16="http://schemas.microsoft.com/office/drawing/2014/main" id="{770C0D5B-B266-644A-8904-4D9917B9510D}"/>
+              </a:ext>
+            </a:extLst>
+          </p:cNvPr>
+          <p:cNvSpPr/>
+          <p:nvPr/>
+        </p:nvSpPr>
+        <p:spPr>
+          <a:xfrm>
+            <a:off x="3935898" y="5897720"/>
+            <a:ext cx="1156969" cy="299750"/>
+          </a:xfrm>
+          <a:prstGeom prst="rect">
+            <a:avLst/>
+          </a:prstGeom>
+          <a:ln w="19050">
+            <a:solidFill>
+              <a:srgbClr val="7030A0"/>
+            </a:solidFill>
+          </a:ln>
+          <a:effectLst/>
+        </p:spPr>
+        <p:style>
+          <a:lnRef idx="1">
+            <a:schemeClr val="accent4"/>
+          </a:lnRef>
+          <a:fillRef idx="2">
+            <a:schemeClr val="accent4"/>
+          </a:fillRef>
+          <a:effectRef idx="1">
+            <a:schemeClr val="accent4"/>
+          </a:effectRef>
+          <a:fontRef idx="minor">
+            <a:schemeClr val="dk1"/>
+          </a:fontRef>
+        </p:style>
+        <p:txBody>
+          <a:bodyPr rtlCol="0" anchor="ctr"/>
+          <a:lstStyle/>
+          <a:p>
+            <a:pPr algn="ctr"/>
+            <a:r>
+              <a:rPr lang="en-US" sz="1050" dirty="0" err="1">
+                <a:solidFill>
+                  <a:srgbClr val="7030A0"/>
+                </a:solidFill>
+              </a:rPr>
+              <a:t>UniqueSaleList</a:t>
+            </a:r>
+            <a:endParaRPr lang="en-SG" sz="1050" dirty="0">
+              <a:solidFill>
+                <a:srgbClr val="7030A0"/>
+              </a:solidFill>
+            </a:endParaRPr>
+          </a:p>
+        </p:txBody>
+      </p:sp>
+      <p:sp>
+        <p:nvSpPr>
+          <p:cNvPr id="117" name="Rectangle 8">
+            <a:extLst>
+              <a:ext uri="{FF2B5EF4-FFF2-40B4-BE49-F238E27FC236}">
+                <a16:creationId xmlns:a16="http://schemas.microsoft.com/office/drawing/2014/main" id="{647B0265-E6B5-2F4D-9204-EBA64AACA6E2}"/>
+              </a:ext>
+            </a:extLst>
+          </p:cNvPr>
+          <p:cNvSpPr/>
+          <p:nvPr/>
+        </p:nvSpPr>
+        <p:spPr>
+          <a:xfrm>
+            <a:off x="5569607" y="5843620"/>
+            <a:ext cx="708186" cy="346760"/>
+          </a:xfrm>
+          <a:prstGeom prst="rect">
+            <a:avLst/>
+          </a:prstGeom>
+          <a:ln w="19050">
+            <a:solidFill>
+              <a:srgbClr val="7030A0"/>
+            </a:solidFill>
+          </a:ln>
+          <a:effectLst/>
+        </p:spPr>
+        <p:style>
+          <a:lnRef idx="1">
+            <a:schemeClr val="accent4"/>
+          </a:lnRef>
+          <a:fillRef idx="2">
+            <a:schemeClr val="accent4"/>
+          </a:fillRef>
+          <a:effectRef idx="1">
+            <a:schemeClr val="accent4"/>
+          </a:effectRef>
+          <a:fontRef idx="minor">
+            <a:schemeClr val="dk1"/>
+          </a:fontRef>
+        </p:style>
+        <p:txBody>
+          <a:bodyPr rtlCol="0" anchor="ctr"/>
+          <a:lstStyle/>
+          <a:p>
+            <a:pPr algn="ctr"/>
+            <a:r>
+              <a:rPr lang="en-US" sz="1050" dirty="0">
+                <a:solidFill>
+                  <a:srgbClr val="7030A0"/>
+                </a:solidFill>
+              </a:rPr>
+              <a:t>Sale</a:t>
+            </a:r>
+            <a:endParaRPr lang="en-SG" sz="1050" dirty="0">
+              <a:solidFill>
+                <a:srgbClr val="7030A0"/>
+              </a:solidFill>
+            </a:endParaRPr>
+          </a:p>
+        </p:txBody>
+      </p:sp>
+      <p:sp>
+        <p:nvSpPr>
+          <p:cNvPr id="121" name="Flowchart: Decision 96">
+            <a:extLst>
+              <a:ext uri="{FF2B5EF4-FFF2-40B4-BE49-F238E27FC236}">
+                <a16:creationId xmlns:a16="http://schemas.microsoft.com/office/drawing/2014/main" id="{566D14EA-9028-A541-B05D-82E61897C3E6}"/>
+              </a:ext>
+            </a:extLst>
+          </p:cNvPr>
+          <p:cNvSpPr/>
+          <p:nvPr/>
+        </p:nvSpPr>
+        <p:spPr>
+          <a:xfrm>
+            <a:off x="5095194" y="5929018"/>
+            <a:ext cx="236048" cy="173380"/>
+          </a:xfrm>
+          <a:prstGeom prst="flowChartDecision">
+            <a:avLst/>
+          </a:prstGeom>
+          <a:noFill/>
+          <a:ln w="19050">
+            <a:solidFill>
+              <a:srgbClr val="7030A0"/>
+            </a:solidFill>
+          </a:ln>
+          <a:effectLst/>
+        </p:spPr>
+        <p:style>
+          <a:lnRef idx="1">
+            <a:schemeClr val="accent6"/>
+          </a:lnRef>
+          <a:fillRef idx="2">
+            <a:schemeClr val="accent6"/>
+          </a:fillRef>
+          <a:effectRef idx="1">
+            <a:schemeClr val="accent6"/>
+          </a:effectRef>
+          <a:fontRef idx="minor">
+            <a:schemeClr val="dk1"/>
+          </a:fontRef>
+        </p:style>
+        <p:txBody>
+          <a:bodyPr rtlCol="0" anchor="ctr"/>
+          <a:lstStyle/>
+          <a:p>
+            <a:pPr algn="ctr"/>
+            <a:endParaRPr lang="en-US" sz="1050"/>
+          </a:p>
+        </p:txBody>
+      </p:sp>
+      <p:cxnSp>
+        <p:nvCxnSpPr>
+          <p:cNvPr id="123" name="Elbow Connector 86">
+            <a:extLst>
+              <a:ext uri="{FF2B5EF4-FFF2-40B4-BE49-F238E27FC236}">
+                <a16:creationId xmlns:a16="http://schemas.microsoft.com/office/drawing/2014/main" id="{60A298E0-BE6C-1246-B921-016CA41B7B78}"/>
+              </a:ext>
+            </a:extLst>
+          </p:cNvPr>
+          <p:cNvCxnSpPr>
+            <a:stCxn id="121" idx="3"/>
+            <a:endCxn id="117" idx="1"/>
+          </p:cNvCxnSpPr>
+          <p:nvPr/>
+        </p:nvCxnSpPr>
+        <p:spPr>
+          <a:xfrm>
+            <a:off x="5331242" y="6015709"/>
+            <a:ext cx="238364" cy="1292"/>
+          </a:xfrm>
+          <a:prstGeom prst="straightConnector1">
+            <a:avLst/>
+          </a:prstGeom>
+          <a:ln w="19050">
+            <a:solidFill>
+              <a:srgbClr val="7030A0"/>
+            </a:solidFill>
+            <a:headEnd type="none" w="med" len="med"/>
+            <a:tailEnd type="arrow" w="med" len="med"/>
+          </a:ln>
+          <a:effectLst/>
+        </p:spPr>
+        <p:style>
+          <a:lnRef idx="1">
+            <a:schemeClr val="accent2"/>
+          </a:lnRef>
+          <a:fillRef idx="2">
+            <a:schemeClr val="accent2"/>
+          </a:fillRef>
+          <a:effectRef idx="1">
+            <a:schemeClr val="accent2"/>
+          </a:effectRef>
+          <a:fontRef idx="minor">
+            <a:schemeClr val="dk1"/>
+          </a:fontRef>
+        </p:style>
+      </p:cxnSp>
+      <p:sp>
+        <p:nvSpPr>
+          <p:cNvPr id="125" name="Rectangle 8">
+            <a:extLst>
+              <a:ext uri="{FF2B5EF4-FFF2-40B4-BE49-F238E27FC236}">
+                <a16:creationId xmlns:a16="http://schemas.microsoft.com/office/drawing/2014/main" id="{BB63DCFC-64F6-FD4B-A638-CFE62A6DE225}"/>
+              </a:ext>
+            </a:extLst>
+          </p:cNvPr>
+          <p:cNvSpPr/>
+          <p:nvPr/>
+        </p:nvSpPr>
+        <p:spPr>
+          <a:xfrm>
+            <a:off x="7296537" y="5215159"/>
+            <a:ext cx="708186" cy="285783"/>
+          </a:xfrm>
+          <a:prstGeom prst="rect">
+            <a:avLst/>
+          </a:prstGeom>
+          <a:ln w="19050">
+            <a:solidFill>
+              <a:srgbClr val="7030A0"/>
+            </a:solidFill>
+          </a:ln>
+          <a:effectLst/>
+        </p:spPr>
+        <p:style>
+          <a:lnRef idx="1">
+            <a:schemeClr val="accent4"/>
+          </a:lnRef>
+          <a:fillRef idx="2">
+            <a:schemeClr val="accent4"/>
+          </a:fillRef>
+          <a:effectRef idx="1">
+            <a:schemeClr val="accent4"/>
+          </a:effectRef>
+          <a:fontRef idx="minor">
+            <a:schemeClr val="dk1"/>
+          </a:fontRef>
+        </p:style>
+        <p:txBody>
+          <a:bodyPr rtlCol="0" anchor="ctr"/>
+          <a:lstStyle/>
+          <a:p>
+            <a:pPr algn="ctr"/>
+            <a:r>
+              <a:rPr lang="en-US" sz="1050" dirty="0" err="1">
+                <a:solidFill>
+                  <a:srgbClr val="7030A0"/>
+                </a:solidFill>
+              </a:rPr>
+              <a:t>SaleID</a:t>
+            </a:r>
+            <a:endParaRPr lang="en-SG" sz="1050" dirty="0">
+              <a:solidFill>
+                <a:srgbClr val="7030A0"/>
+              </a:solidFill>
+            </a:endParaRPr>
+          </a:p>
+        </p:txBody>
+      </p:sp>
+      <p:sp>
+        <p:nvSpPr>
+          <p:cNvPr id="126" name="Flowchart: Decision 96">
+            <a:extLst>
+              <a:ext uri="{FF2B5EF4-FFF2-40B4-BE49-F238E27FC236}">
+                <a16:creationId xmlns:a16="http://schemas.microsoft.com/office/drawing/2014/main" id="{444E43FC-6D95-7442-919A-53037A33F58A}"/>
+              </a:ext>
+            </a:extLst>
+          </p:cNvPr>
+          <p:cNvSpPr/>
+          <p:nvPr/>
+        </p:nvSpPr>
+        <p:spPr>
+          <a:xfrm>
+            <a:off x="6292609" y="5929018"/>
+            <a:ext cx="236048" cy="173380"/>
+          </a:xfrm>
+          <a:prstGeom prst="flowChartDecision">
+            <a:avLst/>
+          </a:prstGeom>
+          <a:solidFill>
+            <a:srgbClr val="7030A0"/>
+          </a:solidFill>
+          <a:ln w="19050">
+            <a:solidFill>
+              <a:srgbClr val="7030A0"/>
+            </a:solidFill>
+          </a:ln>
+          <a:effectLst/>
+        </p:spPr>
+        <p:style>
+          <a:lnRef idx="1">
+            <a:schemeClr val="accent6"/>
+          </a:lnRef>
+          <a:fillRef idx="2">
+            <a:schemeClr val="accent6"/>
+          </a:fillRef>
+          <a:effectRef idx="1">
+            <a:schemeClr val="accent6"/>
+          </a:effectRef>
+          <a:fontRef idx="minor">
+            <a:schemeClr val="dk1"/>
+          </a:fontRef>
+        </p:style>
+        <p:txBody>
+          <a:bodyPr rtlCol="0" anchor="ctr"/>
+          <a:lstStyle/>
+          <a:p>
+            <a:pPr algn="ctr"/>
+            <a:endParaRPr lang="en-US" sz="1050"/>
+          </a:p>
+        </p:txBody>
+      </p:sp>
+      <p:cxnSp>
+        <p:nvCxnSpPr>
+          <p:cNvPr id="127" name="Elbow Connector 126">
+            <a:extLst>
+              <a:ext uri="{FF2B5EF4-FFF2-40B4-BE49-F238E27FC236}">
+                <a16:creationId xmlns:a16="http://schemas.microsoft.com/office/drawing/2014/main" id="{FCEECBDF-1E35-294E-A17D-221F0F457150}"/>
+              </a:ext>
+            </a:extLst>
+          </p:cNvPr>
+          <p:cNvCxnSpPr>
+            <a:cxnSpLocks/>
+            <a:stCxn id="126" idx="3"/>
+            <a:endCxn id="125" idx="1"/>
+          </p:cNvCxnSpPr>
+          <p:nvPr/>
+        </p:nvCxnSpPr>
+        <p:spPr>
+          <a:xfrm flipV="1">
+            <a:off x="6528657" y="5358051"/>
+            <a:ext cx="767880" cy="657657"/>
+          </a:xfrm>
+          <a:prstGeom prst="bentConnector3">
+            <a:avLst>
+              <a:gd name="adj1" fmla="val 72328"/>
+            </a:avLst>
+          </a:prstGeom>
+          <a:ln w="19050">
+            <a:solidFill>
+              <a:srgbClr val="7030A0"/>
+            </a:solidFill>
+            <a:headEnd type="none" w="med" len="med"/>
+            <a:tailEnd type="arrow" w="med" len="med"/>
+          </a:ln>
+          <a:effectLst/>
+        </p:spPr>
+        <p:style>
+          <a:lnRef idx="1">
+            <a:schemeClr val="accent2"/>
+          </a:lnRef>
+          <a:fillRef idx="2">
+            <a:schemeClr val="accent2"/>
+          </a:fillRef>
+          <a:effectRef idx="1">
+            <a:schemeClr val="accent2"/>
+          </a:effectRef>
+          <a:fontRef idx="minor">
+            <a:schemeClr val="dk1"/>
+          </a:fontRef>
+        </p:style>
+      </p:cxnSp>
+      <p:sp>
+        <p:nvSpPr>
+          <p:cNvPr id="128" name="Rectangle 8">
+            <a:extLst>
+              <a:ext uri="{FF2B5EF4-FFF2-40B4-BE49-F238E27FC236}">
+                <a16:creationId xmlns:a16="http://schemas.microsoft.com/office/drawing/2014/main" id="{BFA4BB62-1BCA-B745-B749-5741455EA898}"/>
+              </a:ext>
+            </a:extLst>
+          </p:cNvPr>
+          <p:cNvSpPr/>
+          <p:nvPr/>
+        </p:nvSpPr>
+        <p:spPr>
+          <a:xfrm>
+            <a:off x="7296537" y="5542588"/>
+            <a:ext cx="708186" cy="285783"/>
+          </a:xfrm>
+          <a:prstGeom prst="rect">
+            <a:avLst/>
+          </a:prstGeom>
+          <a:ln w="19050">
+            <a:solidFill>
+              <a:srgbClr val="7030A0"/>
+            </a:solidFill>
+          </a:ln>
+          <a:effectLst/>
+        </p:spPr>
+        <p:style>
+          <a:lnRef idx="1">
+            <a:schemeClr val="accent4"/>
+          </a:lnRef>
+          <a:fillRef idx="2">
+            <a:schemeClr val="accent4"/>
+          </a:fillRef>
+          <a:effectRef idx="1">
+            <a:schemeClr val="accent4"/>
+          </a:effectRef>
+          <a:fontRef idx="minor">
+            <a:schemeClr val="dk1"/>
+          </a:fontRef>
+        </p:style>
+        <p:txBody>
+          <a:bodyPr rtlCol="0" anchor="ctr"/>
+          <a:lstStyle/>
+          <a:p>
+            <a:pPr algn="ctr"/>
+            <a:r>
+              <a:rPr lang="en-US" sz="1050" dirty="0">
+                <a:solidFill>
+                  <a:srgbClr val="7030A0"/>
+                </a:solidFill>
+              </a:rPr>
+              <a:t>Quantity</a:t>
+            </a:r>
+            <a:endParaRPr lang="en-SG" sz="1050" dirty="0">
+              <a:solidFill>
+                <a:srgbClr val="7030A0"/>
+              </a:solidFill>
+            </a:endParaRPr>
+          </a:p>
+        </p:txBody>
+      </p:sp>
+      <p:cxnSp>
+        <p:nvCxnSpPr>
+          <p:cNvPr id="129" name="Elbow Connector 128">
+            <a:extLst>
+              <a:ext uri="{FF2B5EF4-FFF2-40B4-BE49-F238E27FC236}">
+                <a16:creationId xmlns:a16="http://schemas.microsoft.com/office/drawing/2014/main" id="{9B2003B6-6129-FB49-8E8E-CED9A0111605}"/>
+              </a:ext>
+            </a:extLst>
+          </p:cNvPr>
+          <p:cNvCxnSpPr>
+            <a:cxnSpLocks/>
+            <a:stCxn id="126" idx="3"/>
+            <a:endCxn id="128" idx="1"/>
+          </p:cNvCxnSpPr>
+          <p:nvPr/>
+        </p:nvCxnSpPr>
+        <p:spPr>
+          <a:xfrm flipV="1">
+            <a:off x="6528657" y="5685480"/>
+            <a:ext cx="767880" cy="330228"/>
+          </a:xfrm>
+          <a:prstGeom prst="bentConnector3">
+            <a:avLst>
+              <a:gd name="adj1" fmla="val 72328"/>
+            </a:avLst>
+          </a:prstGeom>
+          <a:ln w="19050">
+            <a:solidFill>
+              <a:srgbClr val="7030A0"/>
+            </a:solidFill>
+            <a:headEnd type="none" w="med" len="med"/>
+            <a:tailEnd type="arrow" w="med" len="med"/>
+          </a:ln>
+          <a:effectLst/>
+        </p:spPr>
+        <p:style>
+          <a:lnRef idx="1">
+            <a:schemeClr val="accent2"/>
+          </a:lnRef>
+          <a:fillRef idx="2">
+            <a:schemeClr val="accent2"/>
+          </a:fillRef>
+          <a:effectRef idx="1">
+            <a:schemeClr val="accent2"/>
+          </a:effectRef>
+          <a:fontRef idx="minor">
+            <a:schemeClr val="dk1"/>
+          </a:fontRef>
+        </p:style>
+      </p:cxnSp>
+      <p:sp>
+        <p:nvSpPr>
+          <p:cNvPr id="130" name="Rectangle 8">
+            <a:extLst>
+              <a:ext uri="{FF2B5EF4-FFF2-40B4-BE49-F238E27FC236}">
+                <a16:creationId xmlns:a16="http://schemas.microsoft.com/office/drawing/2014/main" id="{AB32CC26-BE07-FD4B-8249-36CB833A8CC3}"/>
+              </a:ext>
+            </a:extLst>
+          </p:cNvPr>
+          <p:cNvSpPr/>
+          <p:nvPr/>
+        </p:nvSpPr>
+        <p:spPr>
+          <a:xfrm>
+            <a:off x="7293763" y="5871762"/>
+            <a:ext cx="708186" cy="285783"/>
+          </a:xfrm>
+          <a:prstGeom prst="rect">
+            <a:avLst/>
+          </a:prstGeom>
+          <a:ln w="19050">
+            <a:solidFill>
+              <a:srgbClr val="7030A0"/>
+            </a:solidFill>
+          </a:ln>
+          <a:effectLst/>
+        </p:spPr>
+        <p:style>
+          <a:lnRef idx="1">
+            <a:schemeClr val="accent4"/>
+          </a:lnRef>
+          <a:fillRef idx="2">
+            <a:schemeClr val="accent4"/>
+          </a:fillRef>
+          <a:effectRef idx="1">
+            <a:schemeClr val="accent4"/>
+          </a:effectRef>
+          <a:fontRef idx="minor">
+            <a:schemeClr val="dk1"/>
+          </a:fontRef>
+        </p:style>
+        <p:txBody>
+          <a:bodyPr rtlCol="0" anchor="ctr"/>
+          <a:lstStyle/>
+          <a:p>
+            <a:pPr algn="ctr"/>
+            <a:r>
+              <a:rPr lang="en-US" sz="1050" dirty="0" err="1">
+                <a:solidFill>
+                  <a:srgbClr val="7030A0"/>
+                </a:solidFill>
+              </a:rPr>
+              <a:t>SaleDate</a:t>
+            </a:r>
+            <a:endParaRPr lang="en-SG" sz="1050" dirty="0">
+              <a:solidFill>
+                <a:srgbClr val="7030A0"/>
+              </a:solidFill>
+            </a:endParaRPr>
+          </a:p>
+        </p:txBody>
+      </p:sp>
+      <p:cxnSp>
+        <p:nvCxnSpPr>
+          <p:cNvPr id="131" name="Elbow Connector 130">
+            <a:extLst>
+              <a:ext uri="{FF2B5EF4-FFF2-40B4-BE49-F238E27FC236}">
+                <a16:creationId xmlns:a16="http://schemas.microsoft.com/office/drawing/2014/main" id="{E807145A-8F0D-2043-898A-2F6D9367B9FB}"/>
+              </a:ext>
+            </a:extLst>
+          </p:cNvPr>
+          <p:cNvCxnSpPr>
+            <a:cxnSpLocks/>
+            <a:stCxn id="126" idx="3"/>
+            <a:endCxn id="130" idx="1"/>
+          </p:cNvCxnSpPr>
+          <p:nvPr/>
+        </p:nvCxnSpPr>
+        <p:spPr>
+          <a:xfrm flipV="1">
+            <a:off x="6528659" y="6014655"/>
+            <a:ext cx="765105" cy="1055"/>
+          </a:xfrm>
+          <a:prstGeom prst="bentConnector3">
+            <a:avLst>
+              <a:gd name="adj1" fmla="val 50001"/>
+            </a:avLst>
+          </a:prstGeom>
+          <a:ln w="19050">
+            <a:solidFill>
+              <a:srgbClr val="7030A0"/>
+            </a:solidFill>
+            <a:headEnd type="none" w="med" len="med"/>
+            <a:tailEnd type="arrow" w="med" len="med"/>
+          </a:ln>
+          <a:effectLst/>
+        </p:spPr>
+        <p:style>
+          <a:lnRef idx="1">
+            <a:schemeClr val="accent2"/>
+          </a:lnRef>
+          <a:fillRef idx="2">
+            <a:schemeClr val="accent2"/>
+          </a:fillRef>
+          <a:effectRef idx="1">
+            <a:schemeClr val="accent2"/>
+          </a:effectRef>
+          <a:fontRef idx="minor">
+            <a:schemeClr val="dk1"/>
+          </a:fontRef>
+        </p:style>
+      </p:cxnSp>
+      <p:sp>
+        <p:nvSpPr>
+          <p:cNvPr id="134" name="TextBox 133">
+            <a:extLst>
+              <a:ext uri="{FF2B5EF4-FFF2-40B4-BE49-F238E27FC236}">
+                <a16:creationId xmlns:a16="http://schemas.microsoft.com/office/drawing/2014/main" id="{163145B2-C832-9440-93CA-A6CA2A1D72E3}"/>
+              </a:ext>
+            </a:extLst>
+          </p:cNvPr>
+          <p:cNvSpPr txBox="1"/>
+          <p:nvPr/>
+        </p:nvSpPr>
+        <p:spPr>
+          <a:xfrm>
+            <a:off x="3680643" y="6104124"/>
+            <a:ext cx="189257" cy="178683"/>
+          </a:xfrm>
+          <a:prstGeom prst="rect">
+            <a:avLst/>
+          </a:prstGeom>
+          <a:noFill/>
+        </p:spPr>
+        <p:txBody>
+          <a:bodyPr wrap="square" lIns="0" tIns="0" rIns="0" bIns="0" rtlCol="0">
+            <a:noAutofit/>
+          </a:bodyPr>
+          <a:lstStyle/>
+          <a:p>
+            <a:pPr algn="ctr"/>
+            <a:r>
+              <a:rPr lang="en-US" sz="1100" dirty="0">
+                <a:solidFill>
+                  <a:srgbClr val="7030A0"/>
+                </a:solidFill>
+              </a:rPr>
+              <a:t>1</a:t>
+            </a:r>
+            <a:endParaRPr lang="en-SG" sz="1100" dirty="0">
+              <a:solidFill>
+                <a:srgbClr val="7030A0"/>
+              </a:solidFill>
+            </a:endParaRPr>
+          </a:p>
+        </p:txBody>
+      </p:sp>
+      <p:sp>
+        <p:nvSpPr>
+          <p:cNvPr id="135" name="TextBox 134">
+            <a:extLst>
+              <a:ext uri="{FF2B5EF4-FFF2-40B4-BE49-F238E27FC236}">
+                <a16:creationId xmlns:a16="http://schemas.microsoft.com/office/drawing/2014/main" id="{2F58FB53-EB4B-8544-84CD-1F3E1FA40C66}"/>
+              </a:ext>
+            </a:extLst>
+          </p:cNvPr>
+          <p:cNvSpPr txBox="1"/>
+          <p:nvPr/>
+        </p:nvSpPr>
+        <p:spPr>
+          <a:xfrm>
+            <a:off x="5385920" y="6090563"/>
+            <a:ext cx="189257" cy="178683"/>
+          </a:xfrm>
+          <a:prstGeom prst="rect">
+            <a:avLst/>
+          </a:prstGeom>
+          <a:noFill/>
+        </p:spPr>
+        <p:txBody>
+          <a:bodyPr wrap="square" lIns="0" tIns="0" rIns="0" bIns="0" rtlCol="0">
+            <a:noAutofit/>
+          </a:bodyPr>
+          <a:lstStyle/>
+          <a:p>
+            <a:pPr algn="ctr"/>
+            <a:r>
+              <a:rPr lang="en-US" sz="1100" dirty="0">
+                <a:solidFill>
+                  <a:srgbClr val="7030A0"/>
+                </a:solidFill>
+              </a:rPr>
+              <a:t>*</a:t>
+            </a:r>
+            <a:endParaRPr lang="en-SG" sz="1100" dirty="0">
+              <a:solidFill>
+                <a:srgbClr val="7030A0"/>
+              </a:solidFill>
+            </a:endParaRPr>
+          </a:p>
+        </p:txBody>
+      </p:sp>
+      <p:sp>
+        <p:nvSpPr>
+          <p:cNvPr id="137" name="Rectangle 8">
+            <a:extLst>
+              <a:ext uri="{FF2B5EF4-FFF2-40B4-BE49-F238E27FC236}">
+                <a16:creationId xmlns:a16="http://schemas.microsoft.com/office/drawing/2014/main" id="{0A0E716A-0BE3-5047-8053-F0840C37FDF0}"/>
+              </a:ext>
+            </a:extLst>
+          </p:cNvPr>
+          <p:cNvSpPr/>
+          <p:nvPr/>
+        </p:nvSpPr>
+        <p:spPr>
+          <a:xfrm>
+            <a:off x="7293763" y="6203445"/>
+            <a:ext cx="708186" cy="285783"/>
+          </a:xfrm>
+          <a:prstGeom prst="rect">
+            <a:avLst/>
+          </a:prstGeom>
+          <a:ln w="19050">
+            <a:solidFill>
+              <a:srgbClr val="7030A0"/>
+            </a:solidFill>
+          </a:ln>
+          <a:effectLst/>
+        </p:spPr>
+        <p:style>
+          <a:lnRef idx="1">
+            <a:schemeClr val="accent4"/>
+          </a:lnRef>
+          <a:fillRef idx="2">
+            <a:schemeClr val="accent4"/>
+          </a:fillRef>
+          <a:effectRef idx="1">
+            <a:schemeClr val="accent4"/>
+          </a:effectRef>
+          <a:fontRef idx="minor">
+            <a:schemeClr val="dk1"/>
+          </a:fontRef>
+        </p:style>
+        <p:txBody>
+          <a:bodyPr rtlCol="0" anchor="ctr"/>
+          <a:lstStyle/>
+          <a:p>
+            <a:pPr algn="ctr"/>
+            <a:r>
+              <a:rPr lang="en-US" sz="1050" dirty="0">
+                <a:solidFill>
+                  <a:srgbClr val="7030A0"/>
+                </a:solidFill>
+              </a:rPr>
+              <a:t>Item</a:t>
+            </a:r>
+            <a:endParaRPr lang="en-SG" sz="1050" dirty="0">
+              <a:solidFill>
+                <a:srgbClr val="7030A0"/>
+              </a:solidFill>
+            </a:endParaRPr>
+          </a:p>
+        </p:txBody>
+      </p:sp>
+      <p:cxnSp>
+        <p:nvCxnSpPr>
+          <p:cNvPr id="138" name="Elbow Connector 137">
+            <a:extLst>
+              <a:ext uri="{FF2B5EF4-FFF2-40B4-BE49-F238E27FC236}">
+                <a16:creationId xmlns:a16="http://schemas.microsoft.com/office/drawing/2014/main" id="{CFD45B4B-B690-9841-9304-A45B31531D2D}"/>
+              </a:ext>
+            </a:extLst>
+          </p:cNvPr>
+          <p:cNvCxnSpPr>
+            <a:cxnSpLocks/>
+            <a:stCxn id="126" idx="3"/>
+            <a:endCxn id="137" idx="1"/>
+          </p:cNvCxnSpPr>
+          <p:nvPr/>
+        </p:nvCxnSpPr>
+        <p:spPr>
+          <a:xfrm>
+            <a:off x="6528659" y="6015709"/>
+            <a:ext cx="765105" cy="330627"/>
+          </a:xfrm>
+          <a:prstGeom prst="bentConnector3">
+            <a:avLst>
+              <a:gd name="adj1" fmla="val 72348"/>
+            </a:avLst>
+          </a:prstGeom>
+          <a:ln w="19050">
+            <a:solidFill>
+              <a:srgbClr val="7030A0"/>
+            </a:solidFill>
+            <a:headEnd type="none" w="med" len="med"/>
+            <a:tailEnd type="arrow" w="med" len="med"/>
+          </a:ln>
+          <a:effectLst/>
+        </p:spPr>
+        <p:style>
+          <a:lnRef idx="1">
+            <a:schemeClr val="accent2"/>
+          </a:lnRef>
+          <a:fillRef idx="2">
+            <a:schemeClr val="accent2"/>
+          </a:fillRef>
+          <a:effectRef idx="1">
+            <a:schemeClr val="accent2"/>
+          </a:effectRef>
+          <a:fontRef idx="minor">
+            <a:schemeClr val="dk1"/>
+          </a:fontRef>
+        </p:style>
+      </p:cxnSp>
+      <p:cxnSp>
+        <p:nvCxnSpPr>
+          <p:cNvPr id="139" name="Straight Arrow Connector 109">
+            <a:extLst>
+              <a:ext uri="{FF2B5EF4-FFF2-40B4-BE49-F238E27FC236}">
+                <a16:creationId xmlns:a16="http://schemas.microsoft.com/office/drawing/2014/main" id="{4F147AE3-FD16-5048-9D3D-7737A105487B}"/>
+              </a:ext>
+            </a:extLst>
+          </p:cNvPr>
+          <p:cNvCxnSpPr>
+            <a:cxnSpLocks/>
+            <a:stCxn id="51" idx="2"/>
+            <a:endCxn id="116" idx="1"/>
+          </p:cNvCxnSpPr>
+          <p:nvPr/>
+        </p:nvCxnSpPr>
+        <p:spPr>
+          <a:xfrm rot="16200000" flipH="1">
+            <a:off x="2106518" y="4218216"/>
+            <a:ext cx="3396245" cy="262515"/>
+          </a:xfrm>
+          <a:prstGeom prst="bentConnector2">
+            <a:avLst/>
+          </a:prstGeom>
+          <a:ln w="19050">
+            <a:solidFill>
+              <a:srgbClr val="7030A0"/>
+            </a:solidFill>
+            <a:headEnd type="none" w="med" len="med"/>
+            <a:tailEnd type="arrow" w="med" len="med"/>
+          </a:ln>
+          <a:effectLst/>
+        </p:spPr>
+        <p:style>
+          <a:lnRef idx="1">
+            <a:schemeClr val="accent2"/>
+          </a:lnRef>
+          <a:fillRef idx="2">
+            <a:schemeClr val="accent2"/>
+          </a:fillRef>
+          <a:effectRef idx="1">
+            <a:schemeClr val="accent2"/>
+          </a:effectRef>
+          <a:fontRef idx="minor">
+            <a:schemeClr val="dk1"/>
+          </a:fontRef>
+        </p:style>
+      </p:cxnSp>
+      <p:sp>
+        <p:nvSpPr>
+          <p:cNvPr id="142" name="Rectangle 8">
+            <a:extLst>
+              <a:ext uri="{FF2B5EF4-FFF2-40B4-BE49-F238E27FC236}">
+                <a16:creationId xmlns:a16="http://schemas.microsoft.com/office/drawing/2014/main" id="{F5BA6C00-FB69-0A4D-93A6-01C205D92D03}"/>
+              </a:ext>
+            </a:extLst>
+          </p:cNvPr>
+          <p:cNvSpPr/>
+          <p:nvPr/>
+        </p:nvSpPr>
+        <p:spPr>
+          <a:xfrm>
+            <a:off x="3935898" y="7228325"/>
+            <a:ext cx="1156969" cy="299750"/>
+          </a:xfrm>
+          <a:prstGeom prst="rect">
+            <a:avLst/>
+          </a:prstGeom>
+          <a:ln w="19050">
+            <a:solidFill>
+              <a:srgbClr val="7030A0"/>
+            </a:solidFill>
+          </a:ln>
+          <a:effectLst/>
+        </p:spPr>
+        <p:style>
+          <a:lnRef idx="1">
+            <a:schemeClr val="accent4"/>
+          </a:lnRef>
+          <a:fillRef idx="2">
+            <a:schemeClr val="accent4"/>
+          </a:fillRef>
+          <a:effectRef idx="1">
+            <a:schemeClr val="accent4"/>
+          </a:effectRef>
+          <a:fontRef idx="minor">
+            <a:schemeClr val="dk1"/>
+          </a:fontRef>
+        </p:style>
+        <p:txBody>
+          <a:bodyPr rtlCol="0" anchor="ctr"/>
+          <a:lstStyle/>
+          <a:p>
+            <a:pPr algn="ctr"/>
+            <a:r>
+              <a:rPr lang="en-US" sz="1050" dirty="0" err="1">
+                <a:solidFill>
+                  <a:srgbClr val="7030A0"/>
+                </a:solidFill>
+              </a:rPr>
+              <a:t>UniqueStaffList</a:t>
+            </a:r>
+            <a:endParaRPr lang="en-SG" sz="1050" dirty="0">
+              <a:solidFill>
+                <a:srgbClr val="7030A0"/>
+              </a:solidFill>
+            </a:endParaRPr>
+          </a:p>
+        </p:txBody>
+      </p:sp>
+      <p:sp>
+        <p:nvSpPr>
+          <p:cNvPr id="143" name="Rectangle 8">
+            <a:extLst>
+              <a:ext uri="{FF2B5EF4-FFF2-40B4-BE49-F238E27FC236}">
+                <a16:creationId xmlns:a16="http://schemas.microsoft.com/office/drawing/2014/main" id="{ED4681A9-DBB7-4540-9FFC-DF79F8E50D94}"/>
+              </a:ext>
+            </a:extLst>
+          </p:cNvPr>
+          <p:cNvSpPr/>
+          <p:nvPr/>
+        </p:nvSpPr>
+        <p:spPr>
+          <a:xfrm>
+            <a:off x="5569607" y="7174225"/>
+            <a:ext cx="708186" cy="346760"/>
+          </a:xfrm>
+          <a:prstGeom prst="rect">
+            <a:avLst/>
+          </a:prstGeom>
+          <a:ln w="19050">
+            <a:solidFill>
+              <a:srgbClr val="7030A0"/>
+            </a:solidFill>
+          </a:ln>
+          <a:effectLst/>
+        </p:spPr>
+        <p:style>
+          <a:lnRef idx="1">
+            <a:schemeClr val="accent4"/>
+          </a:lnRef>
+          <a:fillRef idx="2">
+            <a:schemeClr val="accent4"/>
+          </a:fillRef>
+          <a:effectRef idx="1">
+            <a:schemeClr val="accent4"/>
+          </a:effectRef>
+          <a:fontRef idx="minor">
+            <a:schemeClr val="dk1"/>
+          </a:fontRef>
+        </p:style>
+        <p:txBody>
+          <a:bodyPr rtlCol="0" anchor="ctr"/>
+          <a:lstStyle/>
+          <a:p>
+            <a:pPr algn="ctr"/>
+            <a:r>
+              <a:rPr lang="en-US" sz="1050" dirty="0">
+                <a:solidFill>
+                  <a:srgbClr val="7030A0"/>
+                </a:solidFill>
+              </a:rPr>
+              <a:t>Staff</a:t>
+            </a:r>
+            <a:endParaRPr lang="en-SG" sz="1050" dirty="0">
+              <a:solidFill>
+                <a:srgbClr val="7030A0"/>
+              </a:solidFill>
+            </a:endParaRPr>
+          </a:p>
+        </p:txBody>
+      </p:sp>
+      <p:sp>
+        <p:nvSpPr>
+          <p:cNvPr id="144" name="Flowchart: Decision 96">
+            <a:extLst>
+              <a:ext uri="{FF2B5EF4-FFF2-40B4-BE49-F238E27FC236}">
+                <a16:creationId xmlns:a16="http://schemas.microsoft.com/office/drawing/2014/main" id="{20EBB544-D23F-5345-BC6A-093596C55CF4}"/>
+              </a:ext>
+            </a:extLst>
+          </p:cNvPr>
+          <p:cNvSpPr/>
+          <p:nvPr/>
+        </p:nvSpPr>
+        <p:spPr>
+          <a:xfrm>
+            <a:off x="5095194" y="7259623"/>
+            <a:ext cx="236048" cy="173380"/>
+          </a:xfrm>
+          <a:prstGeom prst="flowChartDecision">
+            <a:avLst/>
+          </a:prstGeom>
+          <a:noFill/>
+          <a:ln w="19050">
+            <a:solidFill>
+              <a:srgbClr val="7030A0"/>
+            </a:solidFill>
+          </a:ln>
+          <a:effectLst/>
+        </p:spPr>
+        <p:style>
+          <a:lnRef idx="1">
+            <a:schemeClr val="accent6"/>
+          </a:lnRef>
+          <a:fillRef idx="2">
+            <a:schemeClr val="accent6"/>
+          </a:fillRef>
+          <a:effectRef idx="1">
+            <a:schemeClr val="accent6"/>
+          </a:effectRef>
+          <a:fontRef idx="minor">
+            <a:schemeClr val="dk1"/>
+          </a:fontRef>
+        </p:style>
+        <p:txBody>
+          <a:bodyPr rtlCol="0" anchor="ctr"/>
+          <a:lstStyle/>
+          <a:p>
+            <a:pPr algn="ctr"/>
+            <a:endParaRPr lang="en-US" sz="1050"/>
+          </a:p>
+        </p:txBody>
+      </p:sp>
+      <p:cxnSp>
+        <p:nvCxnSpPr>
+          <p:cNvPr id="145" name="Elbow Connector 86">
+            <a:extLst>
+              <a:ext uri="{FF2B5EF4-FFF2-40B4-BE49-F238E27FC236}">
+                <a16:creationId xmlns:a16="http://schemas.microsoft.com/office/drawing/2014/main" id="{A611CF9A-4212-A44D-92B9-545572F3205D}"/>
+              </a:ext>
+            </a:extLst>
+          </p:cNvPr>
+          <p:cNvCxnSpPr>
+            <a:cxnSpLocks/>
+            <a:stCxn id="144" idx="3"/>
+            <a:endCxn id="143" idx="1"/>
+          </p:cNvCxnSpPr>
+          <p:nvPr/>
+        </p:nvCxnSpPr>
+        <p:spPr>
+          <a:xfrm>
+            <a:off x="5331242" y="7346313"/>
+            <a:ext cx="238365" cy="1292"/>
+          </a:xfrm>
+          <a:prstGeom prst="straightConnector1">
+            <a:avLst/>
+          </a:prstGeom>
+          <a:ln w="19050">
+            <a:solidFill>
+              <a:srgbClr val="7030A0"/>
+            </a:solidFill>
+            <a:headEnd type="none" w="med" len="med"/>
+            <a:tailEnd type="arrow" w="med" len="med"/>
+          </a:ln>
+          <a:effectLst/>
+        </p:spPr>
+        <p:style>
+          <a:lnRef idx="1">
+            <a:schemeClr val="accent2"/>
+          </a:lnRef>
+          <a:fillRef idx="2">
+            <a:schemeClr val="accent2"/>
+          </a:fillRef>
+          <a:effectRef idx="1">
+            <a:schemeClr val="accent2"/>
+          </a:effectRef>
+          <a:fontRef idx="minor">
+            <a:schemeClr val="dk1"/>
+          </a:fontRef>
+        </p:style>
+      </p:cxnSp>
+      <p:sp>
+        <p:nvSpPr>
+          <p:cNvPr id="146" name="Rectangle 8">
+            <a:extLst>
+              <a:ext uri="{FF2B5EF4-FFF2-40B4-BE49-F238E27FC236}">
+                <a16:creationId xmlns:a16="http://schemas.microsoft.com/office/drawing/2014/main" id="{43B8DD88-F7D7-3D45-AA4C-52B297D336B6}"/>
+              </a:ext>
+            </a:extLst>
+          </p:cNvPr>
+          <p:cNvSpPr/>
+          <p:nvPr/>
+        </p:nvSpPr>
+        <p:spPr>
+          <a:xfrm>
+            <a:off x="7293763" y="6541491"/>
+            <a:ext cx="708186" cy="285783"/>
+          </a:xfrm>
+          <a:prstGeom prst="rect">
+            <a:avLst/>
+          </a:prstGeom>
+          <a:ln w="19050">
+            <a:solidFill>
+              <a:srgbClr val="7030A0"/>
+            </a:solidFill>
+          </a:ln>
+          <a:effectLst/>
+        </p:spPr>
+        <p:style>
+          <a:lnRef idx="1">
+            <a:schemeClr val="accent4"/>
+          </a:lnRef>
+          <a:fillRef idx="2">
+            <a:schemeClr val="accent4"/>
+          </a:fillRef>
+          <a:effectRef idx="1">
+            <a:schemeClr val="accent4"/>
+          </a:effectRef>
+          <a:fontRef idx="minor">
+            <a:schemeClr val="dk1"/>
+          </a:fontRef>
+        </p:style>
+        <p:txBody>
+          <a:bodyPr rtlCol="0" anchor="ctr"/>
+          <a:lstStyle/>
+          <a:p>
+            <a:pPr algn="ctr"/>
+            <a:r>
+              <a:rPr lang="en-US" sz="1050" dirty="0">
+                <a:solidFill>
+                  <a:srgbClr val="7030A0"/>
+                </a:solidFill>
+              </a:rPr>
+              <a:t>User</a:t>
+            </a:r>
+          </a:p>
+          <a:p>
+            <a:pPr algn="ctr"/>
+            <a:r>
+              <a:rPr lang="en-US" sz="1050" dirty="0">
+                <a:solidFill>
+                  <a:srgbClr val="7030A0"/>
+                </a:solidFill>
+              </a:rPr>
+              <a:t>name</a:t>
+            </a:r>
+            <a:endParaRPr lang="en-SG" sz="1050" dirty="0">
+              <a:solidFill>
+                <a:srgbClr val="7030A0"/>
+              </a:solidFill>
+            </a:endParaRPr>
+          </a:p>
+        </p:txBody>
+      </p:sp>
+      <p:sp>
+        <p:nvSpPr>
+          <p:cNvPr id="147" name="Flowchart: Decision 96">
+            <a:extLst>
+              <a:ext uri="{FF2B5EF4-FFF2-40B4-BE49-F238E27FC236}">
+                <a16:creationId xmlns:a16="http://schemas.microsoft.com/office/drawing/2014/main" id="{F4ED5688-E45B-D348-B947-9F3C90248F2F}"/>
+              </a:ext>
+            </a:extLst>
+          </p:cNvPr>
+          <p:cNvSpPr/>
+          <p:nvPr/>
+        </p:nvSpPr>
+        <p:spPr>
+          <a:xfrm>
+            <a:off x="6292609" y="7259623"/>
+            <a:ext cx="236048" cy="173380"/>
+          </a:xfrm>
+          <a:prstGeom prst="flowChartDecision">
+            <a:avLst/>
+          </a:prstGeom>
+          <a:solidFill>
+            <a:srgbClr val="7030A0"/>
+          </a:solidFill>
+          <a:ln w="19050">
+            <a:solidFill>
+              <a:srgbClr val="7030A0"/>
+            </a:solidFill>
+          </a:ln>
+          <a:effectLst/>
+        </p:spPr>
+        <p:style>
+          <a:lnRef idx="1">
+            <a:schemeClr val="accent6"/>
+          </a:lnRef>
+          <a:fillRef idx="2">
+            <a:schemeClr val="accent6"/>
+          </a:fillRef>
+          <a:effectRef idx="1">
+            <a:schemeClr val="accent6"/>
+          </a:effectRef>
+          <a:fontRef idx="minor">
+            <a:schemeClr val="dk1"/>
+          </a:fontRef>
+        </p:style>
+        <p:txBody>
+          <a:bodyPr rtlCol="0" anchor="ctr"/>
+          <a:lstStyle/>
+          <a:p>
+            <a:pPr algn="ctr"/>
+            <a:endParaRPr lang="en-US" sz="1050"/>
+          </a:p>
+        </p:txBody>
+      </p:sp>
+      <p:cxnSp>
+        <p:nvCxnSpPr>
+          <p:cNvPr id="148" name="Elbow Connector 147">
+            <a:extLst>
+              <a:ext uri="{FF2B5EF4-FFF2-40B4-BE49-F238E27FC236}">
+                <a16:creationId xmlns:a16="http://schemas.microsoft.com/office/drawing/2014/main" id="{EDA152B1-9E4C-9A4E-9146-1B2AE1BF32E6}"/>
+              </a:ext>
+            </a:extLst>
+          </p:cNvPr>
+          <p:cNvCxnSpPr>
+            <a:cxnSpLocks/>
+            <a:stCxn id="147" idx="3"/>
+            <a:endCxn id="146" idx="1"/>
+          </p:cNvCxnSpPr>
+          <p:nvPr/>
+        </p:nvCxnSpPr>
+        <p:spPr>
+          <a:xfrm flipV="1">
+            <a:off x="6528659" y="6684382"/>
+            <a:ext cx="765105" cy="661932"/>
+          </a:xfrm>
+          <a:prstGeom prst="bentConnector3">
+            <a:avLst>
+              <a:gd name="adj1" fmla="val 72297"/>
+            </a:avLst>
+          </a:prstGeom>
+          <a:ln w="19050">
+            <a:solidFill>
+              <a:srgbClr val="7030A0"/>
+            </a:solidFill>
+            <a:headEnd type="none" w="med" len="med"/>
+            <a:tailEnd type="arrow" w="med" len="med"/>
+          </a:ln>
+          <a:effectLst/>
+        </p:spPr>
+        <p:style>
+          <a:lnRef idx="1">
+            <a:schemeClr val="accent2"/>
+          </a:lnRef>
+          <a:fillRef idx="2">
+            <a:schemeClr val="accent2"/>
+          </a:fillRef>
+          <a:effectRef idx="1">
+            <a:schemeClr val="accent2"/>
+          </a:effectRef>
+          <a:fontRef idx="minor">
+            <a:schemeClr val="dk1"/>
+          </a:fontRef>
+        </p:style>
+      </p:cxnSp>
+      <p:sp>
+        <p:nvSpPr>
+          <p:cNvPr id="149" name="Rectangle 8">
+            <a:extLst>
+              <a:ext uri="{FF2B5EF4-FFF2-40B4-BE49-F238E27FC236}">
+                <a16:creationId xmlns:a16="http://schemas.microsoft.com/office/drawing/2014/main" id="{E18E0588-DAAF-E646-A3A0-23333EF983CF}"/>
+              </a:ext>
+            </a:extLst>
+          </p:cNvPr>
+          <p:cNvSpPr/>
+          <p:nvPr/>
+        </p:nvSpPr>
+        <p:spPr>
+          <a:xfrm>
+            <a:off x="7296537" y="6873193"/>
+            <a:ext cx="708186" cy="285783"/>
+          </a:xfrm>
+          <a:prstGeom prst="rect">
+            <a:avLst/>
+          </a:prstGeom>
+          <a:ln w="19050">
+            <a:solidFill>
+              <a:srgbClr val="7030A0"/>
+            </a:solidFill>
+          </a:ln>
+          <a:effectLst/>
+        </p:spPr>
+        <p:style>
+          <a:lnRef idx="1">
+            <a:schemeClr val="accent4"/>
+          </a:lnRef>
+          <a:fillRef idx="2">
+            <a:schemeClr val="accent4"/>
+          </a:fillRef>
+          <a:effectRef idx="1">
+            <a:schemeClr val="accent4"/>
+          </a:effectRef>
+          <a:fontRef idx="minor">
+            <a:schemeClr val="dk1"/>
+          </a:fontRef>
+        </p:style>
+        <p:txBody>
+          <a:bodyPr rtlCol="0" anchor="ctr"/>
+          <a:lstStyle/>
+          <a:p>
+            <a:pPr algn="ctr"/>
+            <a:r>
+              <a:rPr lang="en-US" sz="1050" dirty="0">
+                <a:solidFill>
+                  <a:srgbClr val="7030A0"/>
+                </a:solidFill>
+              </a:rPr>
+              <a:t>Password</a:t>
+            </a:r>
+            <a:endParaRPr lang="en-SG" sz="1050" dirty="0">
+              <a:solidFill>
+                <a:srgbClr val="7030A0"/>
+              </a:solidFill>
+            </a:endParaRPr>
+          </a:p>
+        </p:txBody>
+      </p:sp>
+      <p:cxnSp>
+        <p:nvCxnSpPr>
+          <p:cNvPr id="150" name="Elbow Connector 149">
+            <a:extLst>
+              <a:ext uri="{FF2B5EF4-FFF2-40B4-BE49-F238E27FC236}">
+                <a16:creationId xmlns:a16="http://schemas.microsoft.com/office/drawing/2014/main" id="{42547F55-F6C0-2141-BCF9-E1DEBA3253E1}"/>
+              </a:ext>
+            </a:extLst>
+          </p:cNvPr>
+          <p:cNvCxnSpPr>
+            <a:cxnSpLocks/>
+            <a:stCxn id="147" idx="3"/>
+            <a:endCxn id="149" idx="1"/>
+          </p:cNvCxnSpPr>
+          <p:nvPr/>
+        </p:nvCxnSpPr>
+        <p:spPr>
+          <a:xfrm flipV="1">
+            <a:off x="6528657" y="7016085"/>
+            <a:ext cx="767880" cy="330229"/>
+          </a:xfrm>
+          <a:prstGeom prst="bentConnector3">
+            <a:avLst>
+              <a:gd name="adj1" fmla="val 72217"/>
+            </a:avLst>
+          </a:prstGeom>
+          <a:ln w="19050">
+            <a:solidFill>
+              <a:srgbClr val="7030A0"/>
+            </a:solidFill>
+            <a:headEnd type="none" w="med" len="med"/>
+            <a:tailEnd type="arrow" w="med" len="med"/>
+          </a:ln>
+          <a:effectLst/>
+        </p:spPr>
+        <p:style>
+          <a:lnRef idx="1">
+            <a:schemeClr val="accent2"/>
+          </a:lnRef>
+          <a:fillRef idx="2">
+            <a:schemeClr val="accent2"/>
+          </a:fillRef>
+          <a:effectRef idx="1">
+            <a:schemeClr val="accent2"/>
+          </a:effectRef>
+          <a:fontRef idx="minor">
+            <a:schemeClr val="dk1"/>
+          </a:fontRef>
+        </p:style>
+      </p:cxnSp>
+      <p:sp>
+        <p:nvSpPr>
+          <p:cNvPr id="151" name="Rectangle 8">
+            <a:extLst>
+              <a:ext uri="{FF2B5EF4-FFF2-40B4-BE49-F238E27FC236}">
+                <a16:creationId xmlns:a16="http://schemas.microsoft.com/office/drawing/2014/main" id="{0E6BEF55-A120-A347-B287-4E104E4BF4FB}"/>
+              </a:ext>
+            </a:extLst>
+          </p:cNvPr>
+          <p:cNvSpPr/>
+          <p:nvPr/>
+        </p:nvSpPr>
+        <p:spPr>
+          <a:xfrm>
+            <a:off x="7293763" y="7202368"/>
+            <a:ext cx="708186" cy="285783"/>
+          </a:xfrm>
+          <a:prstGeom prst="rect">
+            <a:avLst/>
+          </a:prstGeom>
+          <a:ln w="19050">
+            <a:solidFill>
+              <a:srgbClr val="7030A0"/>
+            </a:solidFill>
+          </a:ln>
+          <a:effectLst/>
+        </p:spPr>
+        <p:style>
+          <a:lnRef idx="1">
+            <a:schemeClr val="accent4"/>
+          </a:lnRef>
+          <a:fillRef idx="2">
+            <a:schemeClr val="accent4"/>
+          </a:fillRef>
+          <a:effectRef idx="1">
+            <a:schemeClr val="accent4"/>
+          </a:effectRef>
+          <a:fontRef idx="minor">
+            <a:schemeClr val="dk1"/>
+          </a:fontRef>
+        </p:style>
+        <p:txBody>
+          <a:bodyPr rtlCol="0" anchor="ctr"/>
+          <a:lstStyle/>
+          <a:p>
+            <a:pPr algn="ctr"/>
+            <a:r>
+              <a:rPr lang="en-US" sz="1050" dirty="0">
+                <a:solidFill>
+                  <a:srgbClr val="7030A0"/>
+                </a:solidFill>
+              </a:rPr>
+              <a:t>Staff</a:t>
+            </a:r>
+          </a:p>
+          <a:p>
+            <a:pPr algn="ctr"/>
+            <a:r>
+              <a:rPr lang="en-US" sz="1050" dirty="0">
+                <a:solidFill>
+                  <a:srgbClr val="7030A0"/>
+                </a:solidFill>
+              </a:rPr>
+              <a:t>Name</a:t>
+            </a:r>
+            <a:endParaRPr lang="en-SG" sz="1050" dirty="0">
+              <a:solidFill>
+                <a:srgbClr val="7030A0"/>
+              </a:solidFill>
+            </a:endParaRPr>
+          </a:p>
+        </p:txBody>
+      </p:sp>
+      <p:cxnSp>
+        <p:nvCxnSpPr>
+          <p:cNvPr id="152" name="Elbow Connector 151">
+            <a:extLst>
+              <a:ext uri="{FF2B5EF4-FFF2-40B4-BE49-F238E27FC236}">
+                <a16:creationId xmlns:a16="http://schemas.microsoft.com/office/drawing/2014/main" id="{BCD5942E-4154-8243-9C88-B5E8DADE8300}"/>
+              </a:ext>
+            </a:extLst>
+          </p:cNvPr>
+          <p:cNvCxnSpPr>
+            <a:cxnSpLocks/>
+            <a:endCxn id="151" idx="1"/>
+          </p:cNvCxnSpPr>
+          <p:nvPr/>
+        </p:nvCxnSpPr>
+        <p:spPr>
+          <a:xfrm>
+            <a:off x="6523563" y="7345260"/>
+            <a:ext cx="770200" cy="12700"/>
+          </a:xfrm>
+          <a:prstGeom prst="bentConnector3">
+            <a:avLst>
+              <a:gd name="adj1" fmla="val 73036"/>
+            </a:avLst>
+          </a:prstGeom>
+          <a:ln w="19050">
+            <a:solidFill>
+              <a:srgbClr val="7030A0"/>
+            </a:solidFill>
+            <a:headEnd type="none" w="med" len="med"/>
+            <a:tailEnd type="arrow" w="med" len="med"/>
+          </a:ln>
+          <a:effectLst/>
+        </p:spPr>
+        <p:style>
+          <a:lnRef idx="1">
+            <a:schemeClr val="accent2"/>
+          </a:lnRef>
+          <a:fillRef idx="2">
+            <a:schemeClr val="accent2"/>
+          </a:fillRef>
+          <a:effectRef idx="1">
+            <a:schemeClr val="accent2"/>
+          </a:effectRef>
+          <a:fontRef idx="minor">
+            <a:schemeClr val="dk1"/>
+          </a:fontRef>
+        </p:style>
+      </p:cxnSp>
+      <p:sp>
+        <p:nvSpPr>
+          <p:cNvPr id="153" name="TextBox 152">
+            <a:extLst>
+              <a:ext uri="{FF2B5EF4-FFF2-40B4-BE49-F238E27FC236}">
+                <a16:creationId xmlns:a16="http://schemas.microsoft.com/office/drawing/2014/main" id="{503B9AF6-7ED3-9944-8FB1-49ACA1F2422A}"/>
+              </a:ext>
+            </a:extLst>
+          </p:cNvPr>
+          <p:cNvSpPr txBox="1"/>
+          <p:nvPr/>
+        </p:nvSpPr>
+        <p:spPr>
+          <a:xfrm>
+            <a:off x="3665826" y="7431644"/>
+            <a:ext cx="189257" cy="178683"/>
+          </a:xfrm>
+          <a:prstGeom prst="rect">
+            <a:avLst/>
+          </a:prstGeom>
+          <a:noFill/>
+        </p:spPr>
+        <p:txBody>
+          <a:bodyPr wrap="square" lIns="0" tIns="0" rIns="0" bIns="0" rtlCol="0">
+            <a:noAutofit/>
+          </a:bodyPr>
+          <a:lstStyle/>
+          <a:p>
+            <a:pPr algn="ctr"/>
+            <a:r>
+              <a:rPr lang="en-US" sz="1100" dirty="0">
+                <a:solidFill>
+                  <a:srgbClr val="7030A0"/>
+                </a:solidFill>
+              </a:rPr>
+              <a:t>1</a:t>
+            </a:r>
+            <a:endParaRPr lang="en-SG" sz="1100" dirty="0">
+              <a:solidFill>
+                <a:srgbClr val="7030A0"/>
+              </a:solidFill>
+            </a:endParaRPr>
+          </a:p>
+        </p:txBody>
+      </p:sp>
+      <p:sp>
+        <p:nvSpPr>
+          <p:cNvPr id="154" name="TextBox 153">
+            <a:extLst>
+              <a:ext uri="{FF2B5EF4-FFF2-40B4-BE49-F238E27FC236}">
+                <a16:creationId xmlns:a16="http://schemas.microsoft.com/office/drawing/2014/main" id="{E39CB19A-9632-CB4A-8B2D-936D382B2916}"/>
+              </a:ext>
+            </a:extLst>
+          </p:cNvPr>
+          <p:cNvSpPr txBox="1"/>
+          <p:nvPr/>
+        </p:nvSpPr>
+        <p:spPr>
+          <a:xfrm>
+            <a:off x="5393322" y="7422487"/>
+            <a:ext cx="189257" cy="178683"/>
+          </a:xfrm>
+          <a:prstGeom prst="rect">
+            <a:avLst/>
+          </a:prstGeom>
+          <a:noFill/>
+        </p:spPr>
+        <p:txBody>
+          <a:bodyPr wrap="square" lIns="0" tIns="0" rIns="0" bIns="0" rtlCol="0">
+            <a:noAutofit/>
+          </a:bodyPr>
+          <a:lstStyle/>
+          <a:p>
+            <a:pPr algn="ctr"/>
+            <a:r>
+              <a:rPr lang="en-US" sz="1100" dirty="0">
+                <a:solidFill>
+                  <a:srgbClr val="7030A0"/>
+                </a:solidFill>
+              </a:rPr>
+              <a:t>*</a:t>
+            </a:r>
+            <a:endParaRPr lang="en-SG" sz="1100" dirty="0">
+              <a:solidFill>
+                <a:srgbClr val="7030A0"/>
+              </a:solidFill>
+            </a:endParaRPr>
+          </a:p>
+        </p:txBody>
+      </p:sp>
+      <p:sp>
+        <p:nvSpPr>
+          <p:cNvPr id="155" name="TextBox 154">
+            <a:extLst>
+              <a:ext uri="{FF2B5EF4-FFF2-40B4-BE49-F238E27FC236}">
+                <a16:creationId xmlns:a16="http://schemas.microsoft.com/office/drawing/2014/main" id="{CC93F111-1B7C-BD4F-843C-520440634321}"/>
+              </a:ext>
+            </a:extLst>
+          </p:cNvPr>
+          <p:cNvSpPr txBox="1"/>
+          <p:nvPr/>
+        </p:nvSpPr>
+        <p:spPr>
+          <a:xfrm>
+            <a:off x="5682165" y="7591985"/>
+            <a:ext cx="189257" cy="178683"/>
+          </a:xfrm>
+          <a:prstGeom prst="rect">
+            <a:avLst/>
+          </a:prstGeom>
+          <a:noFill/>
+        </p:spPr>
+        <p:txBody>
+          <a:bodyPr wrap="square" lIns="0" tIns="0" rIns="0" bIns="0" rtlCol="0">
+            <a:noAutofit/>
+          </a:bodyPr>
+          <a:lstStyle/>
+          <a:p>
+            <a:pPr algn="ctr"/>
+            <a:r>
+              <a:rPr lang="en-US" sz="1100" dirty="0">
+                <a:solidFill>
+                  <a:srgbClr val="7030A0"/>
+                </a:solidFill>
+              </a:rPr>
+              <a:t>1</a:t>
+            </a:r>
+            <a:endParaRPr lang="en-SG" sz="1100" dirty="0">
+              <a:solidFill>
+                <a:srgbClr val="7030A0"/>
+              </a:solidFill>
+            </a:endParaRPr>
+          </a:p>
+        </p:txBody>
+      </p:sp>
+      <p:sp>
+        <p:nvSpPr>
+          <p:cNvPr id="156" name="Rectangle 8">
+            <a:extLst>
+              <a:ext uri="{FF2B5EF4-FFF2-40B4-BE49-F238E27FC236}">
+                <a16:creationId xmlns:a16="http://schemas.microsoft.com/office/drawing/2014/main" id="{7EA3C5CA-AB2F-6242-9314-91CA7CBDF601}"/>
+              </a:ext>
+            </a:extLst>
+          </p:cNvPr>
+          <p:cNvSpPr/>
+          <p:nvPr/>
+        </p:nvSpPr>
+        <p:spPr>
+          <a:xfrm>
+            <a:off x="7301631" y="7531542"/>
+            <a:ext cx="708186" cy="285783"/>
+          </a:xfrm>
+          <a:prstGeom prst="rect">
+            <a:avLst/>
+          </a:prstGeom>
+          <a:ln w="19050">
+            <a:solidFill>
+              <a:srgbClr val="7030A0"/>
+            </a:solidFill>
+          </a:ln>
+          <a:effectLst/>
+        </p:spPr>
+        <p:style>
+          <a:lnRef idx="1">
+            <a:schemeClr val="accent4"/>
+          </a:lnRef>
+          <a:fillRef idx="2">
+            <a:schemeClr val="accent4"/>
+          </a:fillRef>
+          <a:effectRef idx="1">
+            <a:schemeClr val="accent4"/>
+          </a:effectRef>
+          <a:fontRef idx="minor">
+            <a:schemeClr val="dk1"/>
+          </a:fontRef>
+        </p:style>
+        <p:txBody>
+          <a:bodyPr rtlCol="0" anchor="ctr"/>
+          <a:lstStyle/>
+          <a:p>
+            <a:pPr algn="ctr"/>
+            <a:r>
+              <a:rPr lang="en-US" sz="1050" dirty="0">
+                <a:solidFill>
+                  <a:srgbClr val="7030A0"/>
+                </a:solidFill>
+              </a:rPr>
+              <a:t>Role</a:t>
+            </a:r>
+            <a:endParaRPr lang="en-SG" sz="1050" dirty="0">
+              <a:solidFill>
+                <a:srgbClr val="7030A0"/>
+              </a:solidFill>
+            </a:endParaRPr>
+          </a:p>
+        </p:txBody>
+      </p:sp>
+      <p:cxnSp>
+        <p:nvCxnSpPr>
+          <p:cNvPr id="157" name="Elbow Connector 156">
+            <a:extLst>
+              <a:ext uri="{FF2B5EF4-FFF2-40B4-BE49-F238E27FC236}">
+                <a16:creationId xmlns:a16="http://schemas.microsoft.com/office/drawing/2014/main" id="{D433D824-FC52-FD4F-88C9-C18BB9CB1648}"/>
+              </a:ext>
+            </a:extLst>
+          </p:cNvPr>
+          <p:cNvCxnSpPr>
+            <a:cxnSpLocks/>
+            <a:stCxn id="147" idx="3"/>
+            <a:endCxn id="156" idx="1"/>
+          </p:cNvCxnSpPr>
+          <p:nvPr/>
+        </p:nvCxnSpPr>
+        <p:spPr>
+          <a:xfrm>
+            <a:off x="6528657" y="7346313"/>
+            <a:ext cx="772974" cy="328121"/>
+          </a:xfrm>
+          <a:prstGeom prst="bentConnector3">
+            <a:avLst>
+              <a:gd name="adj1" fmla="val 71187"/>
+            </a:avLst>
+          </a:prstGeom>
+          <a:ln w="19050">
+            <a:solidFill>
+              <a:srgbClr val="7030A0"/>
+            </a:solidFill>
+            <a:headEnd type="none" w="med" len="med"/>
+            <a:tailEnd type="arrow" w="med" len="med"/>
+          </a:ln>
+          <a:effectLst/>
+        </p:spPr>
+        <p:style>
+          <a:lnRef idx="1">
+            <a:schemeClr val="accent2"/>
+          </a:lnRef>
+          <a:fillRef idx="2">
+            <a:schemeClr val="accent2"/>
+          </a:fillRef>
+          <a:effectRef idx="1">
+            <a:schemeClr val="accent2"/>
+          </a:effectRef>
+          <a:fontRef idx="minor">
+            <a:schemeClr val="dk1"/>
+          </a:fontRef>
+        </p:style>
+      </p:cxnSp>
+      <p:cxnSp>
+        <p:nvCxnSpPr>
+          <p:cNvPr id="158" name="Straight Arrow Connector 109">
+            <a:extLst>
+              <a:ext uri="{FF2B5EF4-FFF2-40B4-BE49-F238E27FC236}">
+                <a16:creationId xmlns:a16="http://schemas.microsoft.com/office/drawing/2014/main" id="{D05688EE-F178-0748-8839-FE8466B1F6A2}"/>
+              </a:ext>
+            </a:extLst>
+          </p:cNvPr>
+          <p:cNvCxnSpPr>
+            <a:cxnSpLocks/>
+            <a:stCxn id="51" idx="2"/>
+            <a:endCxn id="142" idx="1"/>
+          </p:cNvCxnSpPr>
+          <p:nvPr/>
+        </p:nvCxnSpPr>
+        <p:spPr>
+          <a:xfrm rot="16200000" flipH="1">
+            <a:off x="1441213" y="4883519"/>
+            <a:ext cx="4726850" cy="262515"/>
+          </a:xfrm>
+          <a:prstGeom prst="bentConnector2">
+            <a:avLst/>
+          </a:prstGeom>
+          <a:ln w="19050">
+            <a:solidFill>
+              <a:srgbClr val="7030A0"/>
+            </a:solidFill>
+            <a:headEnd type="none" w="med" len="med"/>
+            <a:tailEnd type="arrow" w="med" len="med"/>
+          </a:ln>
+          <a:effectLst/>
+        </p:spPr>
+        <p:style>
+          <a:lnRef idx="1">
+            <a:schemeClr val="accent2"/>
+          </a:lnRef>
+          <a:fillRef idx="2">
+            <a:schemeClr val="accent2"/>
+          </a:fillRef>
+          <a:effectRef idx="1">
+            <a:schemeClr val="accent2"/>
+          </a:effectRef>
+          <a:fontRef idx="minor">
+            <a:schemeClr val="dk1"/>
+          </a:fontRef>
+        </p:style>
+      </p:cxnSp>
+      <p:sp>
+        <p:nvSpPr>
+          <p:cNvPr id="167" name="Rectangle 8">
+            <a:extLst>
+              <a:ext uri="{FF2B5EF4-FFF2-40B4-BE49-F238E27FC236}">
+                <a16:creationId xmlns:a16="http://schemas.microsoft.com/office/drawing/2014/main" id="{958FFE36-AD7A-EE46-857B-55E46A6C7FBF}"/>
+              </a:ext>
+            </a:extLst>
+          </p:cNvPr>
+          <p:cNvSpPr/>
+          <p:nvPr/>
+        </p:nvSpPr>
+        <p:spPr>
+          <a:xfrm>
+            <a:off x="3945312" y="3206722"/>
+            <a:ext cx="708186" cy="346760"/>
+          </a:xfrm>
+          <a:prstGeom prst="rect">
+            <a:avLst/>
+          </a:prstGeom>
+          <a:ln w="19050">
+            <a:solidFill>
+              <a:srgbClr val="7030A0"/>
+            </a:solidFill>
+          </a:ln>
+          <a:effectLst/>
+        </p:spPr>
+        <p:style>
+          <a:lnRef idx="1">
+            <a:schemeClr val="accent4"/>
+          </a:lnRef>
+          <a:fillRef idx="2">
+            <a:schemeClr val="accent4"/>
+          </a:fillRef>
+          <a:effectRef idx="1">
+            <a:schemeClr val="accent4"/>
+          </a:effectRef>
+          <a:fontRef idx="minor">
+            <a:schemeClr val="dk1"/>
+          </a:fontRef>
+        </p:style>
+        <p:txBody>
+          <a:bodyPr rtlCol="0" anchor="ctr"/>
+          <a:lstStyle/>
+          <a:p>
+            <a:pPr algn="ctr"/>
+            <a:r>
+              <a:rPr lang="en-US" sz="1050" dirty="0">
+                <a:solidFill>
+                  <a:srgbClr val="7030A0"/>
+                </a:solidFill>
+              </a:rPr>
+              <a:t>Staff</a:t>
+            </a:r>
+            <a:endParaRPr lang="en-SG" sz="1050" dirty="0">
+              <a:solidFill>
+                <a:srgbClr val="7030A0"/>
+              </a:solidFill>
+            </a:endParaRPr>
+          </a:p>
+        </p:txBody>
+      </p:sp>
+      <p:sp>
+        <p:nvSpPr>
+          <p:cNvPr id="168" name="Flowchart: Decision 96">
+            <a:extLst>
+              <a:ext uri="{FF2B5EF4-FFF2-40B4-BE49-F238E27FC236}">
+                <a16:creationId xmlns:a16="http://schemas.microsoft.com/office/drawing/2014/main" id="{DF83A3D5-AD95-094E-AC36-11A1DB01FE16}"/>
+              </a:ext>
+            </a:extLst>
+          </p:cNvPr>
+          <p:cNvSpPr/>
+          <p:nvPr/>
+        </p:nvSpPr>
+        <p:spPr>
+          <a:xfrm>
+            <a:off x="3212825" y="3297642"/>
+            <a:ext cx="236048" cy="173380"/>
+          </a:xfrm>
+          <a:prstGeom prst="flowChartDecision">
+            <a:avLst/>
+          </a:prstGeom>
+          <a:noFill/>
+          <a:ln w="19050">
+            <a:solidFill>
+              <a:srgbClr val="7030A0"/>
+            </a:solidFill>
+          </a:ln>
+          <a:effectLst/>
+        </p:spPr>
+        <p:style>
+          <a:lnRef idx="1">
+            <a:schemeClr val="accent6"/>
+          </a:lnRef>
+          <a:fillRef idx="2">
+            <a:schemeClr val="accent6"/>
+          </a:fillRef>
+          <a:effectRef idx="1">
+            <a:schemeClr val="accent6"/>
+          </a:effectRef>
+          <a:fontRef idx="minor">
+            <a:schemeClr val="dk1"/>
+          </a:fontRef>
+        </p:style>
+        <p:txBody>
+          <a:bodyPr rtlCol="0" anchor="ctr"/>
+          <a:lstStyle/>
+          <a:p>
+            <a:pPr algn="ctr"/>
+            <a:endParaRPr lang="en-US" sz="1050"/>
+          </a:p>
+        </p:txBody>
+      </p:sp>
+      <p:cxnSp>
+        <p:nvCxnSpPr>
+          <p:cNvPr id="169" name="Elbow Connector 86">
+            <a:extLst>
+              <a:ext uri="{FF2B5EF4-FFF2-40B4-BE49-F238E27FC236}">
+                <a16:creationId xmlns:a16="http://schemas.microsoft.com/office/drawing/2014/main" id="{3CA86BA3-B9C8-C449-8507-E41A52A521DA}"/>
+              </a:ext>
+            </a:extLst>
+          </p:cNvPr>
+          <p:cNvCxnSpPr>
+            <a:stCxn id="168" idx="3"/>
+            <a:endCxn id="167" idx="1"/>
+          </p:cNvCxnSpPr>
+          <p:nvPr/>
+        </p:nvCxnSpPr>
+        <p:spPr>
+          <a:xfrm flipV="1">
+            <a:off x="3448874" y="3380103"/>
+            <a:ext cx="496439" cy="4230"/>
+          </a:xfrm>
+          <a:prstGeom prst="straightConnector1">
+            <a:avLst/>
+          </a:prstGeom>
+          <a:ln w="19050">
+            <a:solidFill>
+              <a:srgbClr val="7030A0"/>
+            </a:solidFill>
+            <a:headEnd type="none" w="med" len="med"/>
+            <a:tailEnd type="arrow" w="med" len="med"/>
+          </a:ln>
+          <a:effectLst/>
+        </p:spPr>
+        <p:style>
+          <a:lnRef idx="1">
+            <a:schemeClr val="accent2"/>
+          </a:lnRef>
+          <a:fillRef idx="2">
+            <a:schemeClr val="accent2"/>
+          </a:fillRef>
+          <a:effectRef idx="1">
+            <a:schemeClr val="accent2"/>
+          </a:effectRef>
+          <a:fontRef idx="minor">
+            <a:schemeClr val="dk1"/>
+          </a:fontRef>
+        </p:style>
+      </p:cxnSp>
+      <p:sp>
+        <p:nvSpPr>
+          <p:cNvPr id="188" name="TextBox 187">
+            <a:extLst>
+              <a:ext uri="{FF2B5EF4-FFF2-40B4-BE49-F238E27FC236}">
+                <a16:creationId xmlns:a16="http://schemas.microsoft.com/office/drawing/2014/main" id="{B6C99079-4C78-C24F-9D73-9FA90CDCDC08}"/>
+              </a:ext>
+            </a:extLst>
+          </p:cNvPr>
+          <p:cNvSpPr txBox="1"/>
+          <p:nvPr/>
+        </p:nvSpPr>
+        <p:spPr>
+          <a:xfrm>
+            <a:off x="3689072" y="3480096"/>
+            <a:ext cx="189257" cy="178683"/>
+          </a:xfrm>
+          <a:prstGeom prst="rect">
+            <a:avLst/>
+          </a:prstGeom>
+          <a:noFill/>
+        </p:spPr>
+        <p:txBody>
+          <a:bodyPr wrap="square" lIns="0" tIns="0" rIns="0" bIns="0" rtlCol="0">
+            <a:noAutofit/>
+          </a:bodyPr>
+          <a:lstStyle/>
+          <a:p>
+            <a:pPr algn="ctr"/>
+            <a:r>
+              <a:rPr lang="en-US" sz="1100" dirty="0">
+                <a:solidFill>
+                  <a:srgbClr val="7030A0"/>
+                </a:solidFill>
+              </a:rPr>
+              <a:t>1</a:t>
+            </a:r>
+            <a:endParaRPr lang="en-SG" sz="1100" dirty="0">
+              <a:solidFill>
+                <a:srgbClr val="7030A0"/>
+              </a:solidFill>
+            </a:endParaRPr>
+          </a:p>
+        </p:txBody>
+      </p:sp>
+      <p:cxnSp>
+        <p:nvCxnSpPr>
+          <p:cNvPr id="189" name="Elbow Connector 188">
+            <a:extLst>
+              <a:ext uri="{FF2B5EF4-FFF2-40B4-BE49-F238E27FC236}">
+                <a16:creationId xmlns:a16="http://schemas.microsoft.com/office/drawing/2014/main" id="{CB6D0920-680E-8E42-A00E-D644EA5E80C2}"/>
+              </a:ext>
+            </a:extLst>
+          </p:cNvPr>
+          <p:cNvCxnSpPr>
+            <a:cxnSpLocks/>
+            <a:stCxn id="9" idx="1"/>
+            <a:endCxn id="77" idx="2"/>
+          </p:cNvCxnSpPr>
+          <p:nvPr/>
+        </p:nvCxnSpPr>
+        <p:spPr>
+          <a:xfrm rot="16200000" flipH="1">
+            <a:off x="3172687" y="1691003"/>
+            <a:ext cx="1022536" cy="4479488"/>
+          </a:xfrm>
+          <a:prstGeom prst="bentConnector3">
+            <a:avLst>
+              <a:gd name="adj1" fmla="val 175430"/>
+            </a:avLst>
+          </a:prstGeom>
+          <a:ln w="19050">
+            <a:solidFill>
+              <a:srgbClr val="7030A0"/>
+            </a:solidFill>
+            <a:prstDash val="solid"/>
+            <a:headEnd type="none" w="med" len="med"/>
+            <a:tailEnd type="arrow" w="med" len="med"/>
+          </a:ln>
+          <a:effectLst/>
+        </p:spPr>
+        <p:style>
+          <a:lnRef idx="1">
+            <a:schemeClr val="accent2"/>
+          </a:lnRef>
+          <a:fillRef idx="2">
+            <a:schemeClr val="accent2"/>
+          </a:fillRef>
+          <a:effectRef idx="1">
+            <a:schemeClr val="accent2"/>
+          </a:effectRef>
+          <a:fontRef idx="minor">
+            <a:schemeClr val="dk1"/>
+          </a:fontRef>
+        </p:style>
+      </p:cxnSp>
+      <p:cxnSp>
+        <p:nvCxnSpPr>
+          <p:cNvPr id="202" name="Elbow Connector 201">
+            <a:extLst>
+              <a:ext uri="{FF2B5EF4-FFF2-40B4-BE49-F238E27FC236}">
+                <a16:creationId xmlns:a16="http://schemas.microsoft.com/office/drawing/2014/main" id="{14713524-7684-1640-84E1-4E5A072F88B4}"/>
+              </a:ext>
+            </a:extLst>
+          </p:cNvPr>
+          <p:cNvCxnSpPr>
+            <a:cxnSpLocks/>
+            <a:stCxn id="9" idx="1"/>
+            <a:endCxn id="143" idx="2"/>
+          </p:cNvCxnSpPr>
+          <p:nvPr/>
+        </p:nvCxnSpPr>
+        <p:spPr>
+          <a:xfrm rot="16200000" flipH="1">
+            <a:off x="1633202" y="3230488"/>
+            <a:ext cx="4101506" cy="4479488"/>
+          </a:xfrm>
+          <a:prstGeom prst="bentConnector3">
+            <a:avLst>
+              <a:gd name="adj1" fmla="val 111374"/>
+            </a:avLst>
+          </a:prstGeom>
+          <a:ln w="19050">
+            <a:solidFill>
+              <a:srgbClr val="7030A0"/>
+            </a:solidFill>
+            <a:prstDash val="solid"/>
+            <a:headEnd type="none" w="med" len="med"/>
+            <a:tailEnd type="arrow" w="med" len="med"/>
+          </a:ln>
+          <a:effectLst/>
+        </p:spPr>
+        <p:style>
+          <a:lnRef idx="1">
+            <a:schemeClr val="accent2"/>
+          </a:lnRef>
+          <a:fillRef idx="2">
+            <a:schemeClr val="accent2"/>
+          </a:fillRef>
+          <a:effectRef idx="1">
+            <a:schemeClr val="accent2"/>
+          </a:effectRef>
+          <a:fontRef idx="minor">
+            <a:schemeClr val="dk1"/>
+          </a:fontRef>
+        </p:style>
+      </p:cxnSp>
+      <p:sp>
+        <p:nvSpPr>
+          <p:cNvPr id="207" name="TextBox 206">
+            <a:extLst>
+              <a:ext uri="{FF2B5EF4-FFF2-40B4-BE49-F238E27FC236}">
+                <a16:creationId xmlns:a16="http://schemas.microsoft.com/office/drawing/2014/main" id="{92BC4023-B35A-D74B-88C5-31B81C52FFE5}"/>
+              </a:ext>
+            </a:extLst>
+          </p:cNvPr>
+          <p:cNvSpPr txBox="1"/>
+          <p:nvPr/>
+        </p:nvSpPr>
+        <p:spPr>
+          <a:xfrm rot="16200000">
+            <a:off x="5593911" y="7902317"/>
+            <a:ext cx="881018" cy="261610"/>
+          </a:xfrm>
+          <a:prstGeom prst="rect">
+            <a:avLst/>
+          </a:prstGeom>
+          <a:noFill/>
+        </p:spPr>
+        <p:txBody>
+          <a:bodyPr wrap="square" rtlCol="0">
+            <a:spAutoFit/>
+          </a:bodyPr>
+          <a:lstStyle/>
+          <a:p>
+            <a:pPr algn="r"/>
+            <a:r>
+              <a:rPr lang="en-US" sz="1100" dirty="0">
+                <a:solidFill>
+                  <a:srgbClr val="7030A0"/>
+                </a:solidFill>
+              </a:rPr>
+              <a:t>filtered list</a:t>
+            </a:r>
+            <a:endParaRPr lang="en-SG" sz="1100" dirty="0">
+              <a:solidFill>
+                <a:srgbClr val="7030A0"/>
+              </a:solidFill>
+            </a:endParaRPr>
+          </a:p>
+        </p:txBody>
+      </p:sp>
+      <p:cxnSp>
+        <p:nvCxnSpPr>
+          <p:cNvPr id="208" name="Elbow Connector 63">
+            <a:extLst>
+              <a:ext uri="{FF2B5EF4-FFF2-40B4-BE49-F238E27FC236}">
+                <a16:creationId xmlns:a16="http://schemas.microsoft.com/office/drawing/2014/main" id="{5C47A644-2EBD-A34A-AD62-53138C56D5D7}"/>
+              </a:ext>
+            </a:extLst>
+          </p:cNvPr>
+          <p:cNvCxnSpPr>
+            <a:cxnSpLocks/>
+            <a:stCxn id="100" idx="0"/>
+            <a:endCxn id="209" idx="3"/>
+          </p:cNvCxnSpPr>
+          <p:nvPr/>
+        </p:nvCxnSpPr>
+        <p:spPr>
+          <a:xfrm rot="5400000" flipH="1" flipV="1">
+            <a:off x="2501847" y="123759"/>
+            <a:ext cx="144777" cy="2711272"/>
+          </a:xfrm>
+          <a:prstGeom prst="bentConnector3">
+            <a:avLst>
+              <a:gd name="adj1" fmla="val 257898"/>
+            </a:avLst>
+          </a:prstGeom>
+          <a:ln w="19050">
+            <a:solidFill>
+              <a:srgbClr val="7030A0"/>
+            </a:solidFill>
+            <a:prstDash val="sysDot"/>
+            <a:headEnd type="none" w="med" len="med"/>
+            <a:tailEnd type="none" w="med" len="med"/>
+          </a:ln>
+          <a:effectLst/>
+        </p:spPr>
+        <p:style>
+          <a:lnRef idx="1">
+            <a:schemeClr val="accent2"/>
+          </a:lnRef>
+          <a:fillRef idx="2">
+            <a:schemeClr val="accent2"/>
+          </a:fillRef>
+          <a:effectRef idx="1">
+            <a:schemeClr val="accent2"/>
+          </a:effectRef>
+          <a:fontRef idx="minor">
+            <a:schemeClr val="dk1"/>
+          </a:fontRef>
+        </p:style>
+      </p:cxnSp>
+      <p:sp>
+        <p:nvSpPr>
+          <p:cNvPr id="209" name="Isosceles Triangle 102">
+            <a:extLst>
+              <a:ext uri="{FF2B5EF4-FFF2-40B4-BE49-F238E27FC236}">
+                <a16:creationId xmlns:a16="http://schemas.microsoft.com/office/drawing/2014/main" id="{EE301390-FF48-2B4E-984F-AB89D03DA8CD}"/>
+              </a:ext>
+            </a:extLst>
+          </p:cNvPr>
+          <p:cNvSpPr/>
+          <p:nvPr/>
+        </p:nvSpPr>
+        <p:spPr>
+          <a:xfrm flipV="1">
+            <a:off x="3788677" y="1407006"/>
+            <a:ext cx="282387" cy="162513"/>
+          </a:xfrm>
+          <a:prstGeom prst="triangle">
+            <a:avLst/>
+          </a:prstGeom>
+          <a:ln w="19050">
+            <a:solidFill>
+              <a:srgbClr val="7030A0"/>
+            </a:solidFill>
+          </a:ln>
+          <a:effectLst/>
+        </p:spPr>
+        <p:style>
+          <a:lnRef idx="1">
+            <a:schemeClr val="accent4"/>
+          </a:lnRef>
+          <a:fillRef idx="2">
+            <a:schemeClr val="accent4"/>
+          </a:fillRef>
+          <a:effectRef idx="1">
+            <a:schemeClr val="accent4"/>
+          </a:effectRef>
+          <a:fontRef idx="minor">
+            <a:schemeClr val="dk1"/>
+          </a:fontRef>
+        </p:style>
+        <p:txBody>
+          <a:bodyPr rtlCol="0" anchor="ctr"/>
+          <a:lstStyle/>
+          <a:p>
+            <a:pPr algn="ctr"/>
+            <a:endParaRPr lang="en-SG" sz="1050" b="1">
+              <a:solidFill>
+                <a:srgbClr val="92D050"/>
+              </a:solidFill>
+            </a:endParaRPr>
+          </a:p>
+        </p:txBody>
+      </p:sp>
+      <p:sp>
+        <p:nvSpPr>
+          <p:cNvPr id="219" name="Rectangle 8">
+            <a:extLst>
+              <a:ext uri="{FF2B5EF4-FFF2-40B4-BE49-F238E27FC236}">
+                <a16:creationId xmlns:a16="http://schemas.microsoft.com/office/drawing/2014/main" id="{CBB84C20-D218-B648-BDD3-F7D1F23D83EC}"/>
+              </a:ext>
+            </a:extLst>
+          </p:cNvPr>
+          <p:cNvSpPr/>
+          <p:nvPr/>
+        </p:nvSpPr>
+        <p:spPr>
+          <a:xfrm>
+            <a:off x="3557413" y="1568079"/>
+            <a:ext cx="790541" cy="364396"/>
+          </a:xfrm>
+          <a:prstGeom prst="rect">
+            <a:avLst/>
+          </a:prstGeom>
+          <a:ln w="19050">
+            <a:solidFill>
+              <a:srgbClr val="7030A0"/>
+            </a:solidFill>
+          </a:ln>
+          <a:effectLst/>
+        </p:spPr>
+        <p:style>
+          <a:lnRef idx="1">
+            <a:schemeClr val="accent4"/>
+          </a:lnRef>
+          <a:fillRef idx="2">
+            <a:schemeClr val="accent4"/>
+          </a:fillRef>
+          <a:effectRef idx="1">
+            <a:schemeClr val="accent4"/>
+          </a:effectRef>
+          <a:fontRef idx="minor">
+            <a:schemeClr val="dk1"/>
+          </a:fontRef>
+        </p:style>
+        <p:txBody>
+          <a:bodyPr rtlCol="0" anchor="ctr"/>
+          <a:lstStyle/>
+          <a:p>
+            <a:pPr algn="ctr"/>
+            <a:r>
+              <a:rPr lang="en-US" sz="1050" dirty="0" err="1">
+                <a:solidFill>
+                  <a:srgbClr val="7030A0"/>
+                </a:solidFill>
+              </a:rPr>
+              <a:t>ReadOnly</a:t>
+            </a:r>
+            <a:endParaRPr lang="en-US" sz="1050" dirty="0">
+              <a:solidFill>
+                <a:srgbClr val="7030A0"/>
+              </a:solidFill>
+            </a:endParaRPr>
+          </a:p>
+          <a:p>
+            <a:pPr algn="ctr"/>
+            <a:r>
+              <a:rPr lang="en-US" sz="1050" dirty="0" err="1">
+                <a:solidFill>
+                  <a:srgbClr val="7030A0"/>
+                </a:solidFill>
+              </a:rPr>
+              <a:t>ItemList</a:t>
+            </a:r>
+            <a:endParaRPr lang="en-SG" sz="1050" dirty="0">
+              <a:solidFill>
+                <a:srgbClr val="7030A0"/>
+              </a:solidFill>
+            </a:endParaRPr>
+          </a:p>
+        </p:txBody>
+      </p:sp>
+      <p:sp>
+        <p:nvSpPr>
+          <p:cNvPr id="221" name="Rectangle 8">
+            <a:extLst>
+              <a:ext uri="{FF2B5EF4-FFF2-40B4-BE49-F238E27FC236}">
+                <a16:creationId xmlns:a16="http://schemas.microsoft.com/office/drawing/2014/main" id="{FE0F2B5C-A892-1244-9124-252BC108108E}"/>
+              </a:ext>
+            </a:extLst>
+          </p:cNvPr>
+          <p:cNvSpPr/>
+          <p:nvPr/>
+        </p:nvSpPr>
+        <p:spPr>
+          <a:xfrm>
+            <a:off x="4397688" y="1573689"/>
+            <a:ext cx="1042395" cy="490339"/>
+          </a:xfrm>
+          <a:prstGeom prst="rect">
+            <a:avLst/>
+          </a:prstGeom>
+          <a:ln w="19050">
+            <a:solidFill>
+              <a:srgbClr val="7030A0"/>
+            </a:solidFill>
+          </a:ln>
+          <a:effectLst/>
+        </p:spPr>
+        <p:style>
+          <a:lnRef idx="1">
+            <a:schemeClr val="accent4"/>
+          </a:lnRef>
+          <a:fillRef idx="2">
+            <a:schemeClr val="accent4"/>
+          </a:fillRef>
+          <a:effectRef idx="1">
+            <a:schemeClr val="accent4"/>
+          </a:effectRef>
+          <a:fontRef idx="minor">
+            <a:schemeClr val="dk1"/>
+          </a:fontRef>
+        </p:style>
+        <p:txBody>
+          <a:bodyPr rtlCol="0" anchor="ctr"/>
+          <a:lstStyle/>
+          <a:p>
+            <a:pPr algn="ctr"/>
+            <a:r>
+              <a:rPr lang="en-US" sz="1050" dirty="0" err="1">
+                <a:solidFill>
+                  <a:srgbClr val="7030A0"/>
+                </a:solidFill>
+              </a:rPr>
+              <a:t>ReadOnly</a:t>
+            </a:r>
+            <a:endParaRPr lang="en-US" sz="1050" dirty="0">
+              <a:solidFill>
+                <a:srgbClr val="7030A0"/>
+              </a:solidFill>
+            </a:endParaRPr>
+          </a:p>
+          <a:p>
+            <a:pPr algn="ctr"/>
+            <a:r>
+              <a:rPr lang="en-US" sz="1050" dirty="0" err="1">
+                <a:solidFill>
+                  <a:srgbClr val="7030A0"/>
+                </a:solidFill>
+              </a:rPr>
+              <a:t>PurchaseOrder</a:t>
+            </a:r>
+            <a:endParaRPr lang="en-US" sz="1050" dirty="0">
+              <a:solidFill>
+                <a:srgbClr val="7030A0"/>
+              </a:solidFill>
+            </a:endParaRPr>
+          </a:p>
+          <a:p>
+            <a:pPr algn="ctr"/>
+            <a:r>
+              <a:rPr lang="en-US" sz="1050" dirty="0">
+                <a:solidFill>
+                  <a:srgbClr val="7030A0"/>
+                </a:solidFill>
+              </a:rPr>
+              <a:t>List</a:t>
+            </a:r>
+            <a:endParaRPr lang="en-SG" sz="1050" dirty="0">
+              <a:solidFill>
+                <a:srgbClr val="7030A0"/>
+              </a:solidFill>
+            </a:endParaRPr>
+          </a:p>
+        </p:txBody>
+      </p:sp>
+      <p:sp>
+        <p:nvSpPr>
+          <p:cNvPr id="224" name="Rectangle 8">
+            <a:extLst>
+              <a:ext uri="{FF2B5EF4-FFF2-40B4-BE49-F238E27FC236}">
+                <a16:creationId xmlns:a16="http://schemas.microsoft.com/office/drawing/2014/main" id="{DD8582D3-5131-2B4C-AE88-03B57E7FD0E1}"/>
+              </a:ext>
+            </a:extLst>
+          </p:cNvPr>
+          <p:cNvSpPr/>
+          <p:nvPr/>
+        </p:nvSpPr>
+        <p:spPr>
+          <a:xfrm>
+            <a:off x="5486804" y="1576677"/>
+            <a:ext cx="725686" cy="364396"/>
+          </a:xfrm>
+          <a:prstGeom prst="rect">
+            <a:avLst/>
+          </a:prstGeom>
+          <a:ln w="19050">
+            <a:solidFill>
+              <a:srgbClr val="7030A0"/>
+            </a:solidFill>
+          </a:ln>
+          <a:effectLst/>
+        </p:spPr>
+        <p:style>
+          <a:lnRef idx="1">
+            <a:schemeClr val="accent4"/>
+          </a:lnRef>
+          <a:fillRef idx="2">
+            <a:schemeClr val="accent4"/>
+          </a:fillRef>
+          <a:effectRef idx="1">
+            <a:schemeClr val="accent4"/>
+          </a:effectRef>
+          <a:fontRef idx="minor">
+            <a:schemeClr val="dk1"/>
+          </a:fontRef>
+        </p:style>
+        <p:txBody>
+          <a:bodyPr rtlCol="0" anchor="ctr"/>
+          <a:lstStyle/>
+          <a:p>
+            <a:pPr algn="ctr"/>
+            <a:r>
+              <a:rPr lang="en-US" sz="1050" dirty="0" err="1">
+                <a:solidFill>
+                  <a:srgbClr val="7030A0"/>
+                </a:solidFill>
+              </a:rPr>
+              <a:t>ReadOnly</a:t>
+            </a:r>
+            <a:endParaRPr lang="en-US" sz="1050" dirty="0">
+              <a:solidFill>
+                <a:srgbClr val="7030A0"/>
+              </a:solidFill>
+            </a:endParaRPr>
+          </a:p>
+          <a:p>
+            <a:pPr algn="ctr"/>
+            <a:r>
+              <a:rPr lang="en-US" sz="1050" dirty="0" err="1">
+                <a:solidFill>
+                  <a:srgbClr val="7030A0"/>
+                </a:solidFill>
+              </a:rPr>
+              <a:t>StaffList</a:t>
+            </a:r>
+            <a:endParaRPr lang="en-SG" sz="1050" dirty="0">
+              <a:solidFill>
+                <a:srgbClr val="7030A0"/>
+              </a:solidFill>
+            </a:endParaRPr>
+          </a:p>
+        </p:txBody>
+      </p:sp>
+      <p:cxnSp>
+        <p:nvCxnSpPr>
+          <p:cNvPr id="242" name="Elbow Connector 63">
+            <a:extLst>
+              <a:ext uri="{FF2B5EF4-FFF2-40B4-BE49-F238E27FC236}">
+                <a16:creationId xmlns:a16="http://schemas.microsoft.com/office/drawing/2014/main" id="{3163D78B-A563-1742-BFD9-DEE98B9D4B98}"/>
+              </a:ext>
+            </a:extLst>
+          </p:cNvPr>
+          <p:cNvCxnSpPr>
+            <a:cxnSpLocks/>
+            <a:stCxn id="100" idx="0"/>
+            <a:endCxn id="246" idx="3"/>
+          </p:cNvCxnSpPr>
+          <p:nvPr/>
+        </p:nvCxnSpPr>
+        <p:spPr>
+          <a:xfrm rot="5400000" flipH="1" flipV="1">
+            <a:off x="2987013" y="-359187"/>
+            <a:ext cx="142557" cy="3679385"/>
+          </a:xfrm>
+          <a:prstGeom prst="bentConnector3">
+            <a:avLst>
+              <a:gd name="adj1" fmla="val 260357"/>
+            </a:avLst>
+          </a:prstGeom>
+          <a:ln w="19050">
+            <a:solidFill>
+              <a:srgbClr val="7030A0"/>
+            </a:solidFill>
+            <a:prstDash val="sysDot"/>
+            <a:headEnd type="none" w="med" len="med"/>
+            <a:tailEnd type="none" w="med" len="med"/>
+          </a:ln>
+          <a:effectLst/>
+        </p:spPr>
+        <p:style>
+          <a:lnRef idx="1">
+            <a:schemeClr val="accent2"/>
+          </a:lnRef>
+          <a:fillRef idx="2">
+            <a:schemeClr val="accent2"/>
+          </a:fillRef>
+          <a:effectRef idx="1">
+            <a:schemeClr val="accent2"/>
+          </a:effectRef>
+          <a:fontRef idx="minor">
+            <a:schemeClr val="dk1"/>
+          </a:fontRef>
+        </p:style>
+      </p:cxnSp>
+      <p:sp>
+        <p:nvSpPr>
+          <p:cNvPr id="246" name="Isosceles Triangle 102">
+            <a:extLst>
+              <a:ext uri="{FF2B5EF4-FFF2-40B4-BE49-F238E27FC236}">
+                <a16:creationId xmlns:a16="http://schemas.microsoft.com/office/drawing/2014/main" id="{A469457B-ADFE-5E42-9A3E-03FE8AB1196F}"/>
+              </a:ext>
+            </a:extLst>
+          </p:cNvPr>
+          <p:cNvSpPr/>
+          <p:nvPr/>
+        </p:nvSpPr>
+        <p:spPr>
+          <a:xfrm flipV="1">
+            <a:off x="4756790" y="1409226"/>
+            <a:ext cx="282387" cy="157062"/>
+          </a:xfrm>
+          <a:prstGeom prst="triangle">
+            <a:avLst/>
+          </a:prstGeom>
+          <a:ln w="19050">
+            <a:solidFill>
+              <a:srgbClr val="7030A0"/>
+            </a:solidFill>
+          </a:ln>
+          <a:effectLst/>
+        </p:spPr>
+        <p:style>
+          <a:lnRef idx="1">
+            <a:schemeClr val="accent4"/>
+          </a:lnRef>
+          <a:fillRef idx="2">
+            <a:schemeClr val="accent4"/>
+          </a:fillRef>
+          <a:effectRef idx="1">
+            <a:schemeClr val="accent4"/>
+          </a:effectRef>
+          <a:fontRef idx="minor">
+            <a:schemeClr val="dk1"/>
+          </a:fontRef>
+        </p:style>
+        <p:txBody>
+          <a:bodyPr rtlCol="0" anchor="ctr"/>
+          <a:lstStyle/>
+          <a:p>
+            <a:pPr algn="ctr"/>
+            <a:endParaRPr lang="en-SG" sz="1050" b="1">
+              <a:solidFill>
+                <a:srgbClr val="92D050"/>
+              </a:solidFill>
+            </a:endParaRPr>
+          </a:p>
+        </p:txBody>
+      </p:sp>
+      <p:cxnSp>
+        <p:nvCxnSpPr>
+          <p:cNvPr id="259" name="Elbow Connector 63">
+            <a:extLst>
+              <a:ext uri="{FF2B5EF4-FFF2-40B4-BE49-F238E27FC236}">
+                <a16:creationId xmlns:a16="http://schemas.microsoft.com/office/drawing/2014/main" id="{8A4B68BC-24B2-4345-B9B0-F2E86F7045CA}"/>
+              </a:ext>
+            </a:extLst>
+          </p:cNvPr>
+          <p:cNvCxnSpPr>
+            <a:cxnSpLocks/>
+            <a:stCxn id="100" idx="0"/>
+            <a:endCxn id="260" idx="3"/>
+          </p:cNvCxnSpPr>
+          <p:nvPr/>
+        </p:nvCxnSpPr>
+        <p:spPr>
+          <a:xfrm rot="5400000" flipH="1" flipV="1">
+            <a:off x="3455961" y="-827035"/>
+            <a:ext cx="141456" cy="4616181"/>
+          </a:xfrm>
+          <a:prstGeom prst="bentConnector3">
+            <a:avLst>
+              <a:gd name="adj1" fmla="val 261605"/>
+            </a:avLst>
+          </a:prstGeom>
+          <a:ln w="19050">
+            <a:solidFill>
+              <a:srgbClr val="7030A0"/>
+            </a:solidFill>
+            <a:prstDash val="sysDot"/>
+            <a:headEnd type="none" w="med" len="med"/>
+            <a:tailEnd type="none" w="med" len="med"/>
+          </a:ln>
+          <a:effectLst/>
+        </p:spPr>
+        <p:style>
+          <a:lnRef idx="1">
+            <a:schemeClr val="accent2"/>
+          </a:lnRef>
+          <a:fillRef idx="2">
+            <a:schemeClr val="accent2"/>
+          </a:fillRef>
+          <a:effectRef idx="1">
+            <a:schemeClr val="accent2"/>
+          </a:effectRef>
+          <a:fontRef idx="minor">
+            <a:schemeClr val="dk1"/>
+          </a:fontRef>
+        </p:style>
+      </p:cxnSp>
+      <p:sp>
+        <p:nvSpPr>
+          <p:cNvPr id="260" name="Isosceles Triangle 102">
+            <a:extLst>
+              <a:ext uri="{FF2B5EF4-FFF2-40B4-BE49-F238E27FC236}">
+                <a16:creationId xmlns:a16="http://schemas.microsoft.com/office/drawing/2014/main" id="{040B3A81-B642-DC45-ADE3-1F7B008CC0F4}"/>
+              </a:ext>
+            </a:extLst>
+          </p:cNvPr>
+          <p:cNvSpPr/>
+          <p:nvPr/>
+        </p:nvSpPr>
+        <p:spPr>
+          <a:xfrm flipV="1">
+            <a:off x="5693586" y="1410327"/>
+            <a:ext cx="282387" cy="157062"/>
+          </a:xfrm>
+          <a:prstGeom prst="triangle">
+            <a:avLst/>
+          </a:prstGeom>
+          <a:ln w="19050">
+            <a:solidFill>
+              <a:srgbClr val="7030A0"/>
+            </a:solidFill>
+          </a:ln>
+          <a:effectLst/>
+        </p:spPr>
+        <p:style>
+          <a:lnRef idx="1">
+            <a:schemeClr val="accent4"/>
+          </a:lnRef>
+          <a:fillRef idx="2">
+            <a:schemeClr val="accent4"/>
+          </a:fillRef>
+          <a:effectRef idx="1">
+            <a:schemeClr val="accent4"/>
+          </a:effectRef>
+          <a:fontRef idx="minor">
+            <a:schemeClr val="dk1"/>
+          </a:fontRef>
+        </p:style>
+        <p:txBody>
+          <a:bodyPr rtlCol="0" anchor="ctr"/>
+          <a:lstStyle/>
+          <a:p>
+            <a:pPr algn="ctr"/>
+            <a:endParaRPr lang="en-SG" sz="1050" b="1">
+              <a:solidFill>
+                <a:srgbClr val="92D050"/>
+              </a:solidFill>
+            </a:endParaRPr>
+          </a:p>
+        </p:txBody>
+      </p:sp>
+      <p:sp>
+        <p:nvSpPr>
+          <p:cNvPr id="291" name="Rectangle 8">
+            <a:extLst>
+              <a:ext uri="{FF2B5EF4-FFF2-40B4-BE49-F238E27FC236}">
+                <a16:creationId xmlns:a16="http://schemas.microsoft.com/office/drawing/2014/main" id="{5CC7C3A8-552D-C648-B707-3E4832987D53}"/>
+              </a:ext>
+            </a:extLst>
+          </p:cNvPr>
+          <p:cNvSpPr/>
+          <p:nvPr/>
+        </p:nvSpPr>
+        <p:spPr>
+          <a:xfrm>
+            <a:off x="6275685" y="1575353"/>
+            <a:ext cx="725686" cy="364396"/>
+          </a:xfrm>
+          <a:prstGeom prst="rect">
+            <a:avLst/>
+          </a:prstGeom>
+          <a:ln w="19050">
+            <a:solidFill>
+              <a:srgbClr val="7030A0"/>
+            </a:solidFill>
+          </a:ln>
+          <a:effectLst/>
+        </p:spPr>
+        <p:style>
+          <a:lnRef idx="1">
+            <a:schemeClr val="accent4"/>
+          </a:lnRef>
+          <a:fillRef idx="2">
+            <a:schemeClr val="accent4"/>
+          </a:fillRef>
+          <a:effectRef idx="1">
+            <a:schemeClr val="accent4"/>
+          </a:effectRef>
+          <a:fontRef idx="minor">
+            <a:schemeClr val="dk1"/>
+          </a:fontRef>
+        </p:style>
+        <p:txBody>
+          <a:bodyPr rtlCol="0" anchor="ctr"/>
+          <a:lstStyle/>
+          <a:p>
+            <a:pPr algn="ctr"/>
+            <a:r>
+              <a:rPr lang="en-US" sz="1050" dirty="0" err="1">
+                <a:solidFill>
+                  <a:srgbClr val="7030A0"/>
+                </a:solidFill>
+              </a:rPr>
+              <a:t>ReadOnly</a:t>
+            </a:r>
+            <a:endParaRPr lang="en-US" sz="1050" dirty="0">
+              <a:solidFill>
+                <a:srgbClr val="7030A0"/>
+              </a:solidFill>
+            </a:endParaRPr>
+          </a:p>
+          <a:p>
+            <a:pPr algn="ctr"/>
+            <a:r>
+              <a:rPr lang="en-US" sz="1050" dirty="0" err="1">
+                <a:solidFill>
+                  <a:srgbClr val="7030A0"/>
+                </a:solidFill>
+              </a:rPr>
+              <a:t>StaffList</a:t>
+            </a:r>
+            <a:endParaRPr lang="en-SG" sz="1050" dirty="0">
+              <a:solidFill>
+                <a:srgbClr val="7030A0"/>
+              </a:solidFill>
+            </a:endParaRPr>
+          </a:p>
+        </p:txBody>
+      </p:sp>
+      <p:cxnSp>
+        <p:nvCxnSpPr>
+          <p:cNvPr id="292" name="Elbow Connector 63">
+            <a:extLst>
+              <a:ext uri="{FF2B5EF4-FFF2-40B4-BE49-F238E27FC236}">
+                <a16:creationId xmlns:a16="http://schemas.microsoft.com/office/drawing/2014/main" id="{286BB595-18E1-2D47-9D63-FBA915A0003A}"/>
+              </a:ext>
+            </a:extLst>
+          </p:cNvPr>
+          <p:cNvCxnSpPr>
+            <a:cxnSpLocks/>
+            <a:stCxn id="100" idx="0"/>
+            <a:endCxn id="293" idx="3"/>
+          </p:cNvCxnSpPr>
+          <p:nvPr/>
+        </p:nvCxnSpPr>
+        <p:spPr>
+          <a:xfrm rot="5400000" flipH="1" flipV="1">
+            <a:off x="3834312" y="-1205810"/>
+            <a:ext cx="141881" cy="5373306"/>
+          </a:xfrm>
+          <a:prstGeom prst="bentConnector3">
+            <a:avLst>
+              <a:gd name="adj1" fmla="val 261121"/>
+            </a:avLst>
+          </a:prstGeom>
+          <a:ln w="19050">
+            <a:solidFill>
+              <a:srgbClr val="7030A0"/>
+            </a:solidFill>
+            <a:prstDash val="sysDot"/>
+            <a:headEnd type="none" w="med" len="med"/>
+            <a:tailEnd type="none" w="med" len="med"/>
+          </a:ln>
+          <a:effectLst/>
+        </p:spPr>
+        <p:style>
+          <a:lnRef idx="1">
+            <a:schemeClr val="accent2"/>
+          </a:lnRef>
+          <a:fillRef idx="2">
+            <a:schemeClr val="accent2"/>
+          </a:fillRef>
+          <a:effectRef idx="1">
+            <a:schemeClr val="accent2"/>
+          </a:effectRef>
+          <a:fontRef idx="minor">
+            <a:schemeClr val="dk1"/>
+          </a:fontRef>
+        </p:style>
+      </p:cxnSp>
+      <p:sp>
+        <p:nvSpPr>
+          <p:cNvPr id="293" name="Isosceles Triangle 102">
+            <a:extLst>
+              <a:ext uri="{FF2B5EF4-FFF2-40B4-BE49-F238E27FC236}">
+                <a16:creationId xmlns:a16="http://schemas.microsoft.com/office/drawing/2014/main" id="{21551C38-1BE3-E640-B45B-9B224BA4B075}"/>
+              </a:ext>
+            </a:extLst>
+          </p:cNvPr>
+          <p:cNvSpPr/>
+          <p:nvPr/>
+        </p:nvSpPr>
+        <p:spPr>
+          <a:xfrm flipV="1">
+            <a:off x="6450711" y="1409902"/>
+            <a:ext cx="282387" cy="157062"/>
+          </a:xfrm>
+          <a:prstGeom prst="triangle">
+            <a:avLst/>
+          </a:prstGeom>
+          <a:ln w="19050">
+            <a:solidFill>
+              <a:srgbClr val="7030A0"/>
+            </a:solidFill>
+          </a:ln>
+          <a:effectLst/>
+        </p:spPr>
+        <p:style>
+          <a:lnRef idx="1">
+            <a:schemeClr val="accent4"/>
+          </a:lnRef>
+          <a:fillRef idx="2">
+            <a:schemeClr val="accent4"/>
+          </a:fillRef>
+          <a:effectRef idx="1">
+            <a:schemeClr val="accent4"/>
+          </a:effectRef>
+          <a:fontRef idx="minor">
+            <a:schemeClr val="dk1"/>
+          </a:fontRef>
+        </p:style>
+        <p:txBody>
+          <a:bodyPr rtlCol="0" anchor="ctr"/>
+          <a:lstStyle/>
+          <a:p>
+            <a:pPr algn="ctr"/>
+            <a:endParaRPr lang="en-SG" sz="1050" b="1">
+              <a:solidFill>
+                <a:srgbClr val="92D050"/>
+              </a:solidFill>
+            </a:endParaRPr>
+          </a:p>
+        </p:txBody>
+      </p:sp>
     </p:spTree>
     <p:extLst>
       <p:ext uri="{BB962C8B-B14F-4D97-AF65-F5344CB8AC3E}">

--- a/docs/diagrams/ModelComponentClassDiagram.pptx
+++ b/docs/diagrams/ModelComponentClassDiagram.pptx
@@ -8864,7 +8864,7 @@
         </p:nvSpPr>
         <p:spPr>
           <a:xfrm>
-            <a:off x="3945312" y="3206722"/>
+            <a:off x="3945312" y="3221562"/>
             <a:ext cx="708186" cy="346760"/>
           </a:xfrm>
           <a:prstGeom prst="rect">
@@ -8909,57 +8909,6 @@
                 <a:srgbClr val="7030A0"/>
               </a:solidFill>
             </a:endParaRPr>
-          </a:p>
-        </p:txBody>
-      </p:sp>
-      <p:sp>
-        <p:nvSpPr>
-          <p:cNvPr id="168" name="Flowchart: Decision 96">
-            <a:extLst>
-              <a:ext uri="{FF2B5EF4-FFF2-40B4-BE49-F238E27FC236}">
-                <a16:creationId xmlns:a16="http://schemas.microsoft.com/office/drawing/2014/main" id="{DF83A3D5-AD95-094E-AC36-11A1DB01FE16}"/>
-              </a:ext>
-            </a:extLst>
-          </p:cNvPr>
-          <p:cNvSpPr/>
-          <p:nvPr/>
-        </p:nvSpPr>
-        <p:spPr>
-          <a:xfrm>
-            <a:off x="3212825" y="3297642"/>
-            <a:ext cx="236048" cy="173380"/>
-          </a:xfrm>
-          <a:prstGeom prst="flowChartDecision">
-            <a:avLst/>
-          </a:prstGeom>
-          <a:noFill/>
-          <a:ln w="19050">
-            <a:solidFill>
-              <a:srgbClr val="7030A0"/>
-            </a:solidFill>
-          </a:ln>
-          <a:effectLst/>
-        </p:spPr>
-        <p:style>
-          <a:lnRef idx="1">
-            <a:schemeClr val="accent6"/>
-          </a:lnRef>
-          <a:fillRef idx="2">
-            <a:schemeClr val="accent6"/>
-          </a:fillRef>
-          <a:effectRef idx="1">
-            <a:schemeClr val="accent6"/>
-          </a:effectRef>
-          <a:fontRef idx="minor">
-            <a:schemeClr val="dk1"/>
-          </a:fontRef>
-        </p:style>
-        <p:txBody>
-          <a:bodyPr rtlCol="0" anchor="ctr"/>
-          <a:lstStyle/>
-          <a:p>
-            <a:pPr algn="ctr"/>
-            <a:endParaRPr lang="en-US" sz="1050"/>
           </a:p>
         </p:txBody>
       </p:sp>
@@ -8973,15 +8922,16 @@
             </a:extLst>
           </p:cNvPr>
           <p:cNvCxnSpPr>
-            <a:stCxn id="168" idx="3"/>
+            <a:cxnSpLocks/>
+            <a:stCxn id="132" idx="3"/>
             <a:endCxn id="167" idx="1"/>
           </p:cNvCxnSpPr>
           <p:nvPr/>
         </p:nvCxnSpPr>
         <p:spPr>
           <a:xfrm flipV="1">
-            <a:off x="3448874" y="3380103"/>
-            <a:ext cx="496439" cy="4230"/>
+            <a:off x="3458953" y="3394942"/>
+            <a:ext cx="486359" cy="4849"/>
           </a:xfrm>
           <a:prstGeom prst="straightConnector1">
             <a:avLst/>
@@ -9129,7 +9079,7 @@
           </a:xfrm>
           <a:prstGeom prst="bentConnector3">
             <a:avLst>
-              <a:gd name="adj1" fmla="val 111374"/>
+              <a:gd name="adj1" fmla="val 119336"/>
             </a:avLst>
           </a:prstGeom>
           <a:ln w="19050">
@@ -9835,7 +9785,7 @@
                   <a:srgbClr val="7030A0"/>
                 </a:solidFill>
               </a:rPr>
-              <a:t>StaffList</a:t>
+              <a:t>SaleList</a:t>
             </a:r>
             <a:endParaRPr lang="en-SG" sz="1050" dirty="0">
               <a:solidFill>
@@ -9947,6 +9897,59 @@
                 <a:srgbClr val="92D050"/>
               </a:solidFill>
             </a:endParaRPr>
+          </a:p>
+        </p:txBody>
+      </p:sp>
+      <p:sp>
+        <p:nvSpPr>
+          <p:cNvPr id="132" name="Flowchart: Decision 96">
+            <a:extLst>
+              <a:ext uri="{FF2B5EF4-FFF2-40B4-BE49-F238E27FC236}">
+                <a16:creationId xmlns:a16="http://schemas.microsoft.com/office/drawing/2014/main" id="{A29B4DDA-92EC-AB45-B9C3-C09EE02A542D}"/>
+              </a:ext>
+            </a:extLst>
+          </p:cNvPr>
+          <p:cNvSpPr/>
+          <p:nvPr/>
+        </p:nvSpPr>
+        <p:spPr>
+          <a:xfrm>
+            <a:off x="3222905" y="3313101"/>
+            <a:ext cx="236048" cy="173380"/>
+          </a:xfrm>
+          <a:prstGeom prst="flowChartDecision">
+            <a:avLst/>
+          </a:prstGeom>
+          <a:solidFill>
+            <a:srgbClr val="7030A0"/>
+          </a:solidFill>
+          <a:ln w="19050">
+            <a:solidFill>
+              <a:srgbClr val="7030A0"/>
+            </a:solidFill>
+          </a:ln>
+          <a:effectLst/>
+        </p:spPr>
+        <p:style>
+          <a:lnRef idx="1">
+            <a:schemeClr val="accent6"/>
+          </a:lnRef>
+          <a:fillRef idx="2">
+            <a:schemeClr val="accent6"/>
+          </a:fillRef>
+          <a:effectRef idx="1">
+            <a:schemeClr val="accent6"/>
+          </a:effectRef>
+          <a:fontRef idx="minor">
+            <a:schemeClr val="dk1"/>
+          </a:fontRef>
+        </p:style>
+        <p:txBody>
+          <a:bodyPr rtlCol="0" anchor="ctr"/>
+          <a:lstStyle/>
+          <a:p>
+            <a:pPr algn="ctr"/>
+            <a:endParaRPr lang="en-US" sz="1050"/>
           </a:p>
         </p:txBody>
       </p:sp>
